--- a/report/presentation.pptx
+++ b/report/presentation.pptx
@@ -281,7 +281,7 @@
           <a:p>
             <a:fld id="{5689761C-6916-416E-A526-41CDE3A03D6E}" type="datetimeFigureOut">
               <a:rPr lang="sv-SE" smtClean="0"/>
-              <a:t>2016-03-14</a:t>
+              <a:t>2016-03-16</a:t>
             </a:fld>
             <a:endParaRPr lang="sv-SE"/>
           </a:p>
@@ -595,7 +595,7 @@
           <a:p>
             <a:r>
               <a:rPr lang="sv-SE" dirty="0" smtClean="0"/>
-              <a:t>Alex</a:t>
+              <a:t>Anna</a:t>
             </a:r>
             <a:endParaRPr lang="sv-SE" dirty="0"/>
           </a:p>
@@ -620,7 +620,7 @@
               <a:rPr lang="sv-SE" smtClean="0"/>
               <a:t>1</a:t>
             </a:fld>
-            <a:endParaRPr lang="sv-SE"/>
+            <a:endParaRPr lang="sv-SE" dirty="0"/>
           </a:p>
         </p:txBody>
       </p:sp>
@@ -683,7 +683,7 @@
           <a:p>
             <a:r>
               <a:rPr lang="sv-SE" dirty="0" smtClean="0"/>
-              <a:t>Alex</a:t>
+              <a:t>Anna</a:t>
             </a:r>
             <a:endParaRPr lang="sv-SE" dirty="0"/>
           </a:p>
@@ -708,7 +708,7 @@
               <a:rPr lang="sv-SE" smtClean="0"/>
               <a:t>2</a:t>
             </a:fld>
-            <a:endParaRPr lang="sv-SE"/>
+            <a:endParaRPr lang="sv-SE" dirty="0"/>
           </a:p>
         </p:txBody>
       </p:sp>
@@ -771,7 +771,7 @@
           <a:p>
             <a:r>
               <a:rPr lang="sv-SE" dirty="0" smtClean="0"/>
-              <a:t>Alex</a:t>
+              <a:t>Anna/Daniel</a:t>
             </a:r>
             <a:endParaRPr lang="sv-SE" dirty="0"/>
           </a:p>
@@ -859,7 +859,7 @@
           <a:p>
             <a:r>
               <a:rPr lang="sv-SE" dirty="0" smtClean="0"/>
-              <a:t>Alex</a:t>
+              <a:t>Daniel</a:t>
             </a:r>
             <a:endParaRPr lang="sv-SE" dirty="0"/>
           </a:p>
@@ -882,7 +882,7 @@
           <a:p>
             <a:fld id="{3C45CB63-5382-44F2-812E-2252B97FA36F}" type="slidenum">
               <a:rPr lang="sv-SE" smtClean="0"/>
-              <a:t>7</a:t>
+              <a:t>4</a:t>
             </a:fld>
             <a:endParaRPr lang="sv-SE"/>
           </a:p>
@@ -891,7 +891,7 @@
     </p:spTree>
     <p:extLst>
       <p:ext uri="{BB962C8B-B14F-4D97-AF65-F5344CB8AC3E}">
-        <p14:creationId xmlns:p14="http://schemas.microsoft.com/office/powerpoint/2010/main" val="3567687180"/>
+        <p14:creationId xmlns:p14="http://schemas.microsoft.com/office/powerpoint/2010/main" val="3619119171"/>
       </p:ext>
     </p:extLst>
   </p:cSld>
@@ -947,11 +947,7 @@
           <a:p>
             <a:r>
               <a:rPr lang="sv-SE" dirty="0" smtClean="0"/>
-              <a:t>Its probably</a:t>
-            </a:r>
-            <a:r>
-              <a:rPr lang="sv-SE" baseline="0" dirty="0" smtClean="0"/>
-              <a:t> better with latin bird names instaead of swedish</a:t>
+              <a:t>Daniel</a:t>
             </a:r>
             <a:endParaRPr lang="sv-SE" dirty="0"/>
           </a:p>
@@ -974,7 +970,7 @@
           <a:p>
             <a:fld id="{3C45CB63-5382-44F2-812E-2252B97FA36F}" type="slidenum">
               <a:rPr lang="sv-SE" smtClean="0"/>
-              <a:t>8</a:t>
+              <a:t>5</a:t>
             </a:fld>
             <a:endParaRPr lang="sv-SE"/>
           </a:p>
@@ -983,7 +979,7 @@
     </p:spTree>
     <p:extLst>
       <p:ext uri="{BB962C8B-B14F-4D97-AF65-F5344CB8AC3E}">
-        <p14:creationId xmlns:p14="http://schemas.microsoft.com/office/powerpoint/2010/main" val="2519493551"/>
+        <p14:creationId xmlns:p14="http://schemas.microsoft.com/office/powerpoint/2010/main" val="2657924726"/>
       </p:ext>
     </p:extLst>
   </p:cSld>
@@ -1038,8 +1034,41 @@
           <a:lstStyle/>
           <a:p>
             <a:r>
-              <a:rPr lang="sv-SE" dirty="0" smtClean="0"/>
-              <a:t>Alex</a:t>
+              <a:rPr lang="en-US" sz="1200" b="0" i="0" kern="1200" dirty="0" smtClean="0">
+                <a:solidFill>
+                  <a:schemeClr val="tx1"/>
+                </a:solidFill>
+                <a:effectLst/>
+                <a:latin typeface="+mn-lt"/>
+                <a:ea typeface="+mn-ea"/>
+                <a:cs typeface="+mn-cs"/>
+              </a:rPr>
+              <a:t>One purpose of estimating the spectral density is to detect any </a:t>
+            </a:r>
+            <a:r>
+              <a:rPr lang="en-US" sz="1200" b="0" i="0" u="none" strike="noStrike" kern="1200" dirty="0" smtClean="0">
+                <a:solidFill>
+                  <a:schemeClr val="tx1"/>
+                </a:solidFill>
+                <a:effectLst/>
+                <a:latin typeface="+mn-lt"/>
+                <a:ea typeface="+mn-ea"/>
+                <a:cs typeface="+mn-cs"/>
+                <a:hlinkClick r:id="rId3" tooltip="Periodic function"/>
+              </a:rPr>
+              <a:t>periodicities</a:t>
+            </a:r>
+            <a:r>
+              <a:rPr lang="en-US" sz="1200" b="0" i="0" kern="1200" dirty="0" smtClean="0">
+                <a:solidFill>
+                  <a:schemeClr val="tx1"/>
+                </a:solidFill>
+                <a:effectLst/>
+                <a:latin typeface="+mn-lt"/>
+                <a:ea typeface="+mn-ea"/>
+                <a:cs typeface="+mn-cs"/>
+              </a:rPr>
+              <a:t> in the data, by observing peaks at the frequencies corresponding to these periodicities.</a:t>
             </a:r>
             <a:endParaRPr lang="sv-SE" dirty="0"/>
           </a:p>
@@ -1062,7 +1091,7 @@
           <a:p>
             <a:fld id="{3C45CB63-5382-44F2-812E-2252B97FA36F}" type="slidenum">
               <a:rPr lang="sv-SE" smtClean="0"/>
-              <a:t>9</a:t>
+              <a:t>6</a:t>
             </a:fld>
             <a:endParaRPr lang="sv-SE"/>
           </a:p>
@@ -1071,7 +1100,275 @@
     </p:spTree>
     <p:extLst>
       <p:ext uri="{BB962C8B-B14F-4D97-AF65-F5344CB8AC3E}">
-        <p14:creationId xmlns:p14="http://schemas.microsoft.com/office/powerpoint/2010/main" val="3341651974"/>
+        <p14:creationId xmlns:p14="http://schemas.microsoft.com/office/powerpoint/2010/main" val="1229011975"/>
+      </p:ext>
+    </p:extLst>
+  </p:cSld>
+  <p:clrMapOvr>
+    <a:masterClrMapping/>
+  </p:clrMapOvr>
+</p:notes>
+</file>
+
+<file path=ppt/notesSlides/notesSlide7.xml><?xml version="1.0" encoding="utf-8"?>
+<p:notes xmlns:a="http://schemas.openxmlformats.org/drawingml/2006/main" xmlns:r="http://schemas.openxmlformats.org/officeDocument/2006/relationships" xmlns:p="http://schemas.openxmlformats.org/presentationml/2006/main">
+  <p:cSld>
+    <p:spTree>
+      <p:nvGrpSpPr>
+        <p:cNvPr id="1" name=""/>
+        <p:cNvGrpSpPr/>
+        <p:nvPr/>
+      </p:nvGrpSpPr>
+      <p:grpSpPr>
+        <a:xfrm>
+          <a:off x="0" y="0"/>
+          <a:ext cx="0" cy="0"/>
+          <a:chOff x="0" y="0"/>
+          <a:chExt cx="0" cy="0"/>
+        </a:xfrm>
+      </p:grpSpPr>
+      <p:sp>
+        <p:nvSpPr>
+          <p:cNvPr id="2" name="Slide Image Placeholder 1"/>
+          <p:cNvSpPr>
+            <a:spLocks noGrp="1" noRot="1" noChangeAspect="1"/>
+          </p:cNvSpPr>
+          <p:nvPr>
+            <p:ph type="sldImg"/>
+          </p:nvPr>
+        </p:nvSpPr>
+        <p:spPr/>
+      </p:sp>
+      <p:sp>
+        <p:nvSpPr>
+          <p:cNvPr id="3" name="Notes Placeholder 2"/>
+          <p:cNvSpPr>
+            <a:spLocks noGrp="1"/>
+          </p:cNvSpPr>
+          <p:nvPr>
+            <p:ph type="body" idx="1"/>
+          </p:nvPr>
+        </p:nvSpPr>
+        <p:spPr/>
+        <p:txBody>
+          <a:bodyPr/>
+          <a:lstStyle/>
+          <a:p>
+            <a:r>
+              <a:rPr lang="sv-SE" dirty="0" smtClean="0"/>
+              <a:t>Alex</a:t>
+            </a:r>
+            <a:endParaRPr lang="sv-SE" dirty="0"/>
+          </a:p>
+        </p:txBody>
+      </p:sp>
+      <p:sp>
+        <p:nvSpPr>
+          <p:cNvPr id="4" name="Slide Number Placeholder 3"/>
+          <p:cNvSpPr>
+            <a:spLocks noGrp="1"/>
+          </p:cNvSpPr>
+          <p:nvPr>
+            <p:ph type="sldNum" sz="quarter" idx="10"/>
+          </p:nvPr>
+        </p:nvSpPr>
+        <p:spPr/>
+        <p:txBody>
+          <a:bodyPr/>
+          <a:lstStyle/>
+          <a:p>
+            <a:fld id="{3C45CB63-5382-44F2-812E-2252B97FA36F}" type="slidenum">
+              <a:rPr lang="sv-SE" smtClean="0"/>
+              <a:t>7</a:t>
+            </a:fld>
+            <a:endParaRPr lang="sv-SE"/>
+          </a:p>
+        </p:txBody>
+      </p:sp>
+    </p:spTree>
+    <p:extLst>
+      <p:ext uri="{BB962C8B-B14F-4D97-AF65-F5344CB8AC3E}">
+        <p14:creationId xmlns:p14="http://schemas.microsoft.com/office/powerpoint/2010/main" val="3567687180"/>
+      </p:ext>
+    </p:extLst>
+  </p:cSld>
+  <p:clrMapOvr>
+    <a:masterClrMapping/>
+  </p:clrMapOvr>
+</p:notes>
+</file>
+
+<file path=ppt/notesSlides/notesSlide8.xml><?xml version="1.0" encoding="utf-8"?>
+<p:notes xmlns:a="http://schemas.openxmlformats.org/drawingml/2006/main" xmlns:r="http://schemas.openxmlformats.org/officeDocument/2006/relationships" xmlns:p="http://schemas.openxmlformats.org/presentationml/2006/main">
+  <p:cSld>
+    <p:spTree>
+      <p:nvGrpSpPr>
+        <p:cNvPr id="1" name=""/>
+        <p:cNvGrpSpPr/>
+        <p:nvPr/>
+      </p:nvGrpSpPr>
+      <p:grpSpPr>
+        <a:xfrm>
+          <a:off x="0" y="0"/>
+          <a:ext cx="0" cy="0"/>
+          <a:chOff x="0" y="0"/>
+          <a:chExt cx="0" cy="0"/>
+        </a:xfrm>
+      </p:grpSpPr>
+      <p:sp>
+        <p:nvSpPr>
+          <p:cNvPr id="2" name="Slide Image Placeholder 1"/>
+          <p:cNvSpPr>
+            <a:spLocks noGrp="1" noRot="1" noChangeAspect="1"/>
+          </p:cNvSpPr>
+          <p:nvPr>
+            <p:ph type="sldImg"/>
+          </p:nvPr>
+        </p:nvSpPr>
+        <p:spPr/>
+      </p:sp>
+      <p:sp>
+        <p:nvSpPr>
+          <p:cNvPr id="3" name="Notes Placeholder 2"/>
+          <p:cNvSpPr>
+            <a:spLocks noGrp="1"/>
+          </p:cNvSpPr>
+          <p:nvPr>
+            <p:ph type="body" idx="1"/>
+          </p:nvPr>
+        </p:nvSpPr>
+        <p:spPr/>
+        <p:txBody>
+          <a:bodyPr/>
+          <a:lstStyle/>
+          <a:p>
+            <a:r>
+              <a:rPr lang="sv-SE" dirty="0" smtClean="0"/>
+              <a:t>Its probably</a:t>
+            </a:r>
+            <a:r>
+              <a:rPr lang="sv-SE" baseline="0" dirty="0" smtClean="0"/>
+              <a:t> better with latin bird names instaead of swedish</a:t>
+            </a:r>
+            <a:endParaRPr lang="sv-SE" dirty="0"/>
+          </a:p>
+        </p:txBody>
+      </p:sp>
+      <p:sp>
+        <p:nvSpPr>
+          <p:cNvPr id="4" name="Slide Number Placeholder 3"/>
+          <p:cNvSpPr>
+            <a:spLocks noGrp="1"/>
+          </p:cNvSpPr>
+          <p:nvPr>
+            <p:ph type="sldNum" sz="quarter" idx="10"/>
+          </p:nvPr>
+        </p:nvSpPr>
+        <p:spPr/>
+        <p:txBody>
+          <a:bodyPr/>
+          <a:lstStyle/>
+          <a:p>
+            <a:fld id="{3C45CB63-5382-44F2-812E-2252B97FA36F}" type="slidenum">
+              <a:rPr lang="sv-SE" smtClean="0"/>
+              <a:t>8</a:t>
+            </a:fld>
+            <a:endParaRPr lang="sv-SE"/>
+          </a:p>
+        </p:txBody>
+      </p:sp>
+    </p:spTree>
+    <p:extLst>
+      <p:ext uri="{BB962C8B-B14F-4D97-AF65-F5344CB8AC3E}">
+        <p14:creationId xmlns:p14="http://schemas.microsoft.com/office/powerpoint/2010/main" val="2519493551"/>
+      </p:ext>
+    </p:extLst>
+  </p:cSld>
+  <p:clrMapOvr>
+    <a:masterClrMapping/>
+  </p:clrMapOvr>
+</p:notes>
+</file>
+
+<file path=ppt/notesSlides/notesSlide9.xml><?xml version="1.0" encoding="utf-8"?>
+<p:notes xmlns:a="http://schemas.openxmlformats.org/drawingml/2006/main" xmlns:r="http://schemas.openxmlformats.org/officeDocument/2006/relationships" xmlns:p="http://schemas.openxmlformats.org/presentationml/2006/main">
+  <p:cSld>
+    <p:spTree>
+      <p:nvGrpSpPr>
+        <p:cNvPr id="1" name=""/>
+        <p:cNvGrpSpPr/>
+        <p:nvPr/>
+      </p:nvGrpSpPr>
+      <p:grpSpPr>
+        <a:xfrm>
+          <a:off x="0" y="0"/>
+          <a:ext cx="0" cy="0"/>
+          <a:chOff x="0" y="0"/>
+          <a:chExt cx="0" cy="0"/>
+        </a:xfrm>
+      </p:grpSpPr>
+      <p:sp>
+        <p:nvSpPr>
+          <p:cNvPr id="2" name="Slide Image Placeholder 1"/>
+          <p:cNvSpPr>
+            <a:spLocks noGrp="1" noRot="1" noChangeAspect="1"/>
+          </p:cNvSpPr>
+          <p:nvPr>
+            <p:ph type="sldImg"/>
+          </p:nvPr>
+        </p:nvSpPr>
+        <p:spPr/>
+      </p:sp>
+      <p:sp>
+        <p:nvSpPr>
+          <p:cNvPr id="3" name="Notes Placeholder 2"/>
+          <p:cNvSpPr>
+            <a:spLocks noGrp="1"/>
+          </p:cNvSpPr>
+          <p:nvPr>
+            <p:ph type="body" idx="1"/>
+          </p:nvPr>
+        </p:nvSpPr>
+        <p:spPr/>
+        <p:txBody>
+          <a:bodyPr/>
+          <a:lstStyle/>
+          <a:p>
+            <a:r>
+              <a:rPr lang="sv-SE" dirty="0" smtClean="0"/>
+              <a:t>Anna</a:t>
+            </a:r>
+            <a:endParaRPr lang="sv-SE" dirty="0"/>
+          </a:p>
+        </p:txBody>
+      </p:sp>
+      <p:sp>
+        <p:nvSpPr>
+          <p:cNvPr id="4" name="Slide Number Placeholder 3"/>
+          <p:cNvSpPr>
+            <a:spLocks noGrp="1"/>
+          </p:cNvSpPr>
+          <p:nvPr>
+            <p:ph type="sldNum" sz="quarter" idx="10"/>
+          </p:nvPr>
+        </p:nvSpPr>
+        <p:spPr/>
+        <p:txBody>
+          <a:bodyPr/>
+          <a:lstStyle/>
+          <a:p>
+            <a:fld id="{3C45CB63-5382-44F2-812E-2252B97FA36F}" type="slidenum">
+              <a:rPr lang="sv-SE" smtClean="0"/>
+              <a:t>9</a:t>
+            </a:fld>
+            <a:endParaRPr lang="sv-SE" dirty="0"/>
+          </a:p>
+        </p:txBody>
+      </p:sp>
+    </p:spTree>
+    <p:extLst>
+      <p:ext uri="{BB962C8B-B14F-4D97-AF65-F5344CB8AC3E}">
+        <p14:creationId xmlns:p14="http://schemas.microsoft.com/office/powerpoint/2010/main" val="1682415485"/>
       </p:ext>
     </p:extLst>
   </p:cSld>
@@ -22718,15 +23015,7 @@
                 <a:cs typeface="Arial" panose="020B0604020202020204" pitchFamily="34" charset="0"/>
                 <a:sym typeface="Arial" panose="020B0604020202020204" pitchFamily="34" charset="0"/>
               </a:rPr>
-              <a:t>Bird </a:t>
-            </a:r>
-            <a:r>
-              <a:rPr lang="en-US" altLang="sv-SE" sz="5500" dirty="0" smtClean="0">
-                <a:latin typeface="Arial" panose="020B0604020202020204" pitchFamily="34" charset="0"/>
-                <a:cs typeface="Arial" panose="020B0604020202020204" pitchFamily="34" charset="0"/>
-                <a:sym typeface="Arial" panose="020B0604020202020204" pitchFamily="34" charset="0"/>
-              </a:rPr>
-              <a:t>classification by sound using Case-Based Reasoning</a:t>
+              <a:t>Bird classification by sound using Case-Based Reasoning</a:t>
             </a:r>
             <a:endParaRPr lang="sv-SE" altLang="sv-SE" sz="5500" dirty="0" smtClean="0">
               <a:latin typeface="Arial" panose="020B0604020202020204" pitchFamily="34" charset="0"/>
@@ -22778,18 +23067,46 @@
           <a:p>
             <a:pPr eaLnBrk="1" hangingPunct="1"/>
             <a:r>
+              <a:rPr lang="sv-SE" altLang="sv-SE" sz="2000" dirty="0">
+                <a:latin typeface="Arial" panose="020B0604020202020204" pitchFamily="34" charset="0"/>
+                <a:cs typeface="Arial" panose="020B0604020202020204" pitchFamily="34" charset="0"/>
+              </a:rPr>
+              <a:t>Alex Anis </a:t>
+            </a:r>
+            <a:r>
               <a:rPr lang="sv-SE" altLang="sv-SE" sz="2000" dirty="0" smtClean="0">
                 <a:latin typeface="Arial" panose="020B0604020202020204" pitchFamily="34" charset="0"/>
                 <a:cs typeface="Arial" panose="020B0604020202020204" pitchFamily="34" charset="0"/>
               </a:rPr>
-              <a:t>Alex Anis, Johan Söderlind Åström, Daniel </a:t>
+              <a:t>, Anna Enbom,</a:t>
+            </a:r>
+            <a:r>
+              <a:rPr lang="sv-SE" altLang="sv-SE" sz="2000" dirty="0">
+                <a:latin typeface="Arial" panose="020B0604020202020204" pitchFamily="34" charset="0"/>
+                <a:cs typeface="Arial" panose="020B0604020202020204" pitchFamily="34" charset="0"/>
+              </a:rPr>
+              <a:t> Daniel Hedlund </a:t>
             </a:r>
             <a:r>
               <a:rPr lang="sv-SE" altLang="sv-SE" sz="2000" dirty="0" smtClean="0">
                 <a:latin typeface="Arial" panose="020B0604020202020204" pitchFamily="34" charset="0"/>
                 <a:cs typeface="Arial" panose="020B0604020202020204" pitchFamily="34" charset="0"/>
               </a:rPr>
-              <a:t>Hedlund, Anna Enbom</a:t>
+              <a:t>, Johan </a:t>
+            </a:r>
+            <a:r>
+              <a:rPr lang="sv-SE" altLang="sv-SE" sz="2000" dirty="0" smtClean="0">
+                <a:latin typeface="Arial" panose="020B0604020202020204" pitchFamily="34" charset="0"/>
+                <a:cs typeface="Arial" panose="020B0604020202020204" pitchFamily="34" charset="0"/>
+              </a:rPr>
+              <a:t>Söderlind </a:t>
+            </a:r>
+            <a:r>
+              <a:rPr lang="sv-SE" altLang="sv-SE" sz="2000" dirty="0" smtClean="0">
+                <a:latin typeface="Arial" panose="020B0604020202020204" pitchFamily="34" charset="0"/>
+                <a:cs typeface="Arial" panose="020B0604020202020204" pitchFamily="34" charset="0"/>
+              </a:rPr>
+              <a:t>Åström</a:t>
             </a:r>
             <a:r>
               <a:rPr lang="sv-SE" altLang="sv-SE" sz="2000" dirty="0" smtClean="0">
@@ -22979,8 +23296,21 @@
             <a:pPr eaLnBrk="1" hangingPunct="1"/>
             <a:r>
               <a:rPr lang="sv-SE" i="0" dirty="0" smtClean="0"/>
-              <a:t>The goal is to classify a bird by using a very short audio recording of its singing</a:t>
-            </a:r>
+              <a:t>The goal is to classify a bird by using a very short audio recording of </a:t>
+            </a:r>
+            <a:r>
+              <a:rPr lang="sv-SE" i="0" dirty="0" err="1" smtClean="0"/>
+              <a:t>its</a:t>
+            </a:r>
+            <a:r>
+              <a:rPr lang="sv-SE" i="0" dirty="0" smtClean="0"/>
+              <a:t> </a:t>
+            </a:r>
+            <a:r>
+              <a:rPr lang="sv-SE" i="0" dirty="0" err="1" smtClean="0"/>
+              <a:t>singing</a:t>
+            </a:r>
+            <a:endParaRPr lang="sv-SE" i="0" dirty="0" smtClean="0"/>
           </a:p>
           <a:p>
             <a:pPr marL="0" indent="0" eaLnBrk="1" hangingPunct="1">
@@ -23007,6 +23337,86 @@
           </a:p>
         </p:txBody>
       </p:sp>
+      <p:pic>
+        <p:nvPicPr>
+          <p:cNvPr id="1026" name="Picture 2" descr="http://www.fageln.se/upload/art/rodhake/rodhake02_original.jpg"/>
+          <p:cNvPicPr>
+            <a:picLocks noChangeAspect="1" noChangeArrowheads="1"/>
+          </p:cNvPicPr>
+          <p:nvPr/>
+        </p:nvPicPr>
+        <p:blipFill>
+          <a:blip r:embed="rId3">
+            <a:extLst>
+              <a:ext uri="{28A0092B-C50C-407E-A947-70E740481C1C}">
+                <a14:useLocalDpi xmlns:a14="http://schemas.microsoft.com/office/drawing/2010/main" val="0"/>
+              </a:ext>
+            </a:extLst>
+          </a:blip>
+          <a:srcRect/>
+          <a:stretch>
+            <a:fillRect/>
+          </a:stretch>
+        </p:blipFill>
+        <p:spPr bwMode="auto">
+          <a:xfrm>
+            <a:off x="2048231" y="5452864"/>
+            <a:ext cx="4523656" cy="2793358"/>
+          </a:xfrm>
+          <a:prstGeom prst="rect">
+            <a:avLst/>
+          </a:prstGeom>
+          <a:noFill/>
+          <a:extLst>
+            <a:ext uri="{909E8E84-426E-40DD-AFC4-6F175D3DCCD1}">
+              <a14:hiddenFill xmlns:a14="http://schemas.microsoft.com/office/drawing/2010/main">
+                <a:solidFill>
+                  <a:srgbClr val="FFFFFF"/>
+                </a:solidFill>
+              </a14:hiddenFill>
+            </a:ext>
+          </a:extLst>
+        </p:spPr>
+      </p:pic>
+      <p:pic>
+        <p:nvPicPr>
+          <p:cNvPr id="1028" name="Picture 4" descr="http://www.praktejder.se/images/2013/Bofink1MN-130411.jpg"/>
+          <p:cNvPicPr>
+            <a:picLocks noChangeAspect="1" noChangeArrowheads="1"/>
+          </p:cNvPicPr>
+          <p:nvPr/>
+        </p:nvPicPr>
+        <p:blipFill rotWithShape="1">
+          <a:blip r:embed="rId4">
+            <a:extLst>
+              <a:ext uri="{28A0092B-C50C-407E-A947-70E740481C1C}">
+                <a14:useLocalDpi xmlns:a14="http://schemas.microsoft.com/office/drawing/2010/main" val="0"/>
+              </a:ext>
+            </a:extLst>
+          </a:blip>
+          <a:srcRect l="29202" t="12889"/>
+          <a:stretch/>
+        </p:blipFill>
+        <p:spPr bwMode="auto">
+          <a:xfrm>
+            <a:off x="6668164" y="5452864"/>
+            <a:ext cx="3399854" cy="2787556"/>
+          </a:xfrm>
+          <a:prstGeom prst="rect">
+            <a:avLst/>
+          </a:prstGeom>
+          <a:noFill/>
+          <a:extLst>
+            <a:ext uri="{909E8E84-426E-40DD-AFC4-6F175D3DCCD1}">
+              <a14:hiddenFill xmlns:a14="http://schemas.microsoft.com/office/drawing/2010/main">
+                <a:solidFill>
+                  <a:srgbClr val="FFFFFF"/>
+                </a:solidFill>
+              </a14:hiddenFill>
+            </a:ext>
+          </a:extLst>
+        </p:spPr>
+      </p:pic>
     </p:spTree>
   </p:cSld>
   <p:clrMapOvr>
@@ -23150,60 +23560,128 @@
           <a:p>
             <a:pPr eaLnBrk="1" hangingPunct="1"/>
             <a:r>
-              <a:rPr lang="sv-SE" i="0" smtClean="0"/>
-              <a:t>Audio files of bird songs</a:t>
-            </a:r>
+              <a:rPr lang="sv-SE" i="0" dirty="0" smtClean="0"/>
+              <a:t>Audio </a:t>
+            </a:r>
+            <a:r>
+              <a:rPr lang="sv-SE" i="0" dirty="0" err="1" smtClean="0"/>
+              <a:t>files</a:t>
+            </a:r>
+            <a:r>
+              <a:rPr lang="sv-SE" i="0" dirty="0" smtClean="0"/>
+              <a:t> </a:t>
+            </a:r>
+            <a:r>
+              <a:rPr lang="sv-SE" i="0" dirty="0" err="1" smtClean="0"/>
+              <a:t>of</a:t>
+            </a:r>
+            <a:r>
+              <a:rPr lang="sv-SE" i="0" dirty="0" smtClean="0"/>
+              <a:t> </a:t>
+            </a:r>
+            <a:r>
+              <a:rPr lang="sv-SE" i="0" dirty="0" err="1" smtClean="0"/>
+              <a:t>bird</a:t>
+            </a:r>
+            <a:r>
+              <a:rPr lang="sv-SE" i="0" dirty="0" smtClean="0"/>
+              <a:t> </a:t>
+            </a:r>
+            <a:r>
+              <a:rPr lang="sv-SE" i="0" dirty="0" err="1" smtClean="0"/>
+              <a:t>songs</a:t>
+            </a:r>
+            <a:r>
+              <a:rPr lang="sv-SE" i="0" dirty="0" smtClean="0"/>
+              <a:t>[1]</a:t>
+            </a:r>
+            <a:endParaRPr lang="sv-SE" i="0" dirty="0" smtClean="0"/>
           </a:p>
           <a:p>
             <a:pPr eaLnBrk="1" hangingPunct="1"/>
             <a:r>
-              <a:rPr lang="sv-SE" i="0" smtClean="0"/>
-              <a:t>Feature extraction</a:t>
-            </a:r>
+              <a:rPr lang="sv-SE" i="0" dirty="0" smtClean="0"/>
+              <a:t>Feature </a:t>
+            </a:r>
+            <a:r>
+              <a:rPr lang="sv-SE" i="0" dirty="0" err="1" smtClean="0"/>
+              <a:t>extraction</a:t>
+            </a:r>
+            <a:endParaRPr lang="sv-SE" i="0" dirty="0" smtClean="0"/>
           </a:p>
           <a:p>
             <a:pPr eaLnBrk="1" hangingPunct="1"/>
             <a:r>
-              <a:rPr lang="sv-SE" i="0" smtClean="0"/>
-              <a:t>CBR for classification</a:t>
-            </a:r>
+              <a:rPr lang="sv-SE" i="0" dirty="0" smtClean="0"/>
+              <a:t>CBR for </a:t>
+            </a:r>
+            <a:r>
+              <a:rPr lang="sv-SE" i="0" dirty="0" err="1" smtClean="0"/>
+              <a:t>classification</a:t>
+            </a:r>
+            <a:endParaRPr lang="sv-SE" i="0" dirty="0" smtClean="0"/>
           </a:p>
           <a:p>
             <a:pPr lvl="1" eaLnBrk="1" hangingPunct="1"/>
             <a:r>
-              <a:rPr lang="sv-SE" i="0" smtClean="0"/>
-              <a:t>K-neighbour approach</a:t>
+              <a:rPr lang="sv-SE" i="0" dirty="0" smtClean="0"/>
+              <a:t>K-</a:t>
+            </a:r>
+            <a:r>
+              <a:rPr lang="sv-SE" i="0" dirty="0" err="1" smtClean="0"/>
+              <a:t>neighbour</a:t>
+            </a:r>
+            <a:r>
+              <a:rPr lang="sv-SE" i="0" dirty="0" smtClean="0"/>
+              <a:t> approach</a:t>
             </a:r>
           </a:p>
           <a:p>
             <a:pPr lvl="1" eaLnBrk="1" hangingPunct="1"/>
             <a:r>
-              <a:rPr lang="sv-SE" i="0" smtClean="0"/>
-              <a:t>Five different similarity functions</a:t>
-            </a:r>
+              <a:rPr lang="sv-SE" i="0" dirty="0" err="1" smtClean="0"/>
+              <a:t>Five</a:t>
+            </a:r>
+            <a:r>
+              <a:rPr lang="sv-SE" i="0" dirty="0" smtClean="0"/>
+              <a:t> different </a:t>
+            </a:r>
+            <a:r>
+              <a:rPr lang="sv-SE" i="0" dirty="0" err="1" smtClean="0"/>
+              <a:t>similarity</a:t>
+            </a:r>
+            <a:r>
+              <a:rPr lang="sv-SE" i="0" dirty="0" smtClean="0"/>
+              <a:t> </a:t>
+            </a:r>
+            <a:r>
+              <a:rPr lang="sv-SE" i="0" dirty="0" err="1" smtClean="0"/>
+              <a:t>functions</a:t>
+            </a:r>
+            <a:endParaRPr lang="sv-SE" i="0" dirty="0" smtClean="0"/>
           </a:p>
           <a:p>
             <a:pPr marL="457200" lvl="1" indent="0" eaLnBrk="1" hangingPunct="1">
               <a:buNone/>
             </a:pPr>
-            <a:endParaRPr lang="sv-SE" i="0" smtClean="0"/>
+            <a:endParaRPr lang="sv-SE" i="0" dirty="0" smtClean="0"/>
           </a:p>
           <a:p>
             <a:pPr eaLnBrk="1" hangingPunct="1"/>
-            <a:endParaRPr lang="sv-SE" i="0" smtClean="0"/>
+            <a:endParaRPr lang="sv-SE" i="0" dirty="0" smtClean="0"/>
           </a:p>
           <a:p>
             <a:pPr marL="0" indent="0" eaLnBrk="1" hangingPunct="1">
               <a:buNone/>
             </a:pPr>
-            <a:endParaRPr lang="sv-SE" altLang="sv-SE" b="1" i="0" smtClean="0">
+            <a:endParaRPr lang="sv-SE" altLang="sv-SE" b="1" i="0" dirty="0" smtClean="0">
               <a:latin typeface="Georgia" panose="02040502050405020303" pitchFamily="18" charset="0"/>
               <a:cs typeface="Arial" panose="020B0604020202020204" pitchFamily="34" charset="0"/>
             </a:endParaRPr>
           </a:p>
           <a:p>
             <a:pPr eaLnBrk="1" hangingPunct="1"/>
-            <a:endParaRPr lang="sv-SE" altLang="sv-SE" i="0" smtClean="0">
+            <a:endParaRPr lang="sv-SE" altLang="sv-SE" i="0" dirty="0" smtClean="0">
               <a:latin typeface="Georgia" panose="02040502050405020303" pitchFamily="18" charset="0"/>
               <a:cs typeface="Arial" panose="020B0604020202020204" pitchFamily="34" charset="0"/>
             </a:endParaRPr>
@@ -23217,6 +23695,112 @@
           </a:p>
         </p:txBody>
       </p:sp>
+      <p:sp>
+        <p:nvSpPr>
+          <p:cNvPr id="2" name="TextBox 1"/>
+          <p:cNvSpPr txBox="1"/>
+          <p:nvPr/>
+        </p:nvSpPr>
+        <p:spPr>
+          <a:xfrm>
+            <a:off x="1911350" y="8477250"/>
+            <a:ext cx="3070136" cy="369332"/>
+          </a:xfrm>
+          <a:prstGeom prst="rect">
+            <a:avLst/>
+          </a:prstGeom>
+          <a:noFill/>
+        </p:spPr>
+        <p:txBody>
+          <a:bodyPr wrap="none" rtlCol="0">
+            <a:spAutoFit/>
+          </a:bodyPr>
+          <a:lstStyle/>
+          <a:p>
+            <a:r>
+              <a:rPr lang="sv-SE" sz="1800" dirty="0" smtClean="0">
+                <a:solidFill>
+                  <a:schemeClr val="bg1">
+                    <a:lumMod val="50000"/>
+                  </a:schemeClr>
+                </a:solidFill>
+              </a:rPr>
+              <a:t>[1]: http</a:t>
+            </a:r>
+            <a:r>
+              <a:rPr lang="sv-SE" sz="1800" dirty="0">
+                <a:solidFill>
+                  <a:schemeClr val="bg1">
+                    <a:lumMod val="50000"/>
+                  </a:schemeClr>
+                </a:solidFill>
+              </a:rPr>
+              <a:t>://</a:t>
+            </a:r>
+            <a:r>
+              <a:rPr lang="sv-SE" sz="1800" dirty="0" smtClean="0">
+                <a:solidFill>
+                  <a:schemeClr val="bg1">
+                    <a:lumMod val="50000"/>
+                  </a:schemeClr>
+                </a:solidFill>
+              </a:rPr>
+              <a:t>www.fågelsång.se</a:t>
+            </a:r>
+            <a:r>
+              <a:rPr lang="sv-SE" sz="1800" dirty="0">
+                <a:solidFill>
+                  <a:schemeClr val="bg1">
+                    <a:lumMod val="50000"/>
+                  </a:schemeClr>
+                </a:solidFill>
+              </a:rPr>
+              <a:t>/</a:t>
+            </a:r>
+          </a:p>
+        </p:txBody>
+      </p:sp>
+      <p:pic>
+        <p:nvPicPr>
+          <p:cNvPr id="3074" name="Picture 2" descr="http://www.intechopen.com/source/html/43544/media/image7.png"/>
+          <p:cNvPicPr>
+            <a:picLocks noChangeAspect="1" noChangeArrowheads="1"/>
+          </p:cNvPicPr>
+          <p:nvPr/>
+        </p:nvPicPr>
+        <p:blipFill>
+          <a:blip r:embed="rId3">
+            <a:extLst>
+              <a:ext uri="{28A0092B-C50C-407E-A947-70E740481C1C}">
+                <a14:useLocalDpi xmlns:a14="http://schemas.microsoft.com/office/drawing/2010/main" val="0"/>
+              </a:ext>
+            </a:extLst>
+          </a:blip>
+          <a:srcRect/>
+          <a:stretch>
+            <a:fillRect/>
+          </a:stretch>
+        </p:blipFill>
+        <p:spPr bwMode="auto">
+          <a:xfrm>
+            <a:off x="3185866" y="5354897"/>
+            <a:ext cx="5832968" cy="2769928"/>
+          </a:xfrm>
+          <a:prstGeom prst="rect">
+            <a:avLst/>
+          </a:prstGeom>
+          <a:noFill/>
+          <a:extLst>
+            <a:ext uri="{909E8E84-426E-40DD-AFC4-6F175D3DCCD1}">
+              <a14:hiddenFill xmlns:a14="http://schemas.microsoft.com/office/drawing/2010/main">
+                <a:solidFill>
+                  <a:srgbClr val="FFFFFF"/>
+                </a:solidFill>
+              </a14:hiddenFill>
+            </a:ext>
+          </a:extLst>
+        </p:spPr>
+      </p:pic>
     </p:spTree>
     <p:extLst>
       <p:ext uri="{BB962C8B-B14F-4D97-AF65-F5344CB8AC3E}">
@@ -23329,7 +23913,7 @@
           </p:nvPr>
         </p:nvPicPr>
         <p:blipFill>
-          <a:blip r:embed="rId2">
+          <a:blip r:embed="rId3">
             <a:extLst>
               <a:ext uri="{28A0092B-C50C-407E-A947-70E740481C1C}">
                 <a14:useLocalDpi xmlns:a14="http://schemas.microsoft.com/office/drawing/2010/main" val="0"/>
@@ -23342,7 +23926,7 @@
         </p:blipFill>
         <p:spPr bwMode="auto">
           <a:xfrm>
-            <a:off x="1911350" y="5668888"/>
+            <a:off x="1911350" y="5364166"/>
             <a:ext cx="8382000" cy="3081698"/>
           </a:xfrm>
           <a:noFill/>
@@ -23370,6 +23954,619 @@
       <p:sp>
         <p:nvSpPr>
           <p:cNvPr id="6" name="Content Placeholder 2"/>
+          <p:cNvSpPr txBox="1">
+            <a:spLocks/>
+          </p:cNvSpPr>
+          <p:nvPr/>
+        </p:nvSpPr>
+        <p:spPr bwMode="auto">
+          <a:xfrm>
+            <a:off x="1911350" y="2572544"/>
+            <a:ext cx="8382000" cy="5181600"/>
+          </a:xfrm>
+          <a:prstGeom prst="rect">
+            <a:avLst/>
+          </a:prstGeom>
+          <a:noFill/>
+          <a:extLst>
+            <a:ext uri="{909E8E84-426E-40DD-AFC4-6F175D3DCCD1}">
+              <a14:hiddenFill xmlns:a14="http://schemas.microsoft.com/office/drawing/2010/main">
+                <a:solidFill>
+                  <a:srgbClr val="FFFFFF"/>
+                </a:solidFill>
+              </a14:hiddenFill>
+            </a:ext>
+            <a:ext uri="{91240B29-F687-4F45-9708-019B960494DF}">
+              <a14:hiddenLine xmlns:a14="http://schemas.microsoft.com/office/drawing/2010/main" w="9525">
+                <a:solidFill>
+                  <a:srgbClr val="000000"/>
+                </a:solidFill>
+                <a:miter lim="800000"/>
+                <a:headEnd/>
+                <a:tailEnd/>
+              </a14:hiddenLine>
+            </a:ext>
+          </a:extLst>
+        </p:spPr>
+        <p:txBody>
+          <a:bodyPr vert="horz" wrap="square" lIns="91440" tIns="45720" rIns="91440" bIns="45720" numCol="1" anchor="t" anchorCtr="0" compatLnSpc="1">
+            <a:prstTxWarp prst="textNoShape">
+              <a:avLst/>
+            </a:prstTxWarp>
+          </a:bodyPr>
+          <a:lstStyle>
+            <a:lvl1pPr marL="342900" indent="-342900" algn="l" rtl="0" eaLnBrk="0" fontAlgn="base" hangingPunct="0">
+              <a:spcBef>
+                <a:spcPts val="800"/>
+              </a:spcBef>
+              <a:spcAft>
+                <a:spcPct val="0"/>
+              </a:spcAft>
+              <a:buClr>
+                <a:schemeClr val="accent1"/>
+              </a:buClr>
+              <a:buFont typeface="Lucida Grande"/>
+              <a:buChar char="●"/>
+              <a:defRPr sz="2600" i="1" u="none">
+                <a:solidFill>
+                  <a:schemeClr val="tx1"/>
+                </a:solidFill>
+                <a:latin typeface="Georgia"/>
+                <a:ea typeface="+mn-ea"/>
+                <a:cs typeface="Georgia"/>
+                <a:sym typeface="Gill Sans"/>
+              </a:defRPr>
+            </a:lvl1pPr>
+            <a:lvl2pPr marL="742950" indent="-285750" algn="l" rtl="0" eaLnBrk="0" fontAlgn="base" hangingPunct="0">
+              <a:spcBef>
+                <a:spcPts val="800"/>
+              </a:spcBef>
+              <a:spcAft>
+                <a:spcPct val="0"/>
+              </a:spcAft>
+              <a:buClr>
+                <a:schemeClr val="accent2"/>
+              </a:buClr>
+              <a:buFont typeface="Lucida Grande"/>
+              <a:buChar char="●"/>
+              <a:defRPr sz="2400" i="1" u="none">
+                <a:solidFill>
+                  <a:schemeClr val="tx1"/>
+                </a:solidFill>
+                <a:latin typeface="Georgia"/>
+                <a:ea typeface="+mn-ea"/>
+                <a:cs typeface="Georgia"/>
+                <a:sym typeface="Gill Sans"/>
+              </a:defRPr>
+            </a:lvl2pPr>
+            <a:lvl3pPr marL="1143000" indent="-228600" algn="l" rtl="0" eaLnBrk="0" fontAlgn="base" hangingPunct="0">
+              <a:spcBef>
+                <a:spcPts val="800"/>
+              </a:spcBef>
+              <a:spcAft>
+                <a:spcPct val="0"/>
+              </a:spcAft>
+              <a:buClr>
+                <a:schemeClr val="accent3"/>
+              </a:buClr>
+              <a:buFont typeface="Lucida Grande"/>
+              <a:buChar char="●"/>
+              <a:defRPr sz="2200" i="1" u="none">
+                <a:solidFill>
+                  <a:schemeClr val="tx1"/>
+                </a:solidFill>
+                <a:latin typeface="Georgia"/>
+                <a:ea typeface="+mn-ea"/>
+                <a:cs typeface="Georgia"/>
+                <a:sym typeface="Gill Sans"/>
+              </a:defRPr>
+            </a:lvl3pPr>
+            <a:lvl4pPr marL="1600200" indent="-228600" algn="l" rtl="0" eaLnBrk="0" fontAlgn="base" hangingPunct="0">
+              <a:spcBef>
+                <a:spcPct val="0"/>
+              </a:spcBef>
+              <a:spcAft>
+                <a:spcPct val="0"/>
+              </a:spcAft>
+              <a:buChar char="–"/>
+              <a:defRPr sz="2400">
+                <a:solidFill>
+                  <a:schemeClr val="tx1"/>
+                </a:solidFill>
+                <a:latin typeface="Georgia"/>
+                <a:ea typeface="+mn-ea"/>
+                <a:cs typeface="Georgia"/>
+                <a:sym typeface="Gill Sans"/>
+              </a:defRPr>
+            </a:lvl4pPr>
+            <a:lvl5pPr marL="2057400" indent="-228600" algn="l" rtl="0" eaLnBrk="0" fontAlgn="base" hangingPunct="0">
+              <a:spcBef>
+                <a:spcPct val="0"/>
+              </a:spcBef>
+              <a:spcAft>
+                <a:spcPct val="0"/>
+              </a:spcAft>
+              <a:buChar char="»"/>
+              <a:defRPr sz="2400">
+                <a:solidFill>
+                  <a:schemeClr val="tx1"/>
+                </a:solidFill>
+                <a:latin typeface="Georgia"/>
+                <a:ea typeface="+mn-ea"/>
+                <a:cs typeface="Georgia"/>
+                <a:sym typeface="Gill Sans"/>
+              </a:defRPr>
+            </a:lvl5pPr>
+            <a:lvl6pPr marL="457200" algn="ctr" rtl="0" eaLnBrk="1" fontAlgn="base" hangingPunct="1">
+              <a:spcBef>
+                <a:spcPct val="0"/>
+              </a:spcBef>
+              <a:spcAft>
+                <a:spcPct val="0"/>
+              </a:spcAft>
+              <a:defRPr sz="3600">
+                <a:solidFill>
+                  <a:schemeClr val="tx1"/>
+                </a:solidFill>
+                <a:latin typeface="+mn-lt"/>
+                <a:ea typeface="+mn-ea"/>
+                <a:cs typeface="+mn-cs"/>
+                <a:sym typeface="Gill Sans" charset="0"/>
+              </a:defRPr>
+            </a:lvl6pPr>
+            <a:lvl7pPr marL="914400" algn="ctr" rtl="0" eaLnBrk="1" fontAlgn="base" hangingPunct="1">
+              <a:spcBef>
+                <a:spcPct val="0"/>
+              </a:spcBef>
+              <a:spcAft>
+                <a:spcPct val="0"/>
+              </a:spcAft>
+              <a:defRPr sz="3600">
+                <a:solidFill>
+                  <a:schemeClr val="tx1"/>
+                </a:solidFill>
+                <a:latin typeface="+mn-lt"/>
+                <a:ea typeface="+mn-ea"/>
+                <a:cs typeface="+mn-cs"/>
+                <a:sym typeface="Gill Sans" charset="0"/>
+              </a:defRPr>
+            </a:lvl7pPr>
+            <a:lvl8pPr marL="1371600" algn="ctr" rtl="0" eaLnBrk="1" fontAlgn="base" hangingPunct="1">
+              <a:spcBef>
+                <a:spcPct val="0"/>
+              </a:spcBef>
+              <a:spcAft>
+                <a:spcPct val="0"/>
+              </a:spcAft>
+              <a:defRPr sz="3600">
+                <a:solidFill>
+                  <a:schemeClr val="tx1"/>
+                </a:solidFill>
+                <a:latin typeface="+mn-lt"/>
+                <a:ea typeface="+mn-ea"/>
+                <a:cs typeface="+mn-cs"/>
+                <a:sym typeface="Gill Sans" charset="0"/>
+              </a:defRPr>
+            </a:lvl8pPr>
+            <a:lvl9pPr marL="1828800" algn="ctr" rtl="0" eaLnBrk="1" fontAlgn="base" hangingPunct="1">
+              <a:spcBef>
+                <a:spcPct val="0"/>
+              </a:spcBef>
+              <a:spcAft>
+                <a:spcPct val="0"/>
+              </a:spcAft>
+              <a:defRPr sz="3600">
+                <a:solidFill>
+                  <a:schemeClr val="tx1"/>
+                </a:solidFill>
+                <a:latin typeface="+mn-lt"/>
+                <a:ea typeface="+mn-ea"/>
+                <a:cs typeface="+mn-cs"/>
+                <a:sym typeface="Gill Sans" charset="0"/>
+              </a:defRPr>
+            </a:lvl9pPr>
+          </a:lstStyle>
+          <a:p>
+            <a:pPr eaLnBrk="1" hangingPunct="1"/>
+            <a:r>
+              <a:rPr lang="en-US" i="0" dirty="0" smtClean="0"/>
+              <a:t>Visual </a:t>
+            </a:r>
+            <a:r>
+              <a:rPr lang="en-US" i="0" dirty="0"/>
+              <a:t>representation of the spectrum of frequencies in a sound or other signal as they vary with </a:t>
+            </a:r>
+            <a:r>
+              <a:rPr lang="en-US" i="0" dirty="0" smtClean="0"/>
+              <a:t>time.</a:t>
+            </a:r>
+          </a:p>
+          <a:p>
+            <a:pPr eaLnBrk="1" hangingPunct="1"/>
+            <a:r>
+              <a:rPr lang="en-US" i="0" dirty="0"/>
+              <a:t>can be used to identify spoken words </a:t>
+            </a:r>
+            <a:r>
+              <a:rPr lang="en-US" i="0" dirty="0">
+                <a:hlinkClick r:id="rId4" tooltip="Phonetics"/>
+              </a:rPr>
+              <a:t>phonetically</a:t>
+            </a:r>
+            <a:r>
+              <a:rPr lang="en-US" i="0" dirty="0"/>
+              <a:t>, and to </a:t>
+            </a:r>
+            <a:r>
+              <a:rPr lang="en-US" i="0" dirty="0" err="1"/>
+              <a:t>analyse</a:t>
+            </a:r>
+            <a:r>
+              <a:rPr lang="en-US" i="0" dirty="0"/>
+              <a:t> the various calls of </a:t>
+            </a:r>
+            <a:r>
+              <a:rPr lang="en-US" i="0" dirty="0" smtClean="0"/>
+              <a:t>animals.</a:t>
+            </a:r>
+          </a:p>
+          <a:p>
+            <a:pPr eaLnBrk="1" hangingPunct="1"/>
+            <a:r>
+              <a:rPr lang="en-US" i="0" kern="0" dirty="0" smtClean="0"/>
+              <a:t>Hard to extract features</a:t>
+            </a:r>
+            <a:endParaRPr lang="sv-SE" i="0" kern="0" dirty="0" smtClean="0"/>
+          </a:p>
+          <a:p>
+            <a:pPr eaLnBrk="1" hangingPunct="1"/>
+            <a:endParaRPr lang="sv-SE" i="0" kern="0" dirty="0" smtClean="0"/>
+          </a:p>
+          <a:p>
+            <a:pPr marL="0" indent="0" eaLnBrk="1" hangingPunct="1">
+              <a:buFont typeface="Lucida Grande"/>
+              <a:buNone/>
+            </a:pPr>
+            <a:endParaRPr lang="sv-SE" altLang="sv-SE" b="1" i="0" kern="0" dirty="0" smtClean="0">
+              <a:latin typeface="Georgia" panose="02040502050405020303" pitchFamily="18" charset="0"/>
+              <a:cs typeface="Arial" panose="020B0604020202020204" pitchFamily="34" charset="0"/>
+            </a:endParaRPr>
+          </a:p>
+          <a:p>
+            <a:pPr eaLnBrk="1" hangingPunct="1"/>
+            <a:endParaRPr lang="sv-SE" altLang="sv-SE" i="0" kern="0" dirty="0" smtClean="0">
+              <a:latin typeface="Georgia" panose="02040502050405020303" pitchFamily="18" charset="0"/>
+              <a:cs typeface="Arial" panose="020B0604020202020204" pitchFamily="34" charset="0"/>
+            </a:endParaRPr>
+          </a:p>
+          <a:p>
+            <a:pPr eaLnBrk="1" hangingPunct="1"/>
+            <a:endParaRPr lang="sv-SE" altLang="sv-SE" b="1" i="0" kern="0" dirty="0" smtClean="0">
+              <a:latin typeface="Georgia" panose="02040502050405020303" pitchFamily="18" charset="0"/>
+              <a:cs typeface="Arial" panose="020B0604020202020204" pitchFamily="34" charset="0"/>
+            </a:endParaRPr>
+          </a:p>
+        </p:txBody>
+      </p:sp>
+    </p:spTree>
+  </p:cSld>
+  <p:clrMapOvr>
+    <a:masterClrMapping/>
+  </p:clrMapOvr>
+  <p:transition/>
+  <p:timing>
+    <p:tnLst>
+      <p:par>
+        <p:cTn id="1" dur="indefinite" restart="never" nodeType="tmRoot"/>
+      </p:par>
+    </p:tnLst>
+  </p:timing>
+</p:sld>
+</file>
+
+<file path=ppt/slides/slide5.xml><?xml version="1.0" encoding="utf-8"?>
+<p:sld xmlns:a="http://schemas.openxmlformats.org/drawingml/2006/main" xmlns:r="http://schemas.openxmlformats.org/officeDocument/2006/relationships" xmlns:p="http://schemas.openxmlformats.org/presentationml/2006/main">
+  <p:cSld>
+    <p:spTree>
+      <p:nvGrpSpPr>
+        <p:cNvPr id="1" name=""/>
+        <p:cNvGrpSpPr/>
+        <p:nvPr/>
+      </p:nvGrpSpPr>
+      <p:grpSpPr>
+        <a:xfrm>
+          <a:off x="0" y="0"/>
+          <a:ext cx="0" cy="0"/>
+          <a:chOff x="0" y="0"/>
+          <a:chExt cx="0" cy="0"/>
+        </a:xfrm>
+      </p:grpSpPr>
+      <p:sp>
+        <p:nvSpPr>
+          <p:cNvPr id="16386" name="Title 1"/>
+          <p:cNvSpPr>
+            <a:spLocks noGrp="1"/>
+          </p:cNvSpPr>
+          <p:nvPr>
+            <p:ph type="title"/>
+          </p:nvPr>
+        </p:nvSpPr>
+        <p:spPr bwMode="auto">
+          <a:xfrm>
+            <a:off x="1911350" y="933450"/>
+            <a:ext cx="8382000" cy="952500"/>
+          </a:xfrm>
+          <a:noFill/>
+          <a:extLst>
+            <a:ext uri="{909E8E84-426E-40DD-AFC4-6F175D3DCCD1}">
+              <a14:hiddenFill xmlns:a14="http://schemas.microsoft.com/office/drawing/2010/main">
+                <a:solidFill>
+                  <a:srgbClr val="FFFFFF"/>
+                </a:solidFill>
+              </a14:hiddenFill>
+            </a:ext>
+            <a:ext uri="{91240B29-F687-4F45-9708-019B960494DF}">
+              <a14:hiddenLine xmlns:a14="http://schemas.microsoft.com/office/drawing/2010/main" w="9525">
+                <a:solidFill>
+                  <a:srgbClr val="000000"/>
+                </a:solidFill>
+                <a:miter lim="800000"/>
+                <a:headEnd/>
+                <a:tailEnd/>
+              </a14:hiddenLine>
+            </a:ext>
+          </a:extLst>
+        </p:spPr>
+        <p:txBody>
+          <a:bodyPr vert="horz" wrap="square" lIns="91440" tIns="45720" rIns="91440" bIns="45720" numCol="1" compatLnSpc="1">
+            <a:prstTxWarp prst="textNoShape">
+              <a:avLst/>
+            </a:prstTxWarp>
+          </a:bodyPr>
+          <a:lstStyle/>
+          <a:p>
+            <a:pPr eaLnBrk="1" hangingPunct="1">
+              <a:lnSpc>
+                <a:spcPct val="90000"/>
+              </a:lnSpc>
+            </a:pPr>
+            <a:r>
+              <a:rPr lang="sv-SE" altLang="sv-SE" dirty="0">
+                <a:latin typeface="Georgia" panose="02040502050405020303" pitchFamily="18" charset="0"/>
+                <a:cs typeface="Arial" panose="020B0604020202020204" pitchFamily="34" charset="0"/>
+              </a:rPr>
+              <a:t>Spectrogram</a:t>
+            </a:r>
+            <a:endParaRPr lang="sv-SE" altLang="sv-SE" dirty="0" smtClean="0">
+              <a:latin typeface="Arial" panose="020B0604020202020204" pitchFamily="34" charset="0"/>
+              <a:cs typeface="Arial" panose="020B0604020202020204" pitchFamily="34" charset="0"/>
+            </a:endParaRPr>
+          </a:p>
+        </p:txBody>
+      </p:sp>
+      <p:pic>
+        <p:nvPicPr>
+          <p:cNvPr id="4" name="Content Placeholder 3"/>
+          <p:cNvPicPr>
+            <a:picLocks noGrp="1" noChangeAspect="1"/>
+          </p:cNvPicPr>
+          <p:nvPr>
+            <p:ph sz="quarter" idx="10"/>
+          </p:nvPr>
+        </p:nvPicPr>
+        <p:blipFill>
+          <a:blip r:embed="rId3">
+            <a:extLst>
+              <a:ext uri="{28A0092B-C50C-407E-A947-70E740481C1C}">
+                <a14:useLocalDpi xmlns:a14="http://schemas.microsoft.com/office/drawing/2010/main" val="0"/>
+              </a:ext>
+            </a:extLst>
+          </a:blip>
+          <a:stretch>
+            <a:fillRect/>
+          </a:stretch>
+        </p:blipFill>
+        <p:spPr>
+          <a:xfrm>
+            <a:off x="1911350" y="3170060"/>
+            <a:ext cx="8382000" cy="4023079"/>
+          </a:xfrm>
+        </p:spPr>
+      </p:pic>
+      <p:pic>
+        <p:nvPicPr>
+          <p:cNvPr id="27650" name="Picture 2" descr="https://upload.wikimedia.org/wikipedia/commons/0/04/Spectrogram.png"/>
+          <p:cNvPicPr>
+            <a:picLocks noChangeAspect="1" noChangeArrowheads="1"/>
+          </p:cNvPicPr>
+          <p:nvPr/>
+        </p:nvPicPr>
+        <p:blipFill>
+          <a:blip r:embed="rId4">
+            <a:extLst>
+              <a:ext uri="{28A0092B-C50C-407E-A947-70E740481C1C}">
+                <a14:useLocalDpi xmlns:a14="http://schemas.microsoft.com/office/drawing/2010/main" val="0"/>
+              </a:ext>
+            </a:extLst>
+          </a:blip>
+          <a:srcRect/>
+          <a:stretch>
+            <a:fillRect/>
+          </a:stretch>
+        </p:blipFill>
+        <p:spPr bwMode="auto">
+          <a:xfrm>
+            <a:off x="1173808" y="2716560"/>
+            <a:ext cx="10791825" cy="4972050"/>
+          </a:xfrm>
+          <a:prstGeom prst="rect">
+            <a:avLst/>
+          </a:prstGeom>
+          <a:noFill/>
+          <a:extLst>
+            <a:ext uri="{909E8E84-426E-40DD-AFC4-6F175D3DCCD1}">
+              <a14:hiddenFill xmlns:a14="http://schemas.microsoft.com/office/drawing/2010/main">
+                <a:solidFill>
+                  <a:srgbClr val="FFFFFF"/>
+                </a:solidFill>
+              </a14:hiddenFill>
+            </a:ext>
+          </a:extLst>
+        </p:spPr>
+      </p:pic>
+    </p:spTree>
+    <p:extLst>
+      <p:ext uri="{BB962C8B-B14F-4D97-AF65-F5344CB8AC3E}">
+        <p14:creationId xmlns:p14="http://schemas.microsoft.com/office/powerpoint/2010/main" val="976502958"/>
+      </p:ext>
+    </p:extLst>
+  </p:cSld>
+  <p:clrMapOvr>
+    <a:masterClrMapping/>
+  </p:clrMapOvr>
+  <p:transition/>
+  <p:timing>
+    <p:tnLst>
+      <p:par>
+        <p:cTn id="1" dur="indefinite" restart="never" nodeType="tmRoot"/>
+      </p:par>
+    </p:tnLst>
+  </p:timing>
+</p:sld>
+</file>
+
+<file path=ppt/slides/slide6.xml><?xml version="1.0" encoding="utf-8"?>
+<p:sld xmlns:a="http://schemas.openxmlformats.org/drawingml/2006/main" xmlns:r="http://schemas.openxmlformats.org/officeDocument/2006/relationships" xmlns:p="http://schemas.openxmlformats.org/presentationml/2006/main">
+  <p:cSld>
+    <p:spTree>
+      <p:nvGrpSpPr>
+        <p:cNvPr id="1" name=""/>
+        <p:cNvGrpSpPr/>
+        <p:nvPr/>
+      </p:nvGrpSpPr>
+      <p:grpSpPr>
+        <a:xfrm>
+          <a:off x="0" y="0"/>
+          <a:ext cx="0" cy="0"/>
+          <a:chOff x="0" y="0"/>
+          <a:chExt cx="0" cy="0"/>
+        </a:xfrm>
+      </p:grpSpPr>
+      <p:sp>
+        <p:nvSpPr>
+          <p:cNvPr id="17410" name="Title 1"/>
+          <p:cNvSpPr>
+            <a:spLocks noGrp="1"/>
+          </p:cNvSpPr>
+          <p:nvPr>
+            <p:ph type="title"/>
+          </p:nvPr>
+        </p:nvSpPr>
+        <p:spPr bwMode="auto">
+          <a:xfrm>
+            <a:off x="1911350" y="933450"/>
+            <a:ext cx="8382000" cy="952500"/>
+          </a:xfrm>
+          <a:noFill/>
+          <a:extLst>
+            <a:ext uri="{909E8E84-426E-40DD-AFC4-6F175D3DCCD1}">
+              <a14:hiddenFill xmlns:a14="http://schemas.microsoft.com/office/drawing/2010/main">
+                <a:solidFill>
+                  <a:srgbClr val="FFFFFF"/>
+                </a:solidFill>
+              </a14:hiddenFill>
+            </a:ext>
+            <a:ext uri="{91240B29-F687-4F45-9708-019B960494DF}">
+              <a14:hiddenLine xmlns:a14="http://schemas.microsoft.com/office/drawing/2010/main" w="9525">
+                <a:solidFill>
+                  <a:srgbClr val="000000"/>
+                </a:solidFill>
+                <a:miter lim="800000"/>
+                <a:headEnd/>
+                <a:tailEnd/>
+              </a14:hiddenLine>
+            </a:ext>
+          </a:extLst>
+        </p:spPr>
+        <p:txBody>
+          <a:bodyPr vert="horz" wrap="square" lIns="91440" tIns="45720" rIns="91440" bIns="45720" numCol="1" compatLnSpc="1">
+            <a:prstTxWarp prst="textNoShape">
+              <a:avLst/>
+            </a:prstTxWarp>
+          </a:bodyPr>
+          <a:lstStyle/>
+          <a:p>
+            <a:pPr eaLnBrk="1" hangingPunct="1">
+              <a:lnSpc>
+                <a:spcPct val="90000"/>
+              </a:lnSpc>
+            </a:pPr>
+            <a:r>
+              <a:rPr lang="sv-SE" altLang="sv-SE" dirty="0" err="1" smtClean="0">
+                <a:latin typeface="Georgia" panose="02040502050405020303" pitchFamily="18" charset="0"/>
+                <a:cs typeface="Arial" panose="020B0604020202020204" pitchFamily="34" charset="0"/>
+              </a:rPr>
+              <a:t>Periodogram</a:t>
+            </a:r>
+            <a:endParaRPr lang="sv-SE" altLang="sv-SE" dirty="0" smtClean="0">
+              <a:latin typeface="Arial" panose="020B0604020202020204" pitchFamily="34" charset="0"/>
+              <a:cs typeface="Arial" panose="020B0604020202020204" pitchFamily="34" charset="0"/>
+            </a:endParaRPr>
+          </a:p>
+        </p:txBody>
+      </p:sp>
+      <p:pic>
+        <p:nvPicPr>
+          <p:cNvPr id="2" name="Content Placeholder 1"/>
+          <p:cNvPicPr>
+            <a:picLocks noGrp="1" noChangeAspect="1"/>
+          </p:cNvPicPr>
+          <p:nvPr>
+            <p:ph idx="10"/>
+          </p:nvPr>
+        </p:nvPicPr>
+        <p:blipFill>
+          <a:blip r:embed="rId3">
+            <a:extLst>
+              <a:ext uri="{28A0092B-C50C-407E-A947-70E740481C1C}">
+                <a14:useLocalDpi xmlns:a14="http://schemas.microsoft.com/office/drawing/2010/main" val="0"/>
+              </a:ext>
+            </a:extLst>
+          </a:blip>
+          <a:stretch>
+            <a:fillRect/>
+          </a:stretch>
+        </p:blipFill>
+        <p:spPr bwMode="auto">
+          <a:xfrm>
+            <a:off x="5782320" y="5452864"/>
+            <a:ext cx="5184577" cy="3888433"/>
+          </a:xfrm>
+          <a:noFill/>
+          <a:extLst>
+            <a:ext uri="{909E8E84-426E-40DD-AFC4-6F175D3DCCD1}">
+              <a14:hiddenFill xmlns:a14="http://schemas.microsoft.com/office/drawing/2010/main">
+                <a:solidFill>
+                  <a:srgbClr val="FFFFFF"/>
+                </a:solidFill>
+              </a14:hiddenFill>
+            </a:ext>
+            <a:ext uri="{91240B29-F687-4F45-9708-019B960494DF}">
+              <a14:hiddenLine xmlns:a14="http://schemas.microsoft.com/office/drawing/2010/main" w="9525">
+                <a:solidFill>
+                  <a:srgbClr val="000000"/>
+                </a:solidFill>
+                <a:miter lim="800000"/>
+                <a:headEnd/>
+                <a:tailEnd/>
+              </a14:hiddenLine>
+            </a:ext>
+          </a:extLst>
+        </p:spPr>
+      </p:pic>
+      <p:sp>
+        <p:nvSpPr>
+          <p:cNvPr id="5" name="Content Placeholder 2"/>
           <p:cNvSpPr txBox="1">
             <a:spLocks/>
           </p:cNvSpPr>
@@ -23585,14 +24782,134 @@
           <a:p>
             <a:pPr eaLnBrk="1" hangingPunct="1"/>
             <a:r>
+              <a:rPr lang="en-US" i="0" dirty="0">
+                <a:hlinkClick r:id="rId4" tooltip="Estimation theory"/>
+              </a:rPr>
+              <a:t>E</a:t>
+            </a:r>
+            <a:r>
+              <a:rPr lang="en-US" i="0" dirty="0" smtClean="0">
+                <a:hlinkClick r:id="rId4" tooltip="Estimation theory"/>
+              </a:rPr>
+              <a:t>stimate</a:t>
+            </a:r>
+            <a:r>
+              <a:rPr lang="en-US" i="0" dirty="0"/>
+              <a:t> the </a:t>
+            </a:r>
+            <a:r>
+              <a:rPr lang="en-US" i="0" dirty="0" smtClean="0">
+                <a:hlinkClick r:id="rId5" tooltip="Spectral density"/>
+              </a:rPr>
+              <a:t>power spectral density</a:t>
+            </a:r>
+            <a:r>
               <a:rPr lang="en-US" i="0" dirty="0" smtClean="0"/>
-              <a:t>Visual </a:t>
+              <a:t> of </a:t>
             </a:r>
             <a:r>
               <a:rPr lang="en-US" i="0" dirty="0"/>
-              <a:t>representation of the spectrum of frequencies in a sound or other signal as they vary with time</a:t>
-            </a:r>
-            <a:endParaRPr lang="sv-SE" i="0" kern="0" dirty="0" smtClean="0"/>
+              <a:t>a </a:t>
+            </a:r>
+            <a:r>
+              <a:rPr lang="en-US" i="0" dirty="0" smtClean="0">
+                <a:hlinkClick r:id="rId6" tooltip="Random signal"/>
+              </a:rPr>
+              <a:t>signal</a:t>
+            </a:r>
+            <a:r>
+              <a:rPr lang="en-US" i="0" dirty="0"/>
+              <a:t> from a sequence of time samples of the </a:t>
+            </a:r>
+            <a:r>
+              <a:rPr lang="en-US" i="0" dirty="0" smtClean="0"/>
+              <a:t>signal.</a:t>
+            </a:r>
+          </a:p>
+          <a:p>
+            <a:pPr eaLnBrk="1" hangingPunct="1"/>
+            <a:r>
+              <a:rPr lang="en-US" i="0" dirty="0" smtClean="0"/>
+              <a:t>Spectral </a:t>
+            </a:r>
+            <a:r>
+              <a:rPr lang="en-US" i="0" dirty="0"/>
+              <a:t>density characterizes the </a:t>
+            </a:r>
+            <a:r>
+              <a:rPr lang="en-US" i="0" dirty="0">
+                <a:hlinkClick r:id="rId7" tooltip="Frequency"/>
+              </a:rPr>
+              <a:t>frequency</a:t>
+            </a:r>
+            <a:r>
+              <a:rPr lang="en-US" i="0" dirty="0"/>
+              <a:t> content of the signal</a:t>
+            </a:r>
+            <a:r>
+              <a:rPr lang="en-US" i="0" dirty="0" smtClean="0"/>
+              <a:t>.</a:t>
+            </a:r>
+          </a:p>
+          <a:p>
+            <a:pPr eaLnBrk="1" hangingPunct="1"/>
+            <a:r>
+              <a:rPr lang="en-US" i="0" kern="0" dirty="0" smtClean="0"/>
+              <a:t>Can </a:t>
+            </a:r>
+            <a:r>
+              <a:rPr lang="en-US" sz="2800" i="0" dirty="0"/>
+              <a:t>detect any </a:t>
+            </a:r>
+            <a:r>
+              <a:rPr lang="en-US" sz="2800" i="0" dirty="0">
+                <a:hlinkClick r:id="rId8" tooltip="Periodic function"/>
+              </a:rPr>
+              <a:t>periodicities</a:t>
+            </a:r>
+            <a:r>
+              <a:rPr lang="en-US" sz="2800" i="0" dirty="0"/>
+              <a:t> in the </a:t>
+            </a:r>
+            <a:r>
+              <a:rPr lang="en-US" sz="2800" i="0" dirty="0" smtClean="0"/>
+              <a:t>data, </a:t>
+            </a:r>
+            <a:r>
+              <a:rPr lang="en-US" sz="2800" i="0" dirty="0"/>
+              <a:t>by observing peaks at the frequencies corresponding to these periodicities</a:t>
+            </a:r>
+            <a:r>
+              <a:rPr lang="en-US" sz="2800" i="0" dirty="0" smtClean="0"/>
+              <a:t>.</a:t>
+            </a:r>
+          </a:p>
+          <a:p>
+            <a:pPr eaLnBrk="1" hangingPunct="1"/>
+            <a:r>
+              <a:rPr lang="en-US" i="0" dirty="0" smtClean="0"/>
+              <a:t>Decompose </a:t>
+            </a:r>
+            <a:r>
+              <a:rPr lang="en-US" i="0" dirty="0"/>
+              <a:t>a complex </a:t>
+            </a:r>
+            <a:r>
+              <a:rPr lang="en-US" i="0" dirty="0" smtClean="0"/>
+              <a:t/>
+            </a:r>
+            <a:br>
+              <a:rPr lang="en-US" i="0" dirty="0" smtClean="0"/>
+            </a:br>
+            <a:r>
+              <a:rPr lang="en-US" i="0" dirty="0" smtClean="0"/>
+              <a:t>signal </a:t>
+            </a:r>
+            <a:r>
+              <a:rPr lang="en-US" i="0" dirty="0"/>
+              <a:t>into simpler parts</a:t>
+            </a:r>
+            <a:endParaRPr lang="sv-SE" dirty="0"/>
           </a:p>
           <a:p>
             <a:pPr eaLnBrk="1" hangingPunct="1"/>
@@ -23610,7 +24927,7 @@
           </a:p>
           <a:p>
             <a:pPr eaLnBrk="1" hangingPunct="1"/>
-            <a:endParaRPr lang="sv-SE" altLang="sv-SE" i="0" kern="0" dirty="0" smtClean="0">
+            <a:endParaRPr lang="sv-SE" altLang="sv-SE" i="0" kern="0" dirty="0">
               <a:latin typeface="Georgia" panose="02040502050405020303" pitchFamily="18" charset="0"/>
               <a:cs typeface="Arial" panose="020B0604020202020204" pitchFamily="34" charset="0"/>
             </a:endParaRPr>
@@ -23618,324 +24935,6 @@
           <a:p>
             <a:pPr eaLnBrk="1" hangingPunct="1"/>
             <a:endParaRPr lang="sv-SE" altLang="sv-SE" b="1" i="0" kern="0" dirty="0" smtClean="0">
-              <a:latin typeface="Georgia" panose="02040502050405020303" pitchFamily="18" charset="0"/>
-              <a:cs typeface="Arial" panose="020B0604020202020204" pitchFamily="34" charset="0"/>
-            </a:endParaRPr>
-          </a:p>
-        </p:txBody>
-      </p:sp>
-    </p:spTree>
-  </p:cSld>
-  <p:clrMapOvr>
-    <a:masterClrMapping/>
-  </p:clrMapOvr>
-  <p:transition/>
-  <p:timing>
-    <p:tnLst>
-      <p:par>
-        <p:cTn id="1" dur="indefinite" restart="never" nodeType="tmRoot"/>
-      </p:par>
-    </p:tnLst>
-  </p:timing>
-</p:sld>
-</file>
-
-<file path=ppt/slides/slide5.xml><?xml version="1.0" encoding="utf-8"?>
-<p:sld xmlns:a="http://schemas.openxmlformats.org/drawingml/2006/main" xmlns:r="http://schemas.openxmlformats.org/officeDocument/2006/relationships" xmlns:p="http://schemas.openxmlformats.org/presentationml/2006/main">
-  <p:cSld>
-    <p:spTree>
-      <p:nvGrpSpPr>
-        <p:cNvPr id="1" name=""/>
-        <p:cNvGrpSpPr/>
-        <p:nvPr/>
-      </p:nvGrpSpPr>
-      <p:grpSpPr>
-        <a:xfrm>
-          <a:off x="0" y="0"/>
-          <a:ext cx="0" cy="0"/>
-          <a:chOff x="0" y="0"/>
-          <a:chExt cx="0" cy="0"/>
-        </a:xfrm>
-      </p:grpSpPr>
-      <p:sp>
-        <p:nvSpPr>
-          <p:cNvPr id="16386" name="Title 1"/>
-          <p:cNvSpPr>
-            <a:spLocks noGrp="1"/>
-          </p:cNvSpPr>
-          <p:nvPr>
-            <p:ph type="title"/>
-          </p:nvPr>
-        </p:nvSpPr>
-        <p:spPr bwMode="auto">
-          <a:xfrm>
-            <a:off x="1911350" y="933450"/>
-            <a:ext cx="8382000" cy="952500"/>
-          </a:xfrm>
-          <a:noFill/>
-          <a:extLst>
-            <a:ext uri="{909E8E84-426E-40DD-AFC4-6F175D3DCCD1}">
-              <a14:hiddenFill xmlns:a14="http://schemas.microsoft.com/office/drawing/2010/main">
-                <a:solidFill>
-                  <a:srgbClr val="FFFFFF"/>
-                </a:solidFill>
-              </a14:hiddenFill>
-            </a:ext>
-            <a:ext uri="{91240B29-F687-4F45-9708-019B960494DF}">
-              <a14:hiddenLine xmlns:a14="http://schemas.microsoft.com/office/drawing/2010/main" w="9525">
-                <a:solidFill>
-                  <a:srgbClr val="000000"/>
-                </a:solidFill>
-                <a:miter lim="800000"/>
-                <a:headEnd/>
-                <a:tailEnd/>
-              </a14:hiddenLine>
-            </a:ext>
-          </a:extLst>
-        </p:spPr>
-        <p:txBody>
-          <a:bodyPr vert="horz" wrap="square" lIns="91440" tIns="45720" rIns="91440" bIns="45720" numCol="1" compatLnSpc="1">
-            <a:prstTxWarp prst="textNoShape">
-              <a:avLst/>
-            </a:prstTxWarp>
-          </a:bodyPr>
-          <a:lstStyle/>
-          <a:p>
-            <a:pPr eaLnBrk="1" hangingPunct="1">
-              <a:lnSpc>
-                <a:spcPct val="90000"/>
-              </a:lnSpc>
-            </a:pPr>
-            <a:r>
-              <a:rPr lang="sv-SE" altLang="sv-SE" dirty="0">
-                <a:latin typeface="Georgia" panose="02040502050405020303" pitchFamily="18" charset="0"/>
-                <a:cs typeface="Arial" panose="020B0604020202020204" pitchFamily="34" charset="0"/>
-              </a:rPr>
-              <a:t>Spectrogram</a:t>
-            </a:r>
-            <a:endParaRPr lang="sv-SE" altLang="sv-SE" dirty="0" smtClean="0">
-              <a:latin typeface="Arial" panose="020B0604020202020204" pitchFamily="34" charset="0"/>
-              <a:cs typeface="Arial" panose="020B0604020202020204" pitchFamily="34" charset="0"/>
-            </a:endParaRPr>
-          </a:p>
-        </p:txBody>
-      </p:sp>
-      <p:pic>
-        <p:nvPicPr>
-          <p:cNvPr id="4" name="Content Placeholder 3"/>
-          <p:cNvPicPr>
-            <a:picLocks noGrp="1" noChangeAspect="1"/>
-          </p:cNvPicPr>
-          <p:nvPr>
-            <p:ph sz="quarter" idx="10"/>
-          </p:nvPr>
-        </p:nvPicPr>
-        <p:blipFill>
-          <a:blip r:embed="rId2">
-            <a:extLst>
-              <a:ext uri="{28A0092B-C50C-407E-A947-70E740481C1C}">
-                <a14:useLocalDpi xmlns:a14="http://schemas.microsoft.com/office/drawing/2010/main" val="0"/>
-              </a:ext>
-            </a:extLst>
-          </a:blip>
-          <a:stretch>
-            <a:fillRect/>
-          </a:stretch>
-        </p:blipFill>
-        <p:spPr>
-          <a:xfrm>
-            <a:off x="1911350" y="3170060"/>
-            <a:ext cx="8382000" cy="4023079"/>
-          </a:xfrm>
-        </p:spPr>
-      </p:pic>
-      <p:pic>
-        <p:nvPicPr>
-          <p:cNvPr id="27650" name="Picture 2" descr="https://upload.wikimedia.org/wikipedia/commons/0/04/Spectrogram.png"/>
-          <p:cNvPicPr>
-            <a:picLocks noChangeAspect="1" noChangeArrowheads="1"/>
-          </p:cNvPicPr>
-          <p:nvPr/>
-        </p:nvPicPr>
-        <p:blipFill>
-          <a:blip r:embed="rId3">
-            <a:extLst>
-              <a:ext uri="{28A0092B-C50C-407E-A947-70E740481C1C}">
-                <a14:useLocalDpi xmlns:a14="http://schemas.microsoft.com/office/drawing/2010/main" val="0"/>
-              </a:ext>
-            </a:extLst>
-          </a:blip>
-          <a:srcRect/>
-          <a:stretch>
-            <a:fillRect/>
-          </a:stretch>
-        </p:blipFill>
-        <p:spPr bwMode="auto">
-          <a:xfrm>
-            <a:off x="1101800" y="2695574"/>
-            <a:ext cx="10791825" cy="4972050"/>
-          </a:xfrm>
-          <a:prstGeom prst="rect">
-            <a:avLst/>
-          </a:prstGeom>
-          <a:noFill/>
-          <a:extLst>
-            <a:ext uri="{909E8E84-426E-40DD-AFC4-6F175D3DCCD1}">
-              <a14:hiddenFill xmlns:a14="http://schemas.microsoft.com/office/drawing/2010/main">
-                <a:solidFill>
-                  <a:srgbClr val="FFFFFF"/>
-                </a:solidFill>
-              </a14:hiddenFill>
-            </a:ext>
-          </a:extLst>
-        </p:spPr>
-      </p:pic>
-    </p:spTree>
-    <p:extLst>
-      <p:ext uri="{BB962C8B-B14F-4D97-AF65-F5344CB8AC3E}">
-        <p14:creationId xmlns:p14="http://schemas.microsoft.com/office/powerpoint/2010/main" val="976502958"/>
-      </p:ext>
-    </p:extLst>
-  </p:cSld>
-  <p:clrMapOvr>
-    <a:masterClrMapping/>
-  </p:clrMapOvr>
-  <p:transition/>
-  <p:timing>
-    <p:tnLst>
-      <p:par>
-        <p:cTn id="1" dur="indefinite" restart="never" nodeType="tmRoot"/>
-      </p:par>
-    </p:tnLst>
-  </p:timing>
-</p:sld>
-</file>
-
-<file path=ppt/slides/slide6.xml><?xml version="1.0" encoding="utf-8"?>
-<p:sld xmlns:a="http://schemas.openxmlformats.org/drawingml/2006/main" xmlns:r="http://schemas.openxmlformats.org/officeDocument/2006/relationships" xmlns:p="http://schemas.openxmlformats.org/presentationml/2006/main">
-  <p:cSld>
-    <p:spTree>
-      <p:nvGrpSpPr>
-        <p:cNvPr id="1" name=""/>
-        <p:cNvGrpSpPr/>
-        <p:nvPr/>
-      </p:nvGrpSpPr>
-      <p:grpSpPr>
-        <a:xfrm>
-          <a:off x="0" y="0"/>
-          <a:ext cx="0" cy="0"/>
-          <a:chOff x="0" y="0"/>
-          <a:chExt cx="0" cy="0"/>
-        </a:xfrm>
-      </p:grpSpPr>
-      <p:sp>
-        <p:nvSpPr>
-          <p:cNvPr id="17410" name="Title 1"/>
-          <p:cNvSpPr>
-            <a:spLocks noGrp="1"/>
-          </p:cNvSpPr>
-          <p:nvPr>
-            <p:ph type="title"/>
-          </p:nvPr>
-        </p:nvSpPr>
-        <p:spPr bwMode="auto">
-          <a:xfrm>
-            <a:off x="1911350" y="933450"/>
-            <a:ext cx="8382000" cy="952500"/>
-          </a:xfrm>
-          <a:noFill/>
-          <a:extLst>
-            <a:ext uri="{909E8E84-426E-40DD-AFC4-6F175D3DCCD1}">
-              <a14:hiddenFill xmlns:a14="http://schemas.microsoft.com/office/drawing/2010/main">
-                <a:solidFill>
-                  <a:srgbClr val="FFFFFF"/>
-                </a:solidFill>
-              </a14:hiddenFill>
-            </a:ext>
-            <a:ext uri="{91240B29-F687-4F45-9708-019B960494DF}">
-              <a14:hiddenLine xmlns:a14="http://schemas.microsoft.com/office/drawing/2010/main" w="9525">
-                <a:solidFill>
-                  <a:srgbClr val="000000"/>
-                </a:solidFill>
-                <a:miter lim="800000"/>
-                <a:headEnd/>
-                <a:tailEnd/>
-              </a14:hiddenLine>
-            </a:ext>
-          </a:extLst>
-        </p:spPr>
-        <p:txBody>
-          <a:bodyPr vert="horz" wrap="square" lIns="91440" tIns="45720" rIns="91440" bIns="45720" numCol="1" compatLnSpc="1">
-            <a:prstTxWarp prst="textNoShape">
-              <a:avLst/>
-            </a:prstTxWarp>
-          </a:bodyPr>
-          <a:lstStyle/>
-          <a:p>
-            <a:pPr eaLnBrk="1" hangingPunct="1">
-              <a:lnSpc>
-                <a:spcPct val="90000"/>
-              </a:lnSpc>
-            </a:pPr>
-            <a:r>
-              <a:rPr lang="sv-SE" altLang="sv-SE" dirty="0">
-                <a:latin typeface="Georgia" panose="02040502050405020303" pitchFamily="18" charset="0"/>
-                <a:cs typeface="Arial" panose="020B0604020202020204" pitchFamily="34" charset="0"/>
-              </a:rPr>
-              <a:t>Periodigram</a:t>
-            </a:r>
-            <a:endParaRPr lang="sv-SE" altLang="sv-SE" dirty="0" smtClean="0">
-              <a:latin typeface="Arial" panose="020B0604020202020204" pitchFamily="34" charset="0"/>
-              <a:cs typeface="Arial" panose="020B0604020202020204" pitchFamily="34" charset="0"/>
-            </a:endParaRPr>
-          </a:p>
-        </p:txBody>
-      </p:sp>
-      <p:sp>
-        <p:nvSpPr>
-          <p:cNvPr id="17411" name="Content Placeholder 2"/>
-          <p:cNvSpPr>
-            <a:spLocks noGrp="1"/>
-          </p:cNvSpPr>
-          <p:nvPr>
-            <p:ph idx="10"/>
-          </p:nvPr>
-        </p:nvSpPr>
-        <p:spPr bwMode="auto">
-          <a:xfrm>
-            <a:off x="1911350" y="2590800"/>
-            <a:ext cx="10279063" cy="5181600"/>
-          </a:xfrm>
-          <a:noFill/>
-          <a:extLst>
-            <a:ext uri="{909E8E84-426E-40DD-AFC4-6F175D3DCCD1}">
-              <a14:hiddenFill xmlns:a14="http://schemas.microsoft.com/office/drawing/2010/main">
-                <a:solidFill>
-                  <a:srgbClr val="FFFFFF"/>
-                </a:solidFill>
-              </a14:hiddenFill>
-            </a:ext>
-            <a:ext uri="{91240B29-F687-4F45-9708-019B960494DF}">
-              <a14:hiddenLine xmlns:a14="http://schemas.microsoft.com/office/drawing/2010/main" w="9525">
-                <a:solidFill>
-                  <a:srgbClr val="000000"/>
-                </a:solidFill>
-                <a:miter lim="800000"/>
-                <a:headEnd/>
-                <a:tailEnd/>
-              </a14:hiddenLine>
-            </a:ext>
-          </a:extLst>
-        </p:spPr>
-        <p:txBody>
-          <a:bodyPr wrap="square" lIns="91440" tIns="45720" rIns="91440" bIns="45720" numCol="1" anchor="t" anchorCtr="0" compatLnSpc="1">
-            <a:prstTxWarp prst="textNoShape">
-              <a:avLst/>
-            </a:prstTxWarp>
-          </a:bodyPr>
-          <a:lstStyle/>
-          <a:p>
-            <a:endParaRPr lang="sv-SE" altLang="sv-SE" i="0" dirty="0" smtClean="0">
               <a:latin typeface="Georgia" panose="02040502050405020303" pitchFamily="18" charset="0"/>
               <a:cs typeface="Arial" panose="020B0604020202020204" pitchFamily="34" charset="0"/>
             </a:endParaRPr>
@@ -24039,8 +25038,8 @@
           </a:p>
         </p:txBody>
       </p:sp>
-      <mc:AlternateContent xmlns:mc="http://schemas.openxmlformats.org/markup-compatibility/2006" xmlns:a14="http://schemas.microsoft.com/office/drawing/2010/main">
-        <mc:Choice Requires="a14">
+      <mc:AlternateContent xmlns:mc="http://schemas.openxmlformats.org/markup-compatibility/2006">
+        <mc:Choice xmlns:a14="http://schemas.microsoft.com/office/drawing/2010/main" Requires="a14">
           <p:sp>
             <p:nvSpPr>
               <p:cNvPr id="14339" name="Content Placeholder 2"/>
@@ -24088,7 +25087,34 @@
                 <a:pPr eaLnBrk="1" hangingPunct="1"/>
                 <a:r>
                   <a:rPr lang="sv-SE" i="0" dirty="0" smtClean="0"/>
-                  <a:t>Euclidian formula: </a:t>
+                  <a:t>Five different </a:t>
+                </a:r>
+                <a:r>
+                  <a:rPr lang="sv-SE" i="0" dirty="0" smtClean="0"/>
+                  <a:t>similarity</a:t>
+                </a:r>
+                <a:r>
+                  <a:rPr lang="sv-SE" i="0" dirty="0" smtClean="0"/>
+                  <a:t> </a:t>
+                </a:r>
+                <a:r>
+                  <a:rPr lang="sv-SE" i="0" dirty="0" smtClean="0"/>
+                  <a:t>formulas</a:t>
+                </a:r>
+                <a:r>
+                  <a:rPr lang="sv-SE" i="0" dirty="0" smtClean="0"/>
+                  <a:t>: </a:t>
+                </a:r>
+              </a:p>
+              <a:p>
+                <a:pPr lvl="1" eaLnBrk="1" hangingPunct="1"/>
+                <a:r>
+                  <a:rPr lang="sv-SE" i="0" dirty="0" err="1" smtClean="0"/>
+                  <a:t>Euclidian</a:t>
+                </a:r>
+                <a:r>
+                  <a:rPr lang="sv-SE" i="0" dirty="0" smtClean="0"/>
+                  <a:t>: </a:t>
                 </a:r>
                 <a14:m>
                   <m:oMath xmlns:m="http://schemas.openxmlformats.org/officeDocument/2006/math">
@@ -24143,66 +25169,64 @@
                     </m:sSup>
                   </m:oMath>
                 </a14:m>
+                <a:endParaRPr lang="sv-SE" b="0" i="0" dirty="0" smtClean="0"/>
+              </a:p>
+              <a:p>
+                <a:pPr lvl="1" eaLnBrk="1" hangingPunct="1"/>
                 <a:r>
                   <a:rPr lang="sv-SE" i="0" dirty="0" smtClean="0"/>
-                  <a:t/>
+                  <a:t>Manhattan</a:t>
                 </a:r>
-                <a:br>
-                  <a:rPr lang="sv-SE" i="0" dirty="0" smtClean="0"/>
-                </a:br>
-                <a:endParaRPr lang="sv-SE" i="0" dirty="0" smtClean="0"/>
-              </a:p>
-              <a:p>
-                <a:pPr eaLnBrk="1" hangingPunct="1"/>
                 <a:r>
                   <a:rPr lang="sv-SE" i="0" dirty="0" smtClean="0"/>
-                  <a:t>Manhattan: </a:t>
+                  <a:t>: </a:t>
                 </a:r>
                 <a14:m>
                   <m:oMath xmlns:m="http://schemas.openxmlformats.org/officeDocument/2006/math">
-                    <m:r>
-                      <a:rPr lang="sv-SE" b="0" i="1" smtClean="0">
-                        <a:latin typeface="Cambria Math" panose="02040503050406030204" pitchFamily="18" charset="0"/>
-                      </a:rPr>
-                      <m:t>|</m:t>
-                    </m:r>
-                    <m:r>
-                      <a:rPr lang="sv-SE" b="0" i="1" smtClean="0">
-                        <a:latin typeface="Cambria Math" panose="02040503050406030204" pitchFamily="18" charset="0"/>
-                      </a:rPr>
-                      <m:t>𝑎</m:t>
-                    </m:r>
-                    <m:r>
-                      <a:rPr lang="sv-SE" b="0" i="1" smtClean="0">
-                        <a:latin typeface="Cambria Math" panose="02040503050406030204" pitchFamily="18" charset="0"/>
-                      </a:rPr>
-                      <m:t>−</m:t>
-                    </m:r>
-                    <m:r>
-                      <a:rPr lang="sv-SE" b="0" i="1" smtClean="0">
-                        <a:latin typeface="Cambria Math" panose="02040503050406030204" pitchFamily="18" charset="0"/>
-                      </a:rPr>
-                      <m:t>𝑏</m:t>
-                    </m:r>
-                    <m:r>
-                      <a:rPr lang="sv-SE" b="0" i="1" smtClean="0">
-                        <a:latin typeface="Cambria Math" panose="02040503050406030204" pitchFamily="18" charset="0"/>
-                      </a:rPr>
-                      <m:t>|</m:t>
-                    </m:r>
+                    <m:d>
+                      <m:dPr>
+                        <m:begChr m:val="|"/>
+                        <m:endChr m:val="|"/>
+                        <m:ctrlPr>
+                          <a:rPr lang="sv-SE" b="0" i="1" smtClean="0">
+                            <a:latin typeface="Cambria Math" panose="02040503050406030204" pitchFamily="18" charset="0"/>
+                          </a:rPr>
+                        </m:ctrlPr>
+                      </m:dPr>
+                      <m:e>
+                        <m:r>
+                          <a:rPr lang="sv-SE" b="0" i="1" smtClean="0">
+                            <a:latin typeface="Cambria Math" panose="02040503050406030204" pitchFamily="18" charset="0"/>
+                          </a:rPr>
+                          <m:t>𝑎</m:t>
+                        </m:r>
+                        <m:r>
+                          <a:rPr lang="sv-SE" b="0" i="1" smtClean="0">
+                            <a:latin typeface="Cambria Math" panose="02040503050406030204" pitchFamily="18" charset="0"/>
+                          </a:rPr>
+                          <m:t>−</m:t>
+                        </m:r>
+                        <m:r>
+                          <a:rPr lang="sv-SE" b="0" i="1" smtClean="0">
+                            <a:latin typeface="Cambria Math" panose="02040503050406030204" pitchFamily="18" charset="0"/>
+                          </a:rPr>
+                          <m:t>𝑏</m:t>
+                        </m:r>
+                      </m:e>
+                    </m:d>
                   </m:oMath>
                 </a14:m>
-                <a:endParaRPr lang="sv-SE" i="0" dirty="0" smtClean="0"/>
+                <a:endParaRPr lang="sv-SE" b="0" i="0" dirty="0" smtClean="0"/>
               </a:p>
               <a:p>
-                <a:pPr eaLnBrk="1" hangingPunct="1"/>
-                <a:endParaRPr lang="sv-SE" i="0" dirty="0" smtClean="0"/>
-              </a:p>
-              <a:p>
-                <a:pPr eaLnBrk="1" hangingPunct="1"/>
+                <a:pPr lvl="1" eaLnBrk="1" hangingPunct="1"/>
                 <a:r>
                   <a:rPr lang="sv-SE" i="0" dirty="0" smtClean="0"/>
-                  <a:t>Canberra: </a:t>
+                  <a:t>Canberra</a:t>
+                </a:r>
+                <a:r>
+                  <a:rPr lang="sv-SE" i="0" dirty="0" smtClean="0"/>
+                  <a:t>: </a:t>
                 </a:r>
                 <a14:m>
                   <m:oMath xmlns:m="http://schemas.openxmlformats.org/officeDocument/2006/math">
@@ -24283,75 +25307,97 @@
                     </m:f>
                   </m:oMath>
                 </a14:m>
+                <a:endParaRPr lang="sv-SE" b="0" i="0" dirty="0" smtClean="0"/>
+              </a:p>
+              <a:p>
+                <a:pPr lvl="1" eaLnBrk="1" hangingPunct="1"/>
                 <a:r>
                   <a:rPr lang="sv-SE" i="0" dirty="0" smtClean="0"/>
-                  <a:t/>
+                  <a:t>Tan</a:t>
                 </a:r>
-                <a:br>
-                  <a:rPr lang="sv-SE" i="0" dirty="0" smtClean="0"/>
-                </a:br>
-                <a:endParaRPr lang="sv-SE" i="0" dirty="0" smtClean="0"/>
-              </a:p>
-              <a:p>
-                <a:pPr eaLnBrk="1" hangingPunct="1"/>
                 <a:r>
                   <a:rPr lang="sv-SE" i="0" dirty="0" smtClean="0"/>
-                  <a:t>Tan: </a:t>
+                  <a:t>: </a:t>
                 </a:r>
                 <a14:m>
                   <m:oMath xmlns:m="http://schemas.openxmlformats.org/officeDocument/2006/math">
-                    <m:r>
-                      <m:rPr>
-                        <m:sty m:val="p"/>
-                      </m:rPr>
-                      <a:rPr lang="sv-SE" b="0" i="0" smtClean="0">
-                        <a:latin typeface="Cambria Math" panose="02040503050406030204" pitchFamily="18" charset="0"/>
-                      </a:rPr>
-                      <m:t>tan</m:t>
-                    </m:r>
-                    <m:r>
-                      <a:rPr lang="sv-SE" b="0" i="1" smtClean="0">
-                        <a:latin typeface="Cambria Math" panose="02040503050406030204" pitchFamily="18" charset="0"/>
-                      </a:rPr>
-                      <m:t>⁡(|</m:t>
-                    </m:r>
-                    <m:r>
-                      <a:rPr lang="sv-SE" b="0" i="1" smtClean="0">
-                        <a:latin typeface="Cambria Math" panose="02040503050406030204" pitchFamily="18" charset="0"/>
-                      </a:rPr>
-                      <m:t>𝑎</m:t>
-                    </m:r>
-                    <m:r>
-                      <a:rPr lang="sv-SE" b="0" i="1" smtClean="0">
-                        <a:latin typeface="Cambria Math" panose="02040503050406030204" pitchFamily="18" charset="0"/>
-                      </a:rPr>
-                      <m:t>−</m:t>
-                    </m:r>
-                    <m:r>
-                      <a:rPr lang="sv-SE" b="0" i="1" smtClean="0">
-                        <a:latin typeface="Cambria Math" panose="02040503050406030204" pitchFamily="18" charset="0"/>
-                      </a:rPr>
-                      <m:t>𝑏</m:t>
-                    </m:r>
-                    <m:r>
-                      <a:rPr lang="sv-SE" b="0" i="1" smtClean="0">
-                        <a:latin typeface="Cambria Math" panose="02040503050406030204" pitchFamily="18" charset="0"/>
-                      </a:rPr>
-                      <m:t>|)</m:t>
-                    </m:r>
+                    <m:func>
+                      <m:funcPr>
+                        <m:ctrlPr>
+                          <a:rPr lang="sv-SE" b="0" i="1" smtClean="0">
+                            <a:latin typeface="Cambria Math" panose="02040503050406030204" pitchFamily="18" charset="0"/>
+                          </a:rPr>
+                        </m:ctrlPr>
+                      </m:funcPr>
+                      <m:fName>
+                        <m:r>
+                          <m:rPr>
+                            <m:sty m:val="p"/>
+                          </m:rPr>
+                          <a:rPr lang="sv-SE" b="0" i="0" smtClean="0">
+                            <a:latin typeface="Cambria Math" panose="02040503050406030204" pitchFamily="18" charset="0"/>
+                          </a:rPr>
+                          <m:t>tan</m:t>
+                        </m:r>
+                      </m:fName>
+                      <m:e>
+                        <m:d>
+                          <m:dPr>
+                            <m:ctrlPr>
+                              <a:rPr lang="sv-SE" b="0" i="1" smtClean="0">
+                                <a:latin typeface="Cambria Math" panose="02040503050406030204" pitchFamily="18" charset="0"/>
+                              </a:rPr>
+                            </m:ctrlPr>
+                          </m:dPr>
+                          <m:e>
+                            <m:d>
+                              <m:dPr>
+                                <m:begChr m:val="|"/>
+                                <m:endChr m:val="|"/>
+                                <m:ctrlPr>
+                                  <a:rPr lang="sv-SE" b="0" i="1" smtClean="0">
+                                    <a:latin typeface="Cambria Math" panose="02040503050406030204" pitchFamily="18" charset="0"/>
+                                  </a:rPr>
+                                </m:ctrlPr>
+                              </m:dPr>
+                              <m:e>
+                                <m:r>
+                                  <a:rPr lang="sv-SE" b="0" i="1" smtClean="0">
+                                    <a:latin typeface="Cambria Math" panose="02040503050406030204" pitchFamily="18" charset="0"/>
+                                  </a:rPr>
+                                  <m:t>𝑎</m:t>
+                                </m:r>
+                                <m:r>
+                                  <a:rPr lang="sv-SE" b="0" i="1" smtClean="0">
+                                    <a:latin typeface="Cambria Math" panose="02040503050406030204" pitchFamily="18" charset="0"/>
+                                  </a:rPr>
+                                  <m:t>−</m:t>
+                                </m:r>
+                                <m:r>
+                                  <a:rPr lang="sv-SE" b="0" i="1" smtClean="0">
+                                    <a:latin typeface="Cambria Math" panose="02040503050406030204" pitchFamily="18" charset="0"/>
+                                  </a:rPr>
+                                  <m:t>𝑏</m:t>
+                                </m:r>
+                              </m:e>
+                            </m:d>
+                          </m:e>
+                        </m:d>
+                      </m:e>
+                    </m:func>
                   </m:oMath>
                 </a14:m>
-                <a:endParaRPr lang="sv-SE" i="0" dirty="0" smtClean="0"/>
+                <a:endParaRPr lang="sv-SE" b="0" i="0" dirty="0" smtClean="0"/>
               </a:p>
               <a:p>
-                <a:pPr eaLnBrk="1" hangingPunct="1"/>
-                <a:endParaRPr lang="sv-SE" i="0" dirty="0" smtClean="0"/>
-              </a:p>
-              <a:p>
-                <a:pPr eaLnBrk="1" hangingPunct="1"/>
+                <a:pPr lvl="1" eaLnBrk="1" hangingPunct="1"/>
+                <a:r>
+                  <a:rPr lang="sv-SE" i="0" dirty="0" err="1" smtClean="0"/>
+                  <a:t>Tanh</a:t>
+                </a:r>
                 <a:r>
                   <a:rPr lang="sv-SE" i="0" dirty="0" smtClean="0"/>
-                  <a:t>Tanh: </a:t>
+                  <a:t>: </a:t>
                 </a:r>
                 <a14:m>
                   <m:oMath xmlns:m="http://schemas.openxmlformats.org/officeDocument/2006/math">
@@ -24400,6 +25446,26 @@
               </a:p>
               <a:p>
                 <a:pPr eaLnBrk="1" hangingPunct="1"/>
+                <a:r>
+                  <a:rPr lang="sv-SE" i="0" dirty="0" smtClean="0"/>
+                  <a:t>K </a:t>
+                </a:r>
+                <a:r>
+                  <a:rPr lang="sv-SE" i="0" dirty="0" err="1" smtClean="0"/>
+                  <a:t>Nearest</a:t>
+                </a:r>
+                <a:r>
+                  <a:rPr lang="sv-SE" i="0" dirty="0" smtClean="0"/>
+                  <a:t> </a:t>
+                </a:r>
+                <a:r>
+                  <a:rPr lang="sv-SE" i="0" dirty="0" err="1" smtClean="0"/>
+                  <a:t>Neighbour</a:t>
+                </a:r>
+                <a:r>
+                  <a:rPr lang="sv-SE" i="0" dirty="0" smtClean="0"/>
+                  <a:t> (KNN)</a:t>
+                </a:r>
                 <a:endParaRPr lang="sv-SE" i="0" dirty="0" smtClean="0"/>
               </a:p>
               <a:p>
@@ -24428,7 +25494,7 @@
             </p:txBody>
           </p:sp>
         </mc:Choice>
-        <mc:Fallback xmlns="">
+        <mc:Fallback>
           <p:sp>
             <p:nvSpPr>
               <p:cNvPr id="14339" name="Content Placeholder 2"/>
@@ -24447,7 +25513,7 @@
               <a:blipFill rotWithShape="0">
                 <a:blip r:embed="rId3"/>
                 <a:stretch>
-                  <a:fillRect l="-1164" t="-941"/>
+                  <a:fillRect l="-1164" t="-1059"/>
                 </a:stretch>
               </a:blipFill>
               <a:extLst>
@@ -24485,6 +25551,305 @@
           </p:sp>
         </mc:Fallback>
       </mc:AlternateContent>
+      <p:pic>
+        <p:nvPicPr>
+          <p:cNvPr id="2050" name="Picture 2" descr="https://www.byclb.com/TR/Tutorials/neural_networks/ch11_1_dosyalar/image087.jpg"/>
+          <p:cNvPicPr>
+            <a:picLocks noChangeAspect="1" noChangeArrowheads="1"/>
+          </p:cNvPicPr>
+          <p:nvPr/>
+        </p:nvPicPr>
+        <p:blipFill>
+          <a:blip r:embed="rId4">
+            <a:extLst>
+              <a:ext uri="{28A0092B-C50C-407E-A947-70E740481C1C}">
+                <a14:useLocalDpi xmlns:a14="http://schemas.microsoft.com/office/drawing/2010/main" val="0"/>
+              </a:ext>
+            </a:extLst>
+          </a:blip>
+          <a:srcRect/>
+          <a:stretch>
+            <a:fillRect/>
+          </a:stretch>
+        </p:blipFill>
+        <p:spPr bwMode="auto">
+          <a:xfrm>
+            <a:off x="7582520" y="5236677"/>
+            <a:ext cx="3960440" cy="3636826"/>
+          </a:xfrm>
+          <a:prstGeom prst="rect">
+            <a:avLst/>
+          </a:prstGeom>
+          <a:noFill/>
+          <a:extLst>
+            <a:ext uri="{909E8E84-426E-40DD-AFC4-6F175D3DCCD1}">
+              <a14:hiddenFill xmlns:a14="http://schemas.microsoft.com/office/drawing/2010/main">
+                <a:solidFill>
+                  <a:srgbClr val="FFFFFF"/>
+                </a:solidFill>
+              </a14:hiddenFill>
+            </a:ext>
+          </a:extLst>
+        </p:spPr>
+      </p:pic>
+      <p:sp>
+        <p:nvSpPr>
+          <p:cNvPr id="2" name="Oval 1"/>
+          <p:cNvSpPr/>
+          <p:nvPr/>
+        </p:nvSpPr>
+        <p:spPr bwMode="auto">
+          <a:xfrm>
+            <a:off x="10678864" y="8333184"/>
+            <a:ext cx="144016" cy="144016"/>
+          </a:xfrm>
+          <a:prstGeom prst="ellipse">
+            <a:avLst/>
+          </a:prstGeom>
+          <a:solidFill>
+            <a:schemeClr val="tx1"/>
+          </a:solidFill>
+          <a:ln>
+            <a:headEnd type="none" w="med" len="med"/>
+            <a:tailEnd type="none" w="med" len="med"/>
+          </a:ln>
+        </p:spPr>
+        <p:style>
+          <a:lnRef idx="2">
+            <a:schemeClr val="dk1"/>
+          </a:lnRef>
+          <a:fillRef idx="1">
+            <a:schemeClr val="lt1"/>
+          </a:fillRef>
+          <a:effectRef idx="0">
+            <a:schemeClr val="dk1"/>
+          </a:effectRef>
+          <a:fontRef idx="minor">
+            <a:schemeClr val="dk1"/>
+          </a:fontRef>
+        </p:style>
+        <p:txBody>
+          <a:bodyPr vert="horz" wrap="square" lIns="91440" tIns="45720" rIns="91440" bIns="45720" numCol="1" rtlCol="0" anchor="t" anchorCtr="0" compatLnSpc="1">
+            <a:prstTxWarp prst="textNoShape">
+              <a:avLst/>
+            </a:prstTxWarp>
+          </a:bodyPr>
+          <a:lstStyle/>
+          <a:p>
+            <a:pPr marL="0" marR="0" indent="0" algn="ctr" defTabSz="914400" rtl="0" eaLnBrk="1" fontAlgn="base" latinLnBrk="0" hangingPunct="1">
+              <a:lnSpc>
+                <a:spcPct val="100000"/>
+              </a:lnSpc>
+              <a:spcBef>
+                <a:spcPct val="0"/>
+              </a:spcBef>
+              <a:spcAft>
+                <a:spcPct val="0"/>
+              </a:spcAft>
+              <a:buClrTx/>
+              <a:buSzTx/>
+              <a:buFontTx/>
+              <a:buNone/>
+              <a:tabLst/>
+            </a:pPr>
+            <a:endParaRPr kumimoji="0" lang="sv-SE" sz="4200" i="0" u="none" strike="noStrike" normalizeH="0" baseline="0">
+              <a:ln w="0"/>
+              <a:solidFill>
+                <a:schemeClr val="tx1"/>
+              </a:solidFill>
+              <a:effectLst>
+                <a:outerShdw blurRad="38100" dist="19050" dir="2700000" algn="tl" rotWithShape="0">
+                  <a:schemeClr val="dk1">
+                    <a:alpha val="40000"/>
+                  </a:schemeClr>
+                </a:outerShdw>
+              </a:effectLst>
+              <a:latin typeface="Gill Sans" charset="0"/>
+              <a:ea typeface="ヒラギノ角ゴ ProN W3" charset="-128"/>
+              <a:cs typeface="ヒラギノ角ゴ ProN W3" charset="-128"/>
+              <a:sym typeface="Gill Sans" charset="0"/>
+            </a:endParaRPr>
+          </a:p>
+        </p:txBody>
+      </p:sp>
+      <p:cxnSp>
+        <p:nvCxnSpPr>
+          <p:cNvPr id="4" name="Straight Arrow Connector 3"/>
+          <p:cNvCxnSpPr>
+            <a:stCxn id="2" idx="2"/>
+          </p:cNvCxnSpPr>
+          <p:nvPr/>
+        </p:nvCxnSpPr>
+        <p:spPr bwMode="auto">
+          <a:xfrm flipH="1" flipV="1">
+            <a:off x="10102800" y="8117160"/>
+            <a:ext cx="576064" cy="288032"/>
+          </a:xfrm>
+          <a:prstGeom prst="straightConnector1">
+            <a:avLst/>
+          </a:prstGeom>
+          <a:ln>
+            <a:headEnd type="none" w="med" len="med"/>
+            <a:tailEnd type="triangle"/>
+          </a:ln>
+        </p:spPr>
+        <p:style>
+          <a:lnRef idx="1">
+            <a:schemeClr val="dk1"/>
+          </a:lnRef>
+          <a:fillRef idx="0">
+            <a:schemeClr val="dk1"/>
+          </a:fillRef>
+          <a:effectRef idx="0">
+            <a:schemeClr val="dk1"/>
+          </a:effectRef>
+          <a:fontRef idx="minor">
+            <a:schemeClr val="tx1"/>
+          </a:fontRef>
+        </p:style>
+      </p:cxnSp>
+      <p:cxnSp>
+        <p:nvCxnSpPr>
+          <p:cNvPr id="8" name="Straight Arrow Connector 7"/>
+          <p:cNvCxnSpPr>
+            <a:stCxn id="2" idx="1"/>
+          </p:cNvCxnSpPr>
+          <p:nvPr/>
+        </p:nvCxnSpPr>
+        <p:spPr bwMode="auto">
+          <a:xfrm flipH="1" flipV="1">
+            <a:off x="10102800" y="7736083"/>
+            <a:ext cx="597155" cy="618192"/>
+          </a:xfrm>
+          <a:prstGeom prst="straightConnector1">
+            <a:avLst/>
+          </a:prstGeom>
+          <a:ln>
+            <a:headEnd type="none" w="med" len="med"/>
+            <a:tailEnd type="triangle"/>
+          </a:ln>
+        </p:spPr>
+        <p:style>
+          <a:lnRef idx="1">
+            <a:schemeClr val="dk1"/>
+          </a:lnRef>
+          <a:fillRef idx="0">
+            <a:schemeClr val="dk1"/>
+          </a:fillRef>
+          <a:effectRef idx="0">
+            <a:schemeClr val="dk1"/>
+          </a:effectRef>
+          <a:fontRef idx="minor">
+            <a:schemeClr val="tx1"/>
+          </a:fontRef>
+        </p:style>
+      </p:cxnSp>
+      <p:cxnSp>
+        <p:nvCxnSpPr>
+          <p:cNvPr id="11" name="Straight Arrow Connector 10"/>
+          <p:cNvCxnSpPr>
+            <a:stCxn id="2" idx="3"/>
+          </p:cNvCxnSpPr>
+          <p:nvPr/>
+        </p:nvCxnSpPr>
+        <p:spPr bwMode="auto">
+          <a:xfrm flipH="1" flipV="1">
+            <a:off x="9670752" y="8271722"/>
+            <a:ext cx="1029203" cy="184387"/>
+          </a:xfrm>
+          <a:prstGeom prst="straightConnector1">
+            <a:avLst/>
+          </a:prstGeom>
+          <a:ln>
+            <a:headEnd type="none" w="med" len="med"/>
+            <a:tailEnd type="triangle"/>
+          </a:ln>
+        </p:spPr>
+        <p:style>
+          <a:lnRef idx="1">
+            <a:schemeClr val="dk1"/>
+          </a:lnRef>
+          <a:fillRef idx="0">
+            <a:schemeClr val="dk1"/>
+          </a:fillRef>
+          <a:effectRef idx="0">
+            <a:schemeClr val="dk1"/>
+          </a:effectRef>
+          <a:fontRef idx="minor">
+            <a:schemeClr val="tx1"/>
+          </a:fontRef>
+        </p:style>
+      </p:cxnSp>
+      <p:cxnSp>
+        <p:nvCxnSpPr>
+          <p:cNvPr id="14" name="Straight Arrow Connector 13"/>
+          <p:cNvCxnSpPr>
+            <a:stCxn id="2" idx="4"/>
+          </p:cNvCxnSpPr>
+          <p:nvPr/>
+        </p:nvCxnSpPr>
+        <p:spPr bwMode="auto">
+          <a:xfrm flipH="1" flipV="1">
+            <a:off x="9886776" y="8153478"/>
+            <a:ext cx="864096" cy="323722"/>
+          </a:xfrm>
+          <a:prstGeom prst="straightConnector1">
+            <a:avLst/>
+          </a:prstGeom>
+          <a:ln>
+            <a:headEnd type="none" w="med" len="med"/>
+            <a:tailEnd type="triangle"/>
+          </a:ln>
+        </p:spPr>
+        <p:style>
+          <a:lnRef idx="1">
+            <a:schemeClr val="dk1"/>
+          </a:lnRef>
+          <a:fillRef idx="0">
+            <a:schemeClr val="dk1"/>
+          </a:fillRef>
+          <a:effectRef idx="0">
+            <a:schemeClr val="dk1"/>
+          </a:effectRef>
+          <a:fontRef idx="minor">
+            <a:schemeClr val="tx1"/>
+          </a:fontRef>
+        </p:style>
+      </p:cxnSp>
+      <p:cxnSp>
+        <p:nvCxnSpPr>
+          <p:cNvPr id="17" name="Straight Arrow Connector 16"/>
+          <p:cNvCxnSpPr/>
+          <p:nvPr/>
+        </p:nvCxnSpPr>
+        <p:spPr bwMode="auto">
+          <a:xfrm flipV="1">
+            <a:off x="10750872" y="7634250"/>
+            <a:ext cx="21091" cy="821859"/>
+          </a:xfrm>
+          <a:prstGeom prst="straightConnector1">
+            <a:avLst/>
+          </a:prstGeom>
+          <a:ln>
+            <a:headEnd type="none" w="med" len="med"/>
+            <a:tailEnd type="triangle"/>
+          </a:ln>
+        </p:spPr>
+        <p:style>
+          <a:lnRef idx="1">
+            <a:schemeClr val="dk1"/>
+          </a:lnRef>
+          <a:fillRef idx="0">
+            <a:schemeClr val="dk1"/>
+          </a:fillRef>
+          <a:effectRef idx="0">
+            <a:schemeClr val="dk1"/>
+          </a:effectRef>
+          <a:fontRef idx="minor">
+            <a:schemeClr val="tx1"/>
+          </a:fontRef>
+        </p:style>
+      </p:cxnSp>
     </p:spTree>
     <p:extLst>
       <p:ext uri="{BB962C8B-B14F-4D97-AF65-F5344CB8AC3E}">
@@ -24637,7 +26002,23 @@
                 <a:cs typeface="Arial" panose="020B0604020202020204" pitchFamily="34" charset="0"/>
                 <a:sym typeface="Georgia" panose="02040502050405020303" pitchFamily="18" charset="0"/>
               </a:rPr>
-              <a:t>The current database containes cases for 5 different birds</a:t>
+              <a:t>The current database containes cases for </a:t>
+            </a:r>
+            <a:r>
+              <a:rPr lang="sv-SE" altLang="sv-SE" sz="2400" i="0" dirty="0" smtClean="0">
+                <a:latin typeface="Georgia" panose="02040502050405020303" pitchFamily="18" charset="0"/>
+                <a:cs typeface="Arial" panose="020B0604020202020204" pitchFamily="34" charset="0"/>
+                <a:sym typeface="Georgia" panose="02040502050405020303" pitchFamily="18" charset="0"/>
+              </a:rPr>
+              <a:t>8 different </a:t>
+            </a:r>
+            <a:r>
+              <a:rPr lang="sv-SE" altLang="sv-SE" sz="2400" i="0" dirty="0" smtClean="0">
+                <a:latin typeface="Georgia" panose="02040502050405020303" pitchFamily="18" charset="0"/>
+                <a:cs typeface="Arial" panose="020B0604020202020204" pitchFamily="34" charset="0"/>
+                <a:sym typeface="Georgia" panose="02040502050405020303" pitchFamily="18" charset="0"/>
+              </a:rPr>
+              <a:t>birds</a:t>
             </a:r>
           </a:p>
           <a:p>
@@ -24658,8 +26039,45 @@
                 <a:cs typeface="Arial" panose="020B0604020202020204" pitchFamily="34" charset="0"/>
                 <a:sym typeface="Georgia" panose="02040502050405020303" pitchFamily="18" charset="0"/>
               </a:rPr>
-              <a:t>Total number of cases: n</a:t>
-            </a:r>
+              <a:t>Total number of cases: </a:t>
+            </a:r>
+            <a:r>
+              <a:rPr lang="sv-SE" altLang="sv-SE" sz="2400" i="0" dirty="0" err="1" smtClean="0">
+                <a:latin typeface="Georgia" panose="02040502050405020303" pitchFamily="18" charset="0"/>
+                <a:cs typeface="Arial" panose="020B0604020202020204" pitchFamily="34" charset="0"/>
+                <a:sym typeface="Georgia" panose="02040502050405020303" pitchFamily="18" charset="0"/>
+              </a:rPr>
+              <a:t>arbitrary</a:t>
+            </a:r>
+            <a:r>
+              <a:rPr lang="sv-SE" altLang="sv-SE" sz="2400" i="0" dirty="0">
+                <a:latin typeface="Georgia" panose="02040502050405020303" pitchFamily="18" charset="0"/>
+                <a:cs typeface="Arial" panose="020B0604020202020204" pitchFamily="34" charset="0"/>
+                <a:sym typeface="Georgia" panose="02040502050405020303" pitchFamily="18" charset="0"/>
+              </a:rPr>
+              <a:t> </a:t>
+            </a:r>
+            <a:r>
+              <a:rPr lang="sv-SE" altLang="sv-SE" sz="2400" i="0" dirty="0" err="1" smtClean="0">
+                <a:latin typeface="Georgia" panose="02040502050405020303" pitchFamily="18" charset="0"/>
+                <a:cs typeface="Arial" panose="020B0604020202020204" pitchFamily="34" charset="0"/>
+                <a:sym typeface="Georgia" panose="02040502050405020303" pitchFamily="18" charset="0"/>
+              </a:rPr>
+              <a:t>depending</a:t>
+            </a:r>
+            <a:r>
+              <a:rPr lang="sv-SE" altLang="sv-SE" sz="2400" i="0" dirty="0" smtClean="0">
+                <a:latin typeface="Georgia" panose="02040502050405020303" pitchFamily="18" charset="0"/>
+                <a:cs typeface="Arial" panose="020B0604020202020204" pitchFamily="34" charset="0"/>
+                <a:sym typeface="Georgia" panose="02040502050405020303" pitchFamily="18" charset="0"/>
+              </a:rPr>
+              <a:t> on the HDD</a:t>
+            </a:r>
+            <a:endParaRPr lang="sv-SE" altLang="sv-SE" sz="2400" i="0" dirty="0" smtClean="0">
+              <a:latin typeface="Georgia" panose="02040502050405020303" pitchFamily="18" charset="0"/>
+              <a:cs typeface="Arial" panose="020B0604020202020204" pitchFamily="34" charset="0"/>
+              <a:sym typeface="Georgia" panose="02040502050405020303" pitchFamily="18" charset="0"/>
+            </a:endParaRPr>
           </a:p>
           <a:p>
             <a:r>
@@ -24791,7 +26209,7 @@
                 <a:cs typeface="Arial" panose="020B0604020202020204" pitchFamily="34" charset="0"/>
                 <a:sym typeface="Arial" panose="020B0604020202020204" pitchFamily="34" charset="0"/>
               </a:rPr>
-              <a:t>Birds classification by sound using Case-Based Reasoning</a:t>
+              <a:t>Bird classification by sound using Case-Based Reasoning</a:t>
             </a:r>
             <a:endParaRPr lang="sv-SE" altLang="sv-SE" sz="5500" dirty="0" smtClean="0">
               <a:latin typeface="Arial" panose="020B0604020202020204" pitchFamily="34" charset="0"/>
@@ -24843,11 +26261,53 @@
           <a:p>
             <a:pPr eaLnBrk="1" hangingPunct="1"/>
             <a:r>
+              <a:rPr lang="sv-SE" altLang="sv-SE" sz="2000" dirty="0">
+                <a:latin typeface="Arial" panose="020B0604020202020204" pitchFamily="34" charset="0"/>
+                <a:cs typeface="Arial" panose="020B0604020202020204" pitchFamily="34" charset="0"/>
+              </a:rPr>
+              <a:t>Alex Anis </a:t>
+            </a:r>
+            <a:r>
               <a:rPr lang="sv-SE" altLang="sv-SE" sz="2000" dirty="0" smtClean="0">
                 <a:latin typeface="Arial" panose="020B0604020202020204" pitchFamily="34" charset="0"/>
                 <a:cs typeface="Arial" panose="020B0604020202020204" pitchFamily="34" charset="0"/>
               </a:rPr>
-              <a:t>Alex Anis, Johan Söderlind Åström, Daniel Hedlund</a:t>
+              <a:t>, Anna Enbom,</a:t>
+            </a:r>
+            <a:r>
+              <a:rPr lang="sv-SE" altLang="sv-SE" sz="2000" dirty="0">
+                <a:latin typeface="Arial" panose="020B0604020202020204" pitchFamily="34" charset="0"/>
+                <a:cs typeface="Arial" panose="020B0604020202020204" pitchFamily="34" charset="0"/>
+              </a:rPr>
+              <a:t> Daniel Hedlund </a:t>
+            </a:r>
+            <a:r>
+              <a:rPr lang="sv-SE" altLang="sv-SE" sz="2000" dirty="0" smtClean="0">
+                <a:latin typeface="Arial" panose="020B0604020202020204" pitchFamily="34" charset="0"/>
+                <a:cs typeface="Arial" panose="020B0604020202020204" pitchFamily="34" charset="0"/>
+              </a:rPr>
+              <a:t>, Johan </a:t>
+            </a:r>
+            <a:r>
+              <a:rPr lang="sv-SE" altLang="sv-SE" sz="2000" dirty="0" smtClean="0">
+                <a:latin typeface="Arial" panose="020B0604020202020204" pitchFamily="34" charset="0"/>
+                <a:cs typeface="Arial" panose="020B0604020202020204" pitchFamily="34" charset="0"/>
+              </a:rPr>
+              <a:t>Söderlind </a:t>
+            </a:r>
+            <a:r>
+              <a:rPr lang="sv-SE" altLang="sv-SE" sz="2000" dirty="0" smtClean="0">
+                <a:latin typeface="Arial" panose="020B0604020202020204" pitchFamily="34" charset="0"/>
+                <a:cs typeface="Arial" panose="020B0604020202020204" pitchFamily="34" charset="0"/>
+              </a:rPr>
+              <a:t>Åström</a:t>
+            </a:r>
+            <a:r>
+              <a:rPr lang="sv-SE" altLang="sv-SE" sz="2000" dirty="0" smtClean="0">
+                <a:latin typeface="Arial" panose="020B0604020202020204" pitchFamily="34" charset="0"/>
+                <a:cs typeface="Arial" panose="020B0604020202020204" pitchFamily="34" charset="0"/>
+              </a:rPr>
+              <a:t/>
             </a:r>
             <a:br>
               <a:rPr lang="sv-SE" altLang="sv-SE" sz="2000" dirty="0" smtClean="0">
@@ -24875,7 +26335,7 @@
     </p:spTree>
     <p:extLst>
       <p:ext uri="{BB962C8B-B14F-4D97-AF65-F5344CB8AC3E}">
-        <p14:creationId xmlns:p14="http://schemas.microsoft.com/office/powerpoint/2010/main" val="542549859"/>
+        <p14:creationId xmlns:p14="http://schemas.microsoft.com/office/powerpoint/2010/main" val="1577831907"/>
       </p:ext>
     </p:extLst>
   </p:cSld>

--- a/report/presentation.pptx
+++ b/report/presentation.pptx
@@ -14,7 +14,7 @@
     <p:sldMasterId id="2147483661" r:id="rId10"/>
   </p:sldMasterIdLst>
   <p:notesMasterIdLst>
-    <p:notesMasterId r:id="rId20"/>
+    <p:notesMasterId r:id="rId26"/>
   </p:notesMasterIdLst>
   <p:sldIdLst>
     <p:sldId id="332" r:id="rId11"/>
@@ -23,9 +23,15 @@
     <p:sldId id="339" r:id="rId14"/>
     <p:sldId id="355" r:id="rId15"/>
     <p:sldId id="340" r:id="rId16"/>
-    <p:sldId id="357" r:id="rId17"/>
-    <p:sldId id="354" r:id="rId18"/>
-    <p:sldId id="358" r:id="rId19"/>
+    <p:sldId id="364" r:id="rId17"/>
+    <p:sldId id="359" r:id="rId18"/>
+    <p:sldId id="363" r:id="rId19"/>
+    <p:sldId id="361" r:id="rId20"/>
+    <p:sldId id="362" r:id="rId21"/>
+    <p:sldId id="357" r:id="rId22"/>
+    <p:sldId id="354" r:id="rId23"/>
+    <p:sldId id="365" r:id="rId24"/>
+    <p:sldId id="358" r:id="rId25"/>
   </p:sldIdLst>
   <p:sldSz cx="13004800" cy="9753600"/>
   <p:notesSz cx="6858000" cy="9144000"/>
@@ -174,8 +180,14 @@
             <p14:sldId id="339"/>
             <p14:sldId id="355"/>
             <p14:sldId id="340"/>
+            <p14:sldId id="364"/>
+            <p14:sldId id="359"/>
+            <p14:sldId id="363"/>
+            <p14:sldId id="361"/>
+            <p14:sldId id="362"/>
             <p14:sldId id="357"/>
             <p14:sldId id="354"/>
+            <p14:sldId id="365"/>
             <p14:sldId id="358"/>
           </p14:sldIdLst>
         </p14:section>
@@ -197,6 +209,1006 @@
     </p:ext>
   </p:extLst>
 </p:presentation>
+</file>
+
+<file path=ppt/charts/chart1.xml><?xml version="1.0" encoding="utf-8"?>
+<c:chartSpace xmlns:c="http://schemas.openxmlformats.org/drawingml/2006/chart" xmlns:a="http://schemas.openxmlformats.org/drawingml/2006/main" xmlns:r="http://schemas.openxmlformats.org/officeDocument/2006/relationships">
+  <c:date1904 val="0"/>
+  <c:lang val="en-US"/>
+  <c:roundedCorners val="0"/>
+  <mc:AlternateContent xmlns:mc="http://schemas.openxmlformats.org/markup-compatibility/2006">
+    <mc:Choice xmlns:c14="http://schemas.microsoft.com/office/drawing/2007/8/2/chart" Requires="c14">
+      <c14:style val="102"/>
+    </mc:Choice>
+    <mc:Fallback>
+      <c:style val="2"/>
+    </mc:Fallback>
+  </mc:AlternateContent>
+  <c:chart>
+    <c:title>
+      <c:layout/>
+      <c:overlay val="0"/>
+      <c:spPr>
+        <a:noFill/>
+        <a:ln>
+          <a:noFill/>
+        </a:ln>
+        <a:effectLst/>
+      </c:spPr>
+      <c:txPr>
+        <a:bodyPr rot="0" spcFirstLastPara="1" vertOverflow="ellipsis" vert="horz" wrap="square" anchor="ctr" anchorCtr="1"/>
+        <a:lstStyle/>
+        <a:p>
+          <a:pPr>
+            <a:defRPr sz="1862" b="0" i="0" u="none" strike="noStrike" kern="1200" spc="0" baseline="0">
+              <a:solidFill>
+                <a:schemeClr val="tx1">
+                  <a:lumMod val="65000"/>
+                  <a:lumOff val="35000"/>
+                </a:schemeClr>
+              </a:solidFill>
+              <a:latin typeface="+mn-lt"/>
+              <a:ea typeface="+mn-ea"/>
+              <a:cs typeface="+mn-cs"/>
+            </a:defRPr>
+          </a:pPr>
+          <a:endParaRPr lang="sv-SE"/>
+        </a:p>
+      </c:txPr>
+    </c:title>
+    <c:autoTitleDeleted val="0"/>
+    <c:plotArea>
+      <c:layout/>
+      <c:lineChart>
+        <c:grouping val="standard"/>
+        <c:varyColors val="0"/>
+        <c:ser>
+          <c:idx val="0"/>
+          <c:order val="0"/>
+          <c:tx>
+            <c:strRef>
+              <c:f>Sheet1!$B$1</c:f>
+              <c:strCache>
+                <c:ptCount val="1"/>
+                <c:pt idx="0">
+                  <c:v>Series 1</c:v>
+                </c:pt>
+              </c:strCache>
+            </c:strRef>
+          </c:tx>
+          <c:spPr>
+            <a:ln w="28575" cap="rnd">
+              <a:solidFill>
+                <a:schemeClr val="accent1"/>
+              </a:solidFill>
+              <a:round/>
+            </a:ln>
+            <a:effectLst/>
+          </c:spPr>
+          <c:marker>
+            <c:symbol val="none"/>
+          </c:marker>
+          <c:cat>
+            <c:strRef>
+              <c:f>Sheet1!$A$2:$A$5</c:f>
+              <c:strCache>
+                <c:ptCount val="4"/>
+                <c:pt idx="0">
+                  <c:v>Category 1</c:v>
+                </c:pt>
+                <c:pt idx="1">
+                  <c:v>Category 2</c:v>
+                </c:pt>
+                <c:pt idx="2">
+                  <c:v>Category 3</c:v>
+                </c:pt>
+                <c:pt idx="3">
+                  <c:v>Category 4</c:v>
+                </c:pt>
+              </c:strCache>
+            </c:strRef>
+          </c:cat>
+          <c:val>
+            <c:numRef>
+              <c:f>Sheet1!$B$2:$B$5</c:f>
+              <c:numCache>
+                <c:formatCode>General</c:formatCode>
+                <c:ptCount val="4"/>
+                <c:pt idx="0">
+                  <c:v>4.3</c:v>
+                </c:pt>
+                <c:pt idx="1">
+                  <c:v>2.5</c:v>
+                </c:pt>
+                <c:pt idx="2">
+                  <c:v>3.5</c:v>
+                </c:pt>
+                <c:pt idx="3">
+                  <c:v>4.5</c:v>
+                </c:pt>
+              </c:numCache>
+            </c:numRef>
+          </c:val>
+          <c:smooth val="0"/>
+        </c:ser>
+        <c:ser>
+          <c:idx val="1"/>
+          <c:order val="1"/>
+          <c:tx>
+            <c:strRef>
+              <c:f>Sheet1!$C$1</c:f>
+              <c:strCache>
+                <c:ptCount val="1"/>
+                <c:pt idx="0">
+                  <c:v>Series 2</c:v>
+                </c:pt>
+              </c:strCache>
+            </c:strRef>
+          </c:tx>
+          <c:spPr>
+            <a:ln w="28575" cap="rnd">
+              <a:solidFill>
+                <a:schemeClr val="accent2"/>
+              </a:solidFill>
+              <a:round/>
+            </a:ln>
+            <a:effectLst/>
+          </c:spPr>
+          <c:marker>
+            <c:symbol val="none"/>
+          </c:marker>
+          <c:cat>
+            <c:strRef>
+              <c:f>Sheet1!$A$2:$A$5</c:f>
+              <c:strCache>
+                <c:ptCount val="4"/>
+                <c:pt idx="0">
+                  <c:v>Category 1</c:v>
+                </c:pt>
+                <c:pt idx="1">
+                  <c:v>Category 2</c:v>
+                </c:pt>
+                <c:pt idx="2">
+                  <c:v>Category 3</c:v>
+                </c:pt>
+                <c:pt idx="3">
+                  <c:v>Category 4</c:v>
+                </c:pt>
+              </c:strCache>
+            </c:strRef>
+          </c:cat>
+          <c:val>
+            <c:numRef>
+              <c:f>Sheet1!$C$2:$C$5</c:f>
+              <c:numCache>
+                <c:formatCode>General</c:formatCode>
+                <c:ptCount val="4"/>
+                <c:pt idx="0">
+                  <c:v>2.4</c:v>
+                </c:pt>
+                <c:pt idx="1">
+                  <c:v>4.4000000000000004</c:v>
+                </c:pt>
+                <c:pt idx="2">
+                  <c:v>1.8</c:v>
+                </c:pt>
+                <c:pt idx="3">
+                  <c:v>2.8</c:v>
+                </c:pt>
+              </c:numCache>
+            </c:numRef>
+          </c:val>
+          <c:smooth val="0"/>
+        </c:ser>
+        <c:ser>
+          <c:idx val="2"/>
+          <c:order val="2"/>
+          <c:tx>
+            <c:strRef>
+              <c:f>Sheet1!$D$1</c:f>
+              <c:strCache>
+                <c:ptCount val="1"/>
+                <c:pt idx="0">
+                  <c:v>Series 3</c:v>
+                </c:pt>
+              </c:strCache>
+            </c:strRef>
+          </c:tx>
+          <c:spPr>
+            <a:ln w="28575" cap="rnd">
+              <a:solidFill>
+                <a:schemeClr val="accent3"/>
+              </a:solidFill>
+              <a:round/>
+            </a:ln>
+            <a:effectLst/>
+          </c:spPr>
+          <c:marker>
+            <c:symbol val="none"/>
+          </c:marker>
+          <c:cat>
+            <c:strRef>
+              <c:f>Sheet1!$A$2:$A$5</c:f>
+              <c:strCache>
+                <c:ptCount val="4"/>
+                <c:pt idx="0">
+                  <c:v>Category 1</c:v>
+                </c:pt>
+                <c:pt idx="1">
+                  <c:v>Category 2</c:v>
+                </c:pt>
+                <c:pt idx="2">
+                  <c:v>Category 3</c:v>
+                </c:pt>
+                <c:pt idx="3">
+                  <c:v>Category 4</c:v>
+                </c:pt>
+              </c:strCache>
+            </c:strRef>
+          </c:cat>
+          <c:val>
+            <c:numRef>
+              <c:f>Sheet1!$D$2:$D$5</c:f>
+              <c:numCache>
+                <c:formatCode>General</c:formatCode>
+                <c:ptCount val="4"/>
+                <c:pt idx="0">
+                  <c:v>2</c:v>
+                </c:pt>
+                <c:pt idx="1">
+                  <c:v>2</c:v>
+                </c:pt>
+                <c:pt idx="2">
+                  <c:v>3</c:v>
+                </c:pt>
+                <c:pt idx="3">
+                  <c:v>5</c:v>
+                </c:pt>
+              </c:numCache>
+            </c:numRef>
+          </c:val>
+          <c:smooth val="0"/>
+        </c:ser>
+        <c:dLbls>
+          <c:showLegendKey val="0"/>
+          <c:showVal val="0"/>
+          <c:showCatName val="0"/>
+          <c:showSerName val="0"/>
+          <c:showPercent val="0"/>
+          <c:showBubbleSize val="0"/>
+        </c:dLbls>
+        <c:smooth val="0"/>
+        <c:axId val="562694440"/>
+        <c:axId val="562693656"/>
+      </c:lineChart>
+      <c:catAx>
+        <c:axId val="562694440"/>
+        <c:scaling>
+          <c:orientation val="minMax"/>
+        </c:scaling>
+        <c:delete val="0"/>
+        <c:axPos val="b"/>
+        <c:numFmt formatCode="General" sourceLinked="1"/>
+        <c:majorTickMark val="none"/>
+        <c:minorTickMark val="none"/>
+        <c:tickLblPos val="nextTo"/>
+        <c:spPr>
+          <a:noFill/>
+          <a:ln w="9525" cap="flat" cmpd="sng" algn="ctr">
+            <a:solidFill>
+              <a:schemeClr val="tx1">
+                <a:lumMod val="15000"/>
+                <a:lumOff val="85000"/>
+              </a:schemeClr>
+            </a:solidFill>
+            <a:round/>
+          </a:ln>
+          <a:effectLst/>
+        </c:spPr>
+        <c:txPr>
+          <a:bodyPr rot="-60000000" spcFirstLastPara="1" vertOverflow="ellipsis" vert="horz" wrap="square" anchor="ctr" anchorCtr="1"/>
+          <a:lstStyle/>
+          <a:p>
+            <a:pPr>
+              <a:defRPr sz="1197" b="0" i="0" u="none" strike="noStrike" kern="1200" baseline="0">
+                <a:solidFill>
+                  <a:schemeClr val="tx1">
+                    <a:lumMod val="65000"/>
+                    <a:lumOff val="35000"/>
+                  </a:schemeClr>
+                </a:solidFill>
+                <a:latin typeface="+mn-lt"/>
+                <a:ea typeface="+mn-ea"/>
+                <a:cs typeface="+mn-cs"/>
+              </a:defRPr>
+            </a:pPr>
+            <a:endParaRPr lang="sv-SE"/>
+          </a:p>
+        </c:txPr>
+        <c:crossAx val="562693656"/>
+        <c:crosses val="autoZero"/>
+        <c:auto val="1"/>
+        <c:lblAlgn val="ctr"/>
+        <c:lblOffset val="100"/>
+        <c:noMultiLvlLbl val="0"/>
+      </c:catAx>
+      <c:valAx>
+        <c:axId val="562693656"/>
+        <c:scaling>
+          <c:orientation val="minMax"/>
+        </c:scaling>
+        <c:delete val="0"/>
+        <c:axPos val="l"/>
+        <c:majorGridlines>
+          <c:spPr>
+            <a:ln w="9525" cap="flat" cmpd="sng" algn="ctr">
+              <a:solidFill>
+                <a:schemeClr val="tx1">
+                  <a:lumMod val="15000"/>
+                  <a:lumOff val="85000"/>
+                </a:schemeClr>
+              </a:solidFill>
+              <a:round/>
+            </a:ln>
+            <a:effectLst/>
+          </c:spPr>
+        </c:majorGridlines>
+        <c:numFmt formatCode="General" sourceLinked="1"/>
+        <c:majorTickMark val="none"/>
+        <c:minorTickMark val="none"/>
+        <c:tickLblPos val="nextTo"/>
+        <c:spPr>
+          <a:noFill/>
+          <a:ln>
+            <a:noFill/>
+          </a:ln>
+          <a:effectLst/>
+        </c:spPr>
+        <c:txPr>
+          <a:bodyPr rot="-60000000" spcFirstLastPara="1" vertOverflow="ellipsis" vert="horz" wrap="square" anchor="ctr" anchorCtr="1"/>
+          <a:lstStyle/>
+          <a:p>
+            <a:pPr>
+              <a:defRPr sz="1197" b="0" i="0" u="none" strike="noStrike" kern="1200" baseline="0">
+                <a:solidFill>
+                  <a:schemeClr val="tx1">
+                    <a:lumMod val="65000"/>
+                    <a:lumOff val="35000"/>
+                  </a:schemeClr>
+                </a:solidFill>
+                <a:latin typeface="+mn-lt"/>
+                <a:ea typeface="+mn-ea"/>
+                <a:cs typeface="+mn-cs"/>
+              </a:defRPr>
+            </a:pPr>
+            <a:endParaRPr lang="sv-SE"/>
+          </a:p>
+        </c:txPr>
+        <c:crossAx val="562694440"/>
+        <c:crosses val="autoZero"/>
+        <c:crossBetween val="between"/>
+      </c:valAx>
+      <c:spPr>
+        <a:noFill/>
+        <a:ln>
+          <a:noFill/>
+        </a:ln>
+        <a:effectLst/>
+      </c:spPr>
+    </c:plotArea>
+    <c:legend>
+      <c:legendPos val="b"/>
+      <c:layout/>
+      <c:overlay val="0"/>
+      <c:spPr>
+        <a:noFill/>
+        <a:ln>
+          <a:noFill/>
+        </a:ln>
+        <a:effectLst/>
+      </c:spPr>
+      <c:txPr>
+        <a:bodyPr rot="0" spcFirstLastPara="1" vertOverflow="ellipsis" vert="horz" wrap="square" anchor="ctr" anchorCtr="1"/>
+        <a:lstStyle/>
+        <a:p>
+          <a:pPr>
+            <a:defRPr sz="1197" b="0" i="0" u="none" strike="noStrike" kern="1200" baseline="0">
+              <a:solidFill>
+                <a:schemeClr val="tx1">
+                  <a:lumMod val="65000"/>
+                  <a:lumOff val="35000"/>
+                </a:schemeClr>
+              </a:solidFill>
+              <a:latin typeface="+mn-lt"/>
+              <a:ea typeface="+mn-ea"/>
+              <a:cs typeface="+mn-cs"/>
+            </a:defRPr>
+          </a:pPr>
+          <a:endParaRPr lang="sv-SE"/>
+        </a:p>
+      </c:txPr>
+    </c:legend>
+    <c:plotVisOnly val="1"/>
+    <c:dispBlanksAs val="gap"/>
+    <c:showDLblsOverMax val="0"/>
+  </c:chart>
+  <c:spPr>
+    <a:noFill/>
+    <a:ln>
+      <a:noFill/>
+    </a:ln>
+    <a:effectLst/>
+  </c:spPr>
+  <c:txPr>
+    <a:bodyPr/>
+    <a:lstStyle/>
+    <a:p>
+      <a:pPr>
+        <a:defRPr/>
+      </a:pPr>
+      <a:endParaRPr lang="sv-SE"/>
+    </a:p>
+  </c:txPr>
+  <c:externalData r:id="rId3">
+    <c:autoUpdate val="0"/>
+  </c:externalData>
+</c:chartSpace>
+</file>
+
+<file path=ppt/charts/colors1.xml><?xml version="1.0" encoding="utf-8"?>
+<cs:colorStyle xmlns:cs="http://schemas.microsoft.com/office/drawing/2012/chartStyle" xmlns:a="http://schemas.openxmlformats.org/drawingml/2006/main" meth="cycle" id="10">
+  <a:schemeClr val="accent1"/>
+  <a:schemeClr val="accent2"/>
+  <a:schemeClr val="accent3"/>
+  <a:schemeClr val="accent4"/>
+  <a:schemeClr val="accent5"/>
+  <a:schemeClr val="accent6"/>
+  <cs:variation/>
+  <cs:variation>
+    <a:lumMod val="60000"/>
+  </cs:variation>
+  <cs:variation>
+    <a:lumMod val="80000"/>
+    <a:lumOff val="20000"/>
+  </cs:variation>
+  <cs:variation>
+    <a:lumMod val="80000"/>
+  </cs:variation>
+  <cs:variation>
+    <a:lumMod val="60000"/>
+    <a:lumOff val="40000"/>
+  </cs:variation>
+  <cs:variation>
+    <a:lumMod val="50000"/>
+  </cs:variation>
+  <cs:variation>
+    <a:lumMod val="70000"/>
+    <a:lumOff val="30000"/>
+  </cs:variation>
+  <cs:variation>
+    <a:lumMod val="70000"/>
+  </cs:variation>
+  <cs:variation>
+    <a:lumMod val="50000"/>
+    <a:lumOff val="50000"/>
+  </cs:variation>
+</cs:colorStyle>
+</file>
+
+<file path=ppt/charts/style1.xml><?xml version="1.0" encoding="utf-8"?>
+<cs:chartStyle xmlns:cs="http://schemas.microsoft.com/office/drawing/2012/chartStyle" xmlns:a="http://schemas.openxmlformats.org/drawingml/2006/main" id="227">
+  <cs:axisTitle>
+    <cs:lnRef idx="0"/>
+    <cs:fillRef idx="0"/>
+    <cs:effectRef idx="0"/>
+    <cs:fontRef idx="minor">
+      <a:schemeClr val="tx1">
+        <a:lumMod val="65000"/>
+        <a:lumOff val="35000"/>
+      </a:schemeClr>
+    </cs:fontRef>
+    <cs:defRPr sz="1330" kern="1200"/>
+  </cs:axisTitle>
+  <cs:categoryAxis>
+    <cs:lnRef idx="0"/>
+    <cs:fillRef idx="0"/>
+    <cs:effectRef idx="0"/>
+    <cs:fontRef idx="minor">
+      <a:schemeClr val="tx1">
+        <a:lumMod val="65000"/>
+        <a:lumOff val="35000"/>
+      </a:schemeClr>
+    </cs:fontRef>
+    <cs:spPr>
+      <a:ln w="9525" cap="flat" cmpd="sng" algn="ctr">
+        <a:solidFill>
+          <a:schemeClr val="tx1">
+            <a:lumMod val="15000"/>
+            <a:lumOff val="85000"/>
+          </a:schemeClr>
+        </a:solidFill>
+        <a:round/>
+      </a:ln>
+    </cs:spPr>
+    <cs:defRPr sz="1197" kern="1200"/>
+  </cs:categoryAxis>
+  <cs:chartArea mods="allowNoFillOverride allowNoLineOverride">
+    <cs:lnRef idx="0"/>
+    <cs:fillRef idx="0"/>
+    <cs:effectRef idx="0"/>
+    <cs:fontRef idx="minor">
+      <a:schemeClr val="tx1"/>
+    </cs:fontRef>
+    <cs:spPr>
+      <a:solidFill>
+        <a:schemeClr val="bg1"/>
+      </a:solidFill>
+      <a:ln w="9525" cap="flat" cmpd="sng" algn="ctr">
+        <a:solidFill>
+          <a:schemeClr val="tx1">
+            <a:lumMod val="15000"/>
+            <a:lumOff val="85000"/>
+          </a:schemeClr>
+        </a:solidFill>
+        <a:round/>
+      </a:ln>
+    </cs:spPr>
+    <cs:defRPr sz="1330" kern="1200"/>
+  </cs:chartArea>
+  <cs:dataLabel>
+    <cs:lnRef idx="0"/>
+    <cs:fillRef idx="0"/>
+    <cs:effectRef idx="0"/>
+    <cs:fontRef idx="minor">
+      <a:schemeClr val="tx1">
+        <a:lumMod val="75000"/>
+        <a:lumOff val="25000"/>
+      </a:schemeClr>
+    </cs:fontRef>
+    <cs:defRPr sz="1197" kern="1200"/>
+  </cs:dataLabel>
+  <cs:dataLabelCallout>
+    <cs:lnRef idx="0"/>
+    <cs:fillRef idx="0"/>
+    <cs:effectRef idx="0"/>
+    <cs:fontRef idx="minor">
+      <a:schemeClr val="dk1">
+        <a:lumMod val="65000"/>
+        <a:lumOff val="35000"/>
+      </a:schemeClr>
+    </cs:fontRef>
+    <cs:spPr>
+      <a:solidFill>
+        <a:schemeClr val="lt1"/>
+      </a:solidFill>
+      <a:ln>
+        <a:solidFill>
+          <a:schemeClr val="dk1">
+            <a:lumMod val="25000"/>
+            <a:lumOff val="75000"/>
+          </a:schemeClr>
+        </a:solidFill>
+      </a:ln>
+    </cs:spPr>
+    <cs:defRPr sz="1197" kern="1200"/>
+    <cs:bodyPr rot="0" spcFirstLastPara="1" vertOverflow="clip" horzOverflow="clip" vert="horz" wrap="square" lIns="36576" tIns="18288" rIns="36576" bIns="18288" anchor="ctr" anchorCtr="1">
+      <a:spAutoFit/>
+    </cs:bodyPr>
+  </cs:dataLabelCallout>
+  <cs:dataPoint>
+    <cs:lnRef idx="0"/>
+    <cs:fillRef idx="1">
+      <cs:styleClr val="auto"/>
+    </cs:fillRef>
+    <cs:effectRef idx="0"/>
+    <cs:fontRef idx="minor">
+      <a:schemeClr val="tx1"/>
+    </cs:fontRef>
+    <cs:spPr>
+      <a:solidFill>
+        <a:schemeClr val="phClr"/>
+      </a:solidFill>
+    </cs:spPr>
+  </cs:dataPoint>
+  <cs:dataPoint3D>
+    <cs:lnRef idx="0"/>
+    <cs:fillRef idx="1">
+      <cs:styleClr val="auto"/>
+    </cs:fillRef>
+    <cs:effectRef idx="0"/>
+    <cs:fontRef idx="minor">
+      <a:schemeClr val="tx1"/>
+    </cs:fontRef>
+    <cs:spPr>
+      <a:solidFill>
+        <a:schemeClr val="phClr"/>
+      </a:solidFill>
+    </cs:spPr>
+  </cs:dataPoint3D>
+  <cs:dataPointLine>
+    <cs:lnRef idx="0">
+      <cs:styleClr val="auto"/>
+    </cs:lnRef>
+    <cs:fillRef idx="1"/>
+    <cs:effectRef idx="0"/>
+    <cs:fontRef idx="minor">
+      <a:schemeClr val="tx1"/>
+    </cs:fontRef>
+    <cs:spPr>
+      <a:ln w="28575" cap="rnd">
+        <a:solidFill>
+          <a:schemeClr val="phClr"/>
+        </a:solidFill>
+        <a:round/>
+      </a:ln>
+    </cs:spPr>
+  </cs:dataPointLine>
+  <cs:dataPointMarker>
+    <cs:lnRef idx="0">
+      <cs:styleClr val="auto"/>
+    </cs:lnRef>
+    <cs:fillRef idx="1">
+      <cs:styleClr val="auto"/>
+    </cs:fillRef>
+    <cs:effectRef idx="0"/>
+    <cs:fontRef idx="minor">
+      <a:schemeClr val="tx1"/>
+    </cs:fontRef>
+    <cs:spPr>
+      <a:solidFill>
+        <a:schemeClr val="phClr"/>
+      </a:solidFill>
+      <a:ln w="9525">
+        <a:solidFill>
+          <a:schemeClr val="phClr"/>
+        </a:solidFill>
+      </a:ln>
+    </cs:spPr>
+  </cs:dataPointMarker>
+  <cs:dataPointMarkerLayout symbol="circle" size="5"/>
+  <cs:dataPointWireframe>
+    <cs:lnRef idx="0">
+      <cs:styleClr val="auto"/>
+    </cs:lnRef>
+    <cs:fillRef idx="1"/>
+    <cs:effectRef idx="0"/>
+    <cs:fontRef idx="minor">
+      <a:schemeClr val="tx1"/>
+    </cs:fontRef>
+    <cs:spPr>
+      <a:ln w="9525" cap="rnd">
+        <a:solidFill>
+          <a:schemeClr val="phClr"/>
+        </a:solidFill>
+        <a:round/>
+      </a:ln>
+    </cs:spPr>
+  </cs:dataPointWireframe>
+  <cs:dataTable>
+    <cs:lnRef idx="0"/>
+    <cs:fillRef idx="0"/>
+    <cs:effectRef idx="0"/>
+    <cs:fontRef idx="minor">
+      <a:schemeClr val="tx1">
+        <a:lumMod val="65000"/>
+        <a:lumOff val="35000"/>
+      </a:schemeClr>
+    </cs:fontRef>
+    <cs:spPr>
+      <a:noFill/>
+      <a:ln w="9525" cap="flat" cmpd="sng" algn="ctr">
+        <a:solidFill>
+          <a:schemeClr val="tx1">
+            <a:lumMod val="15000"/>
+            <a:lumOff val="85000"/>
+          </a:schemeClr>
+        </a:solidFill>
+        <a:round/>
+      </a:ln>
+    </cs:spPr>
+    <cs:defRPr sz="1197" kern="1200"/>
+  </cs:dataTable>
+  <cs:downBar>
+    <cs:lnRef idx="0"/>
+    <cs:fillRef idx="0"/>
+    <cs:effectRef idx="0"/>
+    <cs:fontRef idx="minor">
+      <a:schemeClr val="dk1"/>
+    </cs:fontRef>
+    <cs:spPr>
+      <a:solidFill>
+        <a:schemeClr val="dk1">
+          <a:lumMod val="65000"/>
+          <a:lumOff val="35000"/>
+        </a:schemeClr>
+      </a:solidFill>
+      <a:ln w="9525">
+        <a:solidFill>
+          <a:schemeClr val="tx1">
+            <a:lumMod val="65000"/>
+            <a:lumOff val="35000"/>
+          </a:schemeClr>
+        </a:solidFill>
+      </a:ln>
+    </cs:spPr>
+  </cs:downBar>
+  <cs:dropLine>
+    <cs:lnRef idx="0"/>
+    <cs:fillRef idx="0"/>
+    <cs:effectRef idx="0"/>
+    <cs:fontRef idx="minor">
+      <a:schemeClr val="tx1"/>
+    </cs:fontRef>
+    <cs:spPr>
+      <a:ln w="9525" cap="flat" cmpd="sng" algn="ctr">
+        <a:solidFill>
+          <a:schemeClr val="tx1">
+            <a:lumMod val="35000"/>
+            <a:lumOff val="65000"/>
+          </a:schemeClr>
+        </a:solidFill>
+        <a:round/>
+      </a:ln>
+    </cs:spPr>
+  </cs:dropLine>
+  <cs:errorBar>
+    <cs:lnRef idx="0"/>
+    <cs:fillRef idx="0"/>
+    <cs:effectRef idx="0"/>
+    <cs:fontRef idx="minor">
+      <a:schemeClr val="tx1"/>
+    </cs:fontRef>
+    <cs:spPr>
+      <a:ln w="9525" cap="flat" cmpd="sng" algn="ctr">
+        <a:solidFill>
+          <a:schemeClr val="tx1">
+            <a:lumMod val="65000"/>
+            <a:lumOff val="35000"/>
+          </a:schemeClr>
+        </a:solidFill>
+        <a:round/>
+      </a:ln>
+    </cs:spPr>
+  </cs:errorBar>
+  <cs:floor>
+    <cs:lnRef idx="0"/>
+    <cs:fillRef idx="0"/>
+    <cs:effectRef idx="0"/>
+    <cs:fontRef idx="minor">
+      <a:schemeClr val="tx1"/>
+    </cs:fontRef>
+    <cs:spPr>
+      <a:noFill/>
+      <a:ln>
+        <a:noFill/>
+      </a:ln>
+    </cs:spPr>
+  </cs:floor>
+  <cs:gridlineMajor>
+    <cs:lnRef idx="0"/>
+    <cs:fillRef idx="0"/>
+    <cs:effectRef idx="0"/>
+    <cs:fontRef idx="minor">
+      <a:schemeClr val="tx1"/>
+    </cs:fontRef>
+    <cs:spPr>
+      <a:ln w="9525" cap="flat" cmpd="sng" algn="ctr">
+        <a:solidFill>
+          <a:schemeClr val="tx1">
+            <a:lumMod val="15000"/>
+            <a:lumOff val="85000"/>
+          </a:schemeClr>
+        </a:solidFill>
+        <a:round/>
+      </a:ln>
+    </cs:spPr>
+  </cs:gridlineMajor>
+  <cs:gridlineMinor>
+    <cs:lnRef idx="0"/>
+    <cs:fillRef idx="0"/>
+    <cs:effectRef idx="0"/>
+    <cs:fontRef idx="minor">
+      <a:schemeClr val="tx1"/>
+    </cs:fontRef>
+    <cs:spPr>
+      <a:ln w="9525" cap="flat" cmpd="sng" algn="ctr">
+        <a:solidFill>
+          <a:schemeClr val="tx1">
+            <a:lumMod val="5000"/>
+            <a:lumOff val="95000"/>
+          </a:schemeClr>
+        </a:solidFill>
+        <a:round/>
+      </a:ln>
+    </cs:spPr>
+  </cs:gridlineMinor>
+  <cs:hiLoLine>
+    <cs:lnRef idx="0"/>
+    <cs:fillRef idx="0"/>
+    <cs:effectRef idx="0"/>
+    <cs:fontRef idx="minor">
+      <a:schemeClr val="tx1"/>
+    </cs:fontRef>
+    <cs:spPr>
+      <a:ln w="9525" cap="flat" cmpd="sng" algn="ctr">
+        <a:solidFill>
+          <a:schemeClr val="tx1">
+            <a:lumMod val="75000"/>
+            <a:lumOff val="25000"/>
+          </a:schemeClr>
+        </a:solidFill>
+        <a:round/>
+      </a:ln>
+    </cs:spPr>
+  </cs:hiLoLine>
+  <cs:leaderLine>
+    <cs:lnRef idx="0"/>
+    <cs:fillRef idx="0"/>
+    <cs:effectRef idx="0"/>
+    <cs:fontRef idx="minor">
+      <a:schemeClr val="tx1"/>
+    </cs:fontRef>
+    <cs:spPr>
+      <a:ln w="9525" cap="flat" cmpd="sng" algn="ctr">
+        <a:solidFill>
+          <a:schemeClr val="tx1">
+            <a:lumMod val="35000"/>
+            <a:lumOff val="65000"/>
+          </a:schemeClr>
+        </a:solidFill>
+        <a:round/>
+      </a:ln>
+    </cs:spPr>
+  </cs:leaderLine>
+  <cs:legend>
+    <cs:lnRef idx="0"/>
+    <cs:fillRef idx="0"/>
+    <cs:effectRef idx="0"/>
+    <cs:fontRef idx="minor">
+      <a:schemeClr val="tx1">
+        <a:lumMod val="65000"/>
+        <a:lumOff val="35000"/>
+      </a:schemeClr>
+    </cs:fontRef>
+    <cs:defRPr sz="1197" kern="1200"/>
+  </cs:legend>
+  <cs:plotArea mods="allowNoFillOverride allowNoLineOverride">
+    <cs:lnRef idx="0"/>
+    <cs:fillRef idx="0"/>
+    <cs:effectRef idx="0"/>
+    <cs:fontRef idx="minor">
+      <a:schemeClr val="tx1"/>
+    </cs:fontRef>
+  </cs:plotArea>
+  <cs:plotArea3D mods="allowNoFillOverride allowNoLineOverride">
+    <cs:lnRef idx="0"/>
+    <cs:fillRef idx="0"/>
+    <cs:effectRef idx="0"/>
+    <cs:fontRef idx="minor">
+      <a:schemeClr val="tx1"/>
+    </cs:fontRef>
+  </cs:plotArea3D>
+  <cs:seriesAxis>
+    <cs:lnRef idx="0"/>
+    <cs:fillRef idx="0"/>
+    <cs:effectRef idx="0"/>
+    <cs:fontRef idx="minor">
+      <a:schemeClr val="tx1">
+        <a:lumMod val="65000"/>
+        <a:lumOff val="35000"/>
+      </a:schemeClr>
+    </cs:fontRef>
+    <cs:defRPr sz="1197" kern="1200"/>
+  </cs:seriesAxis>
+  <cs:seriesLine>
+    <cs:lnRef idx="0"/>
+    <cs:fillRef idx="0"/>
+    <cs:effectRef idx="0"/>
+    <cs:fontRef idx="minor">
+      <a:schemeClr val="tx1"/>
+    </cs:fontRef>
+    <cs:spPr>
+      <a:ln w="9525" cap="flat" cmpd="sng" algn="ctr">
+        <a:solidFill>
+          <a:schemeClr val="tx1">
+            <a:lumMod val="35000"/>
+            <a:lumOff val="65000"/>
+          </a:schemeClr>
+        </a:solidFill>
+        <a:round/>
+      </a:ln>
+    </cs:spPr>
+  </cs:seriesLine>
+  <cs:title>
+    <cs:lnRef idx="0"/>
+    <cs:fillRef idx="0"/>
+    <cs:effectRef idx="0"/>
+    <cs:fontRef idx="minor">
+      <a:schemeClr val="tx1">
+        <a:lumMod val="65000"/>
+        <a:lumOff val="35000"/>
+      </a:schemeClr>
+    </cs:fontRef>
+    <cs:defRPr sz="1862" b="0" kern="1200" spc="0" baseline="0"/>
+  </cs:title>
+  <cs:trendline>
+    <cs:lnRef idx="0">
+      <cs:styleClr val="auto"/>
+    </cs:lnRef>
+    <cs:fillRef idx="0"/>
+    <cs:effectRef idx="0"/>
+    <cs:fontRef idx="minor">
+      <a:schemeClr val="tx1"/>
+    </cs:fontRef>
+    <cs:spPr>
+      <a:ln w="19050" cap="rnd">
+        <a:solidFill>
+          <a:schemeClr val="phClr"/>
+        </a:solidFill>
+        <a:prstDash val="sysDot"/>
+      </a:ln>
+    </cs:spPr>
+  </cs:trendline>
+  <cs:trendlineLabel>
+    <cs:lnRef idx="0"/>
+    <cs:fillRef idx="0"/>
+    <cs:effectRef idx="0"/>
+    <cs:fontRef idx="minor">
+      <a:schemeClr val="tx1">
+        <a:lumMod val="65000"/>
+        <a:lumOff val="35000"/>
+      </a:schemeClr>
+    </cs:fontRef>
+    <cs:defRPr sz="1197" kern="1200"/>
+  </cs:trendlineLabel>
+  <cs:upBar>
+    <cs:lnRef idx="0"/>
+    <cs:fillRef idx="0"/>
+    <cs:effectRef idx="0"/>
+    <cs:fontRef idx="minor">
+      <a:schemeClr val="dk1"/>
+    </cs:fontRef>
+    <cs:spPr>
+      <a:solidFill>
+        <a:schemeClr val="lt1"/>
+      </a:solidFill>
+      <a:ln w="9525">
+        <a:solidFill>
+          <a:schemeClr val="tx1">
+            <a:lumMod val="15000"/>
+            <a:lumOff val="85000"/>
+          </a:schemeClr>
+        </a:solidFill>
+      </a:ln>
+    </cs:spPr>
+  </cs:upBar>
+  <cs:valueAxis>
+    <cs:lnRef idx="0"/>
+    <cs:fillRef idx="0"/>
+    <cs:effectRef idx="0"/>
+    <cs:fontRef idx="minor">
+      <a:schemeClr val="tx1">
+        <a:lumMod val="65000"/>
+        <a:lumOff val="35000"/>
+      </a:schemeClr>
+    </cs:fontRef>
+    <cs:defRPr sz="1197" kern="1200"/>
+  </cs:valueAxis>
+  <cs:wall>
+    <cs:lnRef idx="0"/>
+    <cs:fillRef idx="0"/>
+    <cs:effectRef idx="0"/>
+    <cs:fontRef idx="minor">
+      <a:schemeClr val="tx1"/>
+    </cs:fontRef>
+    <cs:spPr>
+      <a:noFill/>
+      <a:ln>
+        <a:noFill/>
+      </a:ln>
+    </cs:spPr>
+  </cs:wall>
+</cs:chartStyle>
 </file>
 
 <file path=ppt/notesMasters/notesMaster1.xml><?xml version="1.0" encoding="utf-8"?>
@@ -637,6 +1649,186 @@
 </p:notes>
 </file>
 
+<file path=ppt/notesSlides/notesSlide10.xml><?xml version="1.0" encoding="utf-8"?>
+<p:notes xmlns:a="http://schemas.openxmlformats.org/drawingml/2006/main" xmlns:r="http://schemas.openxmlformats.org/officeDocument/2006/relationships" xmlns:p="http://schemas.openxmlformats.org/presentationml/2006/main">
+  <p:cSld>
+    <p:spTree>
+      <p:nvGrpSpPr>
+        <p:cNvPr id="1" name=""/>
+        <p:cNvGrpSpPr/>
+        <p:nvPr/>
+      </p:nvGrpSpPr>
+      <p:grpSpPr>
+        <a:xfrm>
+          <a:off x="0" y="0"/>
+          <a:ext cx="0" cy="0"/>
+          <a:chOff x="0" y="0"/>
+          <a:chExt cx="0" cy="0"/>
+        </a:xfrm>
+      </p:grpSpPr>
+      <p:sp>
+        <p:nvSpPr>
+          <p:cNvPr id="2" name="Slide Image Placeholder 1"/>
+          <p:cNvSpPr>
+            <a:spLocks noGrp="1" noRot="1" noChangeAspect="1"/>
+          </p:cNvSpPr>
+          <p:nvPr>
+            <p:ph type="sldImg"/>
+          </p:nvPr>
+        </p:nvSpPr>
+        <p:spPr/>
+      </p:sp>
+      <p:sp>
+        <p:nvSpPr>
+          <p:cNvPr id="3" name="Notes Placeholder 2"/>
+          <p:cNvSpPr>
+            <a:spLocks noGrp="1"/>
+          </p:cNvSpPr>
+          <p:nvPr>
+            <p:ph type="body" idx="1"/>
+          </p:nvPr>
+        </p:nvSpPr>
+        <p:spPr/>
+        <p:txBody>
+          <a:bodyPr/>
+          <a:lstStyle/>
+          <a:p>
+            <a:r>
+              <a:rPr lang="sv-SE" dirty="0" smtClean="0"/>
+              <a:t>Its probably</a:t>
+            </a:r>
+            <a:r>
+              <a:rPr lang="sv-SE" baseline="0" dirty="0" smtClean="0"/>
+              <a:t> better with latin bird names instaead of swedish</a:t>
+            </a:r>
+            <a:endParaRPr lang="sv-SE" dirty="0"/>
+          </a:p>
+        </p:txBody>
+      </p:sp>
+      <p:sp>
+        <p:nvSpPr>
+          <p:cNvPr id="4" name="Slide Number Placeholder 3"/>
+          <p:cNvSpPr>
+            <a:spLocks noGrp="1"/>
+          </p:cNvSpPr>
+          <p:nvPr>
+            <p:ph type="sldNum" sz="quarter" idx="10"/>
+          </p:nvPr>
+        </p:nvSpPr>
+        <p:spPr/>
+        <p:txBody>
+          <a:bodyPr/>
+          <a:lstStyle/>
+          <a:p>
+            <a:fld id="{3C45CB63-5382-44F2-812E-2252B97FA36F}" type="slidenum">
+              <a:rPr lang="sv-SE" smtClean="0"/>
+              <a:t>13</a:t>
+            </a:fld>
+            <a:endParaRPr lang="sv-SE"/>
+          </a:p>
+        </p:txBody>
+      </p:sp>
+    </p:spTree>
+    <p:extLst>
+      <p:ext uri="{BB962C8B-B14F-4D97-AF65-F5344CB8AC3E}">
+        <p14:creationId xmlns:p14="http://schemas.microsoft.com/office/powerpoint/2010/main" val="2519493551"/>
+      </p:ext>
+    </p:extLst>
+  </p:cSld>
+  <p:clrMapOvr>
+    <a:masterClrMapping/>
+  </p:clrMapOvr>
+</p:notes>
+</file>
+
+<file path=ppt/notesSlides/notesSlide11.xml><?xml version="1.0" encoding="utf-8"?>
+<p:notes xmlns:a="http://schemas.openxmlformats.org/drawingml/2006/main" xmlns:r="http://schemas.openxmlformats.org/officeDocument/2006/relationships" xmlns:p="http://schemas.openxmlformats.org/presentationml/2006/main">
+  <p:cSld>
+    <p:spTree>
+      <p:nvGrpSpPr>
+        <p:cNvPr id="1" name=""/>
+        <p:cNvGrpSpPr/>
+        <p:nvPr/>
+      </p:nvGrpSpPr>
+      <p:grpSpPr>
+        <a:xfrm>
+          <a:off x="0" y="0"/>
+          <a:ext cx="0" cy="0"/>
+          <a:chOff x="0" y="0"/>
+          <a:chExt cx="0" cy="0"/>
+        </a:xfrm>
+      </p:grpSpPr>
+      <p:sp>
+        <p:nvSpPr>
+          <p:cNvPr id="2" name="Slide Image Placeholder 1"/>
+          <p:cNvSpPr>
+            <a:spLocks noGrp="1" noRot="1" noChangeAspect="1"/>
+          </p:cNvSpPr>
+          <p:nvPr>
+            <p:ph type="sldImg"/>
+          </p:nvPr>
+        </p:nvSpPr>
+        <p:spPr/>
+      </p:sp>
+      <p:sp>
+        <p:nvSpPr>
+          <p:cNvPr id="3" name="Notes Placeholder 2"/>
+          <p:cNvSpPr>
+            <a:spLocks noGrp="1"/>
+          </p:cNvSpPr>
+          <p:nvPr>
+            <p:ph type="body" idx="1"/>
+          </p:nvPr>
+        </p:nvSpPr>
+        <p:spPr/>
+        <p:txBody>
+          <a:bodyPr/>
+          <a:lstStyle/>
+          <a:p>
+            <a:r>
+              <a:rPr lang="sv-SE" dirty="0" smtClean="0"/>
+              <a:t>Anna</a:t>
+            </a:r>
+            <a:endParaRPr lang="sv-SE" dirty="0"/>
+          </a:p>
+        </p:txBody>
+      </p:sp>
+      <p:sp>
+        <p:nvSpPr>
+          <p:cNvPr id="4" name="Slide Number Placeholder 3"/>
+          <p:cNvSpPr>
+            <a:spLocks noGrp="1"/>
+          </p:cNvSpPr>
+          <p:nvPr>
+            <p:ph type="sldNum" sz="quarter" idx="10"/>
+          </p:nvPr>
+        </p:nvSpPr>
+        <p:spPr/>
+        <p:txBody>
+          <a:bodyPr/>
+          <a:lstStyle/>
+          <a:p>
+            <a:fld id="{3C45CB63-5382-44F2-812E-2252B97FA36F}" type="slidenum">
+              <a:rPr lang="sv-SE" smtClean="0"/>
+              <a:t>15</a:t>
+            </a:fld>
+            <a:endParaRPr lang="sv-SE" dirty="0"/>
+          </a:p>
+        </p:txBody>
+      </p:sp>
+    </p:spTree>
+    <p:extLst>
+      <p:ext uri="{BB962C8B-B14F-4D97-AF65-F5344CB8AC3E}">
+        <p14:creationId xmlns:p14="http://schemas.microsoft.com/office/powerpoint/2010/main" val="1682415485"/>
+      </p:ext>
+    </p:extLst>
+  </p:cSld>
+  <p:clrMapOvr>
+    <a:masterClrMapping/>
+  </p:clrMapOvr>
+</p:notes>
+</file>
+
 <file path=ppt/notesSlides/notesSlide2.xml><?xml version="1.0" encoding="utf-8"?>
 <p:notes xmlns:a="http://schemas.openxmlformats.org/drawingml/2006/main" xmlns:r="http://schemas.openxmlformats.org/officeDocument/2006/relationships" xmlns:p="http://schemas.openxmlformats.org/presentationml/2006/main">
   <p:cSld>
@@ -1154,10 +2346,6 @@
           <a:bodyPr/>
           <a:lstStyle/>
           <a:p>
-            <a:r>
-              <a:rPr lang="sv-SE" dirty="0" smtClean="0"/>
-              <a:t>Alex</a:t>
-            </a:r>
             <a:endParaRPr lang="sv-SE" dirty="0"/>
           </a:p>
         </p:txBody>
@@ -1188,7 +2376,7 @@
     </p:spTree>
     <p:extLst>
       <p:ext uri="{BB962C8B-B14F-4D97-AF65-F5344CB8AC3E}">
-        <p14:creationId xmlns:p14="http://schemas.microsoft.com/office/powerpoint/2010/main" val="3567687180"/>
+        <p14:creationId xmlns:p14="http://schemas.microsoft.com/office/powerpoint/2010/main" val="3838140902"/>
       </p:ext>
     </p:extLst>
   </p:cSld>
@@ -1242,14 +2430,6 @@
           <a:bodyPr/>
           <a:lstStyle/>
           <a:p>
-            <a:r>
-              <a:rPr lang="sv-SE" dirty="0" smtClean="0"/>
-              <a:t>Its probably</a:t>
-            </a:r>
-            <a:r>
-              <a:rPr lang="sv-SE" baseline="0" dirty="0" smtClean="0"/>
-              <a:t> better with latin bird names instaead of swedish</a:t>
-            </a:r>
             <a:endParaRPr lang="sv-SE" dirty="0"/>
           </a:p>
         </p:txBody>
@@ -1280,7 +2460,7 @@
     </p:spTree>
     <p:extLst>
       <p:ext uri="{BB962C8B-B14F-4D97-AF65-F5344CB8AC3E}">
-        <p14:creationId xmlns:p14="http://schemas.microsoft.com/office/powerpoint/2010/main" val="2519493551"/>
+        <p14:creationId xmlns:p14="http://schemas.microsoft.com/office/powerpoint/2010/main" val="1955281110"/>
       </p:ext>
     </p:extLst>
   </p:cSld>
@@ -1336,7 +2516,7 @@
           <a:p>
             <a:r>
               <a:rPr lang="sv-SE" dirty="0" smtClean="0"/>
-              <a:t>Anna</a:t>
+              <a:t>Alex</a:t>
             </a:r>
             <a:endParaRPr lang="sv-SE" dirty="0"/>
           </a:p>
@@ -1359,16 +2539,16 @@
           <a:p>
             <a:fld id="{3C45CB63-5382-44F2-812E-2252B97FA36F}" type="slidenum">
               <a:rPr lang="sv-SE" smtClean="0"/>
-              <a:t>9</a:t>
+              <a:t>12</a:t>
             </a:fld>
-            <a:endParaRPr lang="sv-SE" dirty="0"/>
+            <a:endParaRPr lang="sv-SE"/>
           </a:p>
         </p:txBody>
       </p:sp>
     </p:spTree>
     <p:extLst>
       <p:ext uri="{BB962C8B-B14F-4D97-AF65-F5344CB8AC3E}">
-        <p14:creationId xmlns:p14="http://schemas.microsoft.com/office/powerpoint/2010/main" val="1682415485"/>
+        <p14:creationId xmlns:p14="http://schemas.microsoft.com/office/powerpoint/2010/main" val="3567687180"/>
       </p:ext>
     </p:extLst>
   </p:cSld>
@@ -23092,28 +24272,7 @@
                 <a:latin typeface="Arial" panose="020B0604020202020204" pitchFamily="34" charset="0"/>
                 <a:cs typeface="Arial" panose="020B0604020202020204" pitchFamily="34" charset="0"/>
               </a:rPr>
-              <a:t>, Johan </a:t>
-            </a:r>
-            <a:r>
-              <a:rPr lang="sv-SE" altLang="sv-SE" sz="2000" dirty="0" smtClean="0">
-                <a:latin typeface="Arial" panose="020B0604020202020204" pitchFamily="34" charset="0"/>
-                <a:cs typeface="Arial" panose="020B0604020202020204" pitchFamily="34" charset="0"/>
-              </a:rPr>
-              <a:t>Söderlind </a:t>
-            </a:r>
-            <a:r>
-              <a:rPr lang="sv-SE" altLang="sv-SE" sz="2000" dirty="0" smtClean="0">
-                <a:latin typeface="Arial" panose="020B0604020202020204" pitchFamily="34" charset="0"/>
-                <a:cs typeface="Arial" panose="020B0604020202020204" pitchFamily="34" charset="0"/>
-              </a:rPr>
-              <a:t>Åström</a:t>
-            </a:r>
-            <a:r>
-              <a:rPr lang="sv-SE" altLang="sv-SE" sz="2000" dirty="0" smtClean="0">
-                <a:latin typeface="Arial" panose="020B0604020202020204" pitchFamily="34" charset="0"/>
-                <a:cs typeface="Arial" panose="020B0604020202020204" pitchFamily="34" charset="0"/>
-              </a:rPr>
-              <a:t/>
+              <a:t>, Johan Söderlind Åström</a:t>
             </a:r>
             <a:br>
               <a:rPr lang="sv-SE" altLang="sv-SE" sz="2000" dirty="0" smtClean="0">
@@ -23139,6 +24298,1658 @@
         </p:txBody>
       </p:sp>
     </p:spTree>
+  </p:cSld>
+  <p:clrMapOvr>
+    <a:masterClrMapping/>
+  </p:clrMapOvr>
+  <p:transition/>
+  <p:timing>
+    <p:tnLst>
+      <p:par>
+        <p:cTn id="1" dur="indefinite" restart="never" nodeType="tmRoot"/>
+      </p:par>
+    </p:tnLst>
+  </p:timing>
+</p:sld>
+</file>
+
+<file path=ppt/slides/slide10.xml><?xml version="1.0" encoding="utf-8"?>
+<p:sld xmlns:a="http://schemas.openxmlformats.org/drawingml/2006/main" xmlns:r="http://schemas.openxmlformats.org/officeDocument/2006/relationships" xmlns:p="http://schemas.openxmlformats.org/presentationml/2006/main">
+  <p:cSld>
+    <p:spTree>
+      <p:nvGrpSpPr>
+        <p:cNvPr id="1" name=""/>
+        <p:cNvGrpSpPr/>
+        <p:nvPr/>
+      </p:nvGrpSpPr>
+      <p:grpSpPr>
+        <a:xfrm>
+          <a:off x="0" y="0"/>
+          <a:ext cx="0" cy="0"/>
+          <a:chOff x="0" y="0"/>
+          <a:chExt cx="0" cy="0"/>
+        </a:xfrm>
+      </p:grpSpPr>
+      <p:sp>
+        <p:nvSpPr>
+          <p:cNvPr id="2" name="Title 1"/>
+          <p:cNvSpPr>
+            <a:spLocks noGrp="1"/>
+          </p:cNvSpPr>
+          <p:nvPr>
+            <p:ph type="title"/>
+          </p:nvPr>
+        </p:nvSpPr>
+        <p:spPr/>
+        <p:txBody>
+          <a:bodyPr/>
+          <a:lstStyle/>
+          <a:p>
+            <a:r>
+              <a:rPr lang="sv-SE" dirty="0" err="1" smtClean="0"/>
+              <a:t>Find</a:t>
+            </a:r>
+            <a:r>
+              <a:rPr lang="sv-SE" dirty="0" smtClean="0"/>
+              <a:t> </a:t>
+            </a:r>
+            <a:r>
+              <a:rPr lang="sv-SE" dirty="0" err="1" smtClean="0"/>
+              <a:t>peaks</a:t>
+            </a:r>
+            <a:endParaRPr lang="sv-SE" dirty="0"/>
+          </a:p>
+        </p:txBody>
+      </p:sp>
+      <p:pic>
+        <p:nvPicPr>
+          <p:cNvPr id="4" name="Content Placeholder 3"/>
+          <p:cNvPicPr>
+            <a:picLocks noGrp="1" noChangeAspect="1"/>
+          </p:cNvPicPr>
+          <p:nvPr>
+            <p:ph sz="quarter" idx="10"/>
+          </p:nvPr>
+        </p:nvPicPr>
+        <p:blipFill>
+          <a:blip r:embed="rId2">
+            <a:extLst>
+              <a:ext uri="{28A0092B-C50C-407E-A947-70E740481C1C}">
+                <a14:useLocalDpi xmlns:a14="http://schemas.microsoft.com/office/drawing/2010/main" val="0"/>
+              </a:ext>
+            </a:extLst>
+          </a:blip>
+          <a:stretch>
+            <a:fillRect/>
+          </a:stretch>
+        </p:blipFill>
+        <p:spPr>
+          <a:xfrm>
+            <a:off x="3454030" y="3200123"/>
+            <a:ext cx="5296639" cy="3962953"/>
+          </a:xfrm>
+        </p:spPr>
+      </p:pic>
+    </p:spTree>
+    <p:extLst>
+      <p:ext uri="{BB962C8B-B14F-4D97-AF65-F5344CB8AC3E}">
+        <p14:creationId xmlns:p14="http://schemas.microsoft.com/office/powerpoint/2010/main" val="511656066"/>
+      </p:ext>
+    </p:extLst>
+  </p:cSld>
+  <p:clrMapOvr>
+    <a:masterClrMapping/>
+  </p:clrMapOvr>
+  <p:transition/>
+  <p:timing>
+    <p:tnLst>
+      <p:par>
+        <p:cTn id="1" dur="indefinite" restart="never" nodeType="tmRoot"/>
+      </p:par>
+    </p:tnLst>
+  </p:timing>
+</p:sld>
+</file>
+
+<file path=ppt/slides/slide11.xml><?xml version="1.0" encoding="utf-8"?>
+<p:sld xmlns:a="http://schemas.openxmlformats.org/drawingml/2006/main" xmlns:r="http://schemas.openxmlformats.org/officeDocument/2006/relationships" xmlns:p="http://schemas.openxmlformats.org/presentationml/2006/main">
+  <p:cSld>
+    <p:spTree>
+      <p:nvGrpSpPr>
+        <p:cNvPr id="1" name=""/>
+        <p:cNvGrpSpPr/>
+        <p:nvPr/>
+      </p:nvGrpSpPr>
+      <p:grpSpPr>
+        <a:xfrm>
+          <a:off x="0" y="0"/>
+          <a:ext cx="0" cy="0"/>
+          <a:chOff x="0" y="0"/>
+          <a:chExt cx="0" cy="0"/>
+        </a:xfrm>
+      </p:grpSpPr>
+      <p:sp>
+        <p:nvSpPr>
+          <p:cNvPr id="2" name="Title 1"/>
+          <p:cNvSpPr>
+            <a:spLocks noGrp="1"/>
+          </p:cNvSpPr>
+          <p:nvPr>
+            <p:ph type="title"/>
+          </p:nvPr>
+        </p:nvSpPr>
+        <p:spPr/>
+        <p:txBody>
+          <a:bodyPr/>
+          <a:lstStyle/>
+          <a:p>
+            <a:r>
+              <a:rPr lang="sv-SE" dirty="0" smtClean="0"/>
+              <a:t>Peaks over </a:t>
+            </a:r>
+            <a:r>
+              <a:rPr lang="sv-SE" dirty="0" err="1" smtClean="0"/>
+              <a:t>time</a:t>
+            </a:r>
+            <a:endParaRPr lang="sv-SE" dirty="0"/>
+          </a:p>
+        </p:txBody>
+      </p:sp>
+      <p:pic>
+        <p:nvPicPr>
+          <p:cNvPr id="8" name="Content Placeholder 7"/>
+          <p:cNvPicPr>
+            <a:picLocks noGrp="1" noChangeAspect="1"/>
+          </p:cNvPicPr>
+          <p:nvPr>
+            <p:ph sz="quarter" idx="10"/>
+          </p:nvPr>
+        </p:nvPicPr>
+        <p:blipFill>
+          <a:blip r:embed="rId2">
+            <a:extLst>
+              <a:ext uri="{28A0092B-C50C-407E-A947-70E740481C1C}">
+                <a14:useLocalDpi xmlns:a14="http://schemas.microsoft.com/office/drawing/2010/main" val="0"/>
+              </a:ext>
+            </a:extLst>
+          </a:blip>
+          <a:stretch>
+            <a:fillRect/>
+          </a:stretch>
+        </p:blipFill>
+        <p:spPr>
+          <a:xfrm>
+            <a:off x="2064255" y="2724457"/>
+            <a:ext cx="8076190" cy="4914286"/>
+          </a:xfrm>
+        </p:spPr>
+      </p:pic>
+    </p:spTree>
+    <p:extLst>
+      <p:ext uri="{BB962C8B-B14F-4D97-AF65-F5344CB8AC3E}">
+        <p14:creationId xmlns:p14="http://schemas.microsoft.com/office/powerpoint/2010/main" val="1597301912"/>
+      </p:ext>
+    </p:extLst>
+  </p:cSld>
+  <p:clrMapOvr>
+    <a:masterClrMapping/>
+  </p:clrMapOvr>
+  <p:transition/>
+  <p:timing>
+    <p:tnLst>
+      <p:par>
+        <p:cTn id="1" dur="indefinite" restart="never" nodeType="tmRoot"/>
+      </p:par>
+    </p:tnLst>
+  </p:timing>
+</p:sld>
+</file>
+
+<file path=ppt/slides/slide12.xml><?xml version="1.0" encoding="utf-8"?>
+<p:sld xmlns:a="http://schemas.openxmlformats.org/drawingml/2006/main" xmlns:r="http://schemas.openxmlformats.org/officeDocument/2006/relationships" xmlns:p="http://schemas.openxmlformats.org/presentationml/2006/main">
+  <p:cSld>
+    <p:spTree>
+      <p:nvGrpSpPr>
+        <p:cNvPr id="1" name=""/>
+        <p:cNvGrpSpPr/>
+        <p:nvPr/>
+      </p:nvGrpSpPr>
+      <p:grpSpPr>
+        <a:xfrm>
+          <a:off x="0" y="0"/>
+          <a:ext cx="0" cy="0"/>
+          <a:chOff x="0" y="0"/>
+          <a:chExt cx="0" cy="0"/>
+        </a:xfrm>
+      </p:grpSpPr>
+      <p:sp>
+        <p:nvSpPr>
+          <p:cNvPr id="14338" name="Title 1"/>
+          <p:cNvSpPr>
+            <a:spLocks noGrp="1"/>
+          </p:cNvSpPr>
+          <p:nvPr>
+            <p:ph type="title"/>
+          </p:nvPr>
+        </p:nvSpPr>
+        <p:spPr bwMode="auto">
+          <a:xfrm>
+            <a:off x="1911350" y="933450"/>
+            <a:ext cx="8382000" cy="952500"/>
+          </a:xfrm>
+          <a:noFill/>
+          <a:extLst>
+            <a:ext uri="{909E8E84-426E-40DD-AFC4-6F175D3DCCD1}">
+              <a14:hiddenFill xmlns:a14="http://schemas.microsoft.com/office/drawing/2010/main">
+                <a:solidFill>
+                  <a:srgbClr val="FFFFFF"/>
+                </a:solidFill>
+              </a14:hiddenFill>
+            </a:ext>
+            <a:ext uri="{91240B29-F687-4F45-9708-019B960494DF}">
+              <a14:hiddenLine xmlns:a14="http://schemas.microsoft.com/office/drawing/2010/main" w="9525">
+                <a:solidFill>
+                  <a:srgbClr val="000000"/>
+                </a:solidFill>
+                <a:miter lim="800000"/>
+                <a:headEnd/>
+                <a:tailEnd/>
+              </a14:hiddenLine>
+            </a:ext>
+          </a:extLst>
+        </p:spPr>
+        <p:txBody>
+          <a:bodyPr vert="horz" wrap="square" lIns="91440" tIns="45720" rIns="91440" bIns="45720" numCol="1" compatLnSpc="1">
+            <a:prstTxWarp prst="textNoShape">
+              <a:avLst/>
+            </a:prstTxWarp>
+          </a:bodyPr>
+          <a:lstStyle/>
+          <a:p>
+            <a:pPr eaLnBrk="1" hangingPunct="1">
+              <a:lnSpc>
+                <a:spcPct val="90000"/>
+              </a:lnSpc>
+            </a:pPr>
+            <a:r>
+              <a:rPr lang="en-US" altLang="sv-SE" dirty="0" smtClean="0">
+                <a:latin typeface="Arial" panose="020B0604020202020204" pitchFamily="34" charset="0"/>
+                <a:cs typeface="Arial" panose="020B0604020202020204" pitchFamily="34" charset="0"/>
+                <a:sym typeface="Arial" panose="020B0604020202020204" pitchFamily="34" charset="0"/>
+              </a:rPr>
+              <a:t>Case-Based reasoning</a:t>
+            </a:r>
+            <a:endParaRPr lang="sv-SE" altLang="sv-SE" dirty="0" smtClean="0">
+              <a:latin typeface="Arial" panose="020B0604020202020204" pitchFamily="34" charset="0"/>
+              <a:cs typeface="Arial" panose="020B0604020202020204" pitchFamily="34" charset="0"/>
+            </a:endParaRPr>
+          </a:p>
+        </p:txBody>
+      </p:sp>
+      <mc:AlternateContent xmlns:mc="http://schemas.openxmlformats.org/markup-compatibility/2006" xmlns:a14="http://schemas.microsoft.com/office/drawing/2010/main">
+        <mc:Choice Requires="a14">
+          <p:sp>
+            <p:nvSpPr>
+              <p:cNvPr id="14339" name="Content Placeholder 2"/>
+              <p:cNvSpPr>
+                <a:spLocks noGrp="1"/>
+              </p:cNvSpPr>
+              <p:nvPr>
+                <p:ph idx="10"/>
+              </p:nvPr>
+            </p:nvSpPr>
+            <p:spPr bwMode="auto">
+              <a:xfrm>
+                <a:off x="1911350" y="2590800"/>
+                <a:ext cx="8382000" cy="5181600"/>
+              </a:xfrm>
+              <a:noFill/>
+              <a:extLst>
+                <a:ext uri="{909E8E84-426E-40DD-AFC4-6F175D3DCCD1}">
+                  <a14:hiddenFill>
+                    <a:solidFill>
+                      <a:srgbClr val="FFFFFF"/>
+                    </a:solidFill>
+                  </a14:hiddenFill>
+                </a:ext>
+                <a:ext uri="{91240B29-F687-4F45-9708-019B960494DF}">
+                  <a14:hiddenLine w="9525">
+                    <a:solidFill>
+                      <a:srgbClr val="000000"/>
+                    </a:solidFill>
+                    <a:miter lim="800000"/>
+                    <a:headEnd/>
+                    <a:tailEnd/>
+                  </a14:hiddenLine>
+                </a:ext>
+              </a:extLst>
+            </p:spPr>
+            <p:txBody>
+              <a:bodyPr wrap="square" lIns="91440" tIns="45720" rIns="91440" bIns="45720" numCol="1" anchor="t" anchorCtr="0" compatLnSpc="1">
+                <a:prstTxWarp prst="textNoShape">
+                  <a:avLst/>
+                </a:prstTxWarp>
+              </a:bodyPr>
+              <a:lstStyle/>
+              <a:p>
+                <a:pPr eaLnBrk="1" hangingPunct="1"/>
+                <a:r>
+                  <a:rPr lang="sv-SE" i="0" dirty="0" smtClean="0"/>
+                  <a:t>Five different similarity formulas: </a:t>
+                </a:r>
+              </a:p>
+              <a:p>
+                <a:pPr lvl="1" eaLnBrk="1" hangingPunct="1"/>
+                <a:r>
+                  <a:rPr lang="sv-SE" i="0" dirty="0" err="1" smtClean="0"/>
+                  <a:t>Euclidian</a:t>
+                </a:r>
+                <a:r>
+                  <a:rPr lang="sv-SE" i="0" dirty="0" smtClean="0"/>
+                  <a:t>: </a:t>
+                </a:r>
+                <a14:m>
+                  <m:oMath xmlns:m="http://schemas.openxmlformats.org/officeDocument/2006/math">
+                    <m:sSup>
+                      <m:sSupPr>
+                        <m:ctrlPr>
+                          <a:rPr lang="sv-SE" b="0" i="1" smtClean="0">
+                            <a:latin typeface="Cambria Math" panose="02040503050406030204" pitchFamily="18" charset="0"/>
+                          </a:rPr>
+                        </m:ctrlPr>
+                      </m:sSupPr>
+                      <m:e>
+                        <m:r>
+                          <a:rPr lang="sv-SE" i="0">
+                            <a:latin typeface="Cambria Math" panose="02040503050406030204" pitchFamily="18" charset="0"/>
+                          </a:rPr>
+                          <m:t>(</m:t>
+                        </m:r>
+                        <m:r>
+                          <a:rPr lang="sv-SE" b="0" i="1" smtClean="0">
+                            <a:latin typeface="Cambria Math" panose="02040503050406030204" pitchFamily="18" charset="0"/>
+                          </a:rPr>
+                          <m:t>𝑎</m:t>
+                        </m:r>
+                        <m:r>
+                          <a:rPr lang="sv-SE">
+                            <a:latin typeface="Cambria Math" panose="02040503050406030204" pitchFamily="18" charset="0"/>
+                          </a:rPr>
+                          <m:t>−</m:t>
+                        </m:r>
+                        <m:r>
+                          <a:rPr lang="sv-SE" b="0" i="1" smtClean="0">
+                            <a:latin typeface="Cambria Math" panose="02040503050406030204" pitchFamily="18" charset="0"/>
+                          </a:rPr>
+                          <m:t>𝑏</m:t>
+                        </m:r>
+                        <m:r>
+                          <a:rPr lang="sv-SE">
+                            <a:latin typeface="Cambria Math" panose="02040503050406030204" pitchFamily="18" charset="0"/>
+                          </a:rPr>
+                          <m:t>)</m:t>
+                        </m:r>
+                      </m:e>
+                      <m:sup>
+                        <m:r>
+                          <a:rPr lang="sv-SE" b="0" i="1" smtClean="0">
+                            <a:latin typeface="Cambria Math" panose="02040503050406030204" pitchFamily="18" charset="0"/>
+                          </a:rPr>
+                          <m:t>2</m:t>
+                        </m:r>
+                      </m:sup>
+                    </m:sSup>
+                  </m:oMath>
+                </a14:m>
+                <a:endParaRPr lang="sv-SE" b="0" i="0" dirty="0" smtClean="0"/>
+              </a:p>
+              <a:p>
+                <a:pPr lvl="1" eaLnBrk="1" hangingPunct="1"/>
+                <a:r>
+                  <a:rPr lang="sv-SE" i="0" dirty="0" smtClean="0"/>
+                  <a:t>Manhattan: </a:t>
+                </a:r>
+                <a14:m>
+                  <m:oMath xmlns:m="http://schemas.openxmlformats.org/officeDocument/2006/math">
+                    <m:d>
+                      <m:dPr>
+                        <m:begChr m:val="|"/>
+                        <m:endChr m:val="|"/>
+                        <m:ctrlPr>
+                          <a:rPr lang="sv-SE" b="0" i="1" smtClean="0">
+                            <a:latin typeface="Cambria Math" panose="02040503050406030204" pitchFamily="18" charset="0"/>
+                          </a:rPr>
+                        </m:ctrlPr>
+                      </m:dPr>
+                      <m:e>
+                        <m:r>
+                          <a:rPr lang="sv-SE" b="0" i="1" smtClean="0">
+                            <a:latin typeface="Cambria Math" panose="02040503050406030204" pitchFamily="18" charset="0"/>
+                          </a:rPr>
+                          <m:t>𝑎</m:t>
+                        </m:r>
+                        <m:r>
+                          <a:rPr lang="sv-SE" b="0" i="1" smtClean="0">
+                            <a:latin typeface="Cambria Math" panose="02040503050406030204" pitchFamily="18" charset="0"/>
+                          </a:rPr>
+                          <m:t>−</m:t>
+                        </m:r>
+                        <m:r>
+                          <a:rPr lang="sv-SE" b="0" i="1" smtClean="0">
+                            <a:latin typeface="Cambria Math" panose="02040503050406030204" pitchFamily="18" charset="0"/>
+                          </a:rPr>
+                          <m:t>𝑏</m:t>
+                        </m:r>
+                      </m:e>
+                    </m:d>
+                  </m:oMath>
+                </a14:m>
+                <a:endParaRPr lang="sv-SE" b="0" i="0" dirty="0" smtClean="0"/>
+              </a:p>
+              <a:p>
+                <a:pPr lvl="1" eaLnBrk="1" hangingPunct="1"/>
+                <a:r>
+                  <a:rPr lang="sv-SE" i="0" dirty="0" smtClean="0"/>
+                  <a:t>Canberra: </a:t>
+                </a:r>
+                <a14:m>
+                  <m:oMath xmlns:m="http://schemas.openxmlformats.org/officeDocument/2006/math">
+                    <m:f>
+                      <m:fPr>
+                        <m:ctrlPr>
+                          <a:rPr lang="sv-SE" b="0" i="1" smtClean="0">
+                            <a:latin typeface="Cambria Math" panose="02040503050406030204" pitchFamily="18" charset="0"/>
+                          </a:rPr>
+                        </m:ctrlPr>
+                      </m:fPr>
+                      <m:num>
+                        <m:r>
+                          <a:rPr lang="sv-SE">
+                            <a:latin typeface="Cambria Math" panose="02040503050406030204" pitchFamily="18" charset="0"/>
+                          </a:rPr>
+                          <m:t>𝑎</m:t>
+                        </m:r>
+                        <m:r>
+                          <a:rPr lang="sv-SE">
+                            <a:latin typeface="Cambria Math" panose="02040503050406030204" pitchFamily="18" charset="0"/>
+                          </a:rPr>
+                          <m:t>−</m:t>
+                        </m:r>
+                        <m:r>
+                          <a:rPr lang="sv-SE">
+                            <a:latin typeface="Cambria Math" panose="02040503050406030204" pitchFamily="18" charset="0"/>
+                          </a:rPr>
+                          <m:t>𝑏</m:t>
+                        </m:r>
+                        <m:r>
+                          <m:rPr>
+                            <m:nor/>
+                          </m:rPr>
+                          <a:rPr lang="sv-SE" i="0" dirty="0"/>
+                          <m:t> </m:t>
+                        </m:r>
+                      </m:num>
+                      <m:den>
+                        <m:d>
+                          <m:dPr>
+                            <m:begChr m:val="|"/>
+                            <m:endChr m:val="|"/>
+                            <m:ctrlPr>
+                              <a:rPr lang="sv-SE" b="0" i="1" smtClean="0">
+                                <a:latin typeface="Cambria Math" panose="02040503050406030204" pitchFamily="18" charset="0"/>
+                              </a:rPr>
+                            </m:ctrlPr>
+                          </m:dPr>
+                          <m:e>
+                            <m:r>
+                              <a:rPr lang="sv-SE" b="0" i="1" smtClean="0">
+                                <a:latin typeface="Cambria Math" panose="02040503050406030204" pitchFamily="18" charset="0"/>
+                              </a:rPr>
+                              <m:t>𝑎</m:t>
+                            </m:r>
+                          </m:e>
+                        </m:d>
+                        <m:r>
+                          <a:rPr lang="sv-SE" b="0" i="1" smtClean="0">
+                            <a:latin typeface="Cambria Math" panose="02040503050406030204" pitchFamily="18" charset="0"/>
+                          </a:rPr>
+                          <m:t>+|</m:t>
+                        </m:r>
+                        <m:r>
+                          <a:rPr lang="sv-SE" b="0" i="1" smtClean="0">
+                            <a:latin typeface="Cambria Math" panose="02040503050406030204" pitchFamily="18" charset="0"/>
+                          </a:rPr>
+                          <m:t>𝑏</m:t>
+                        </m:r>
+                        <m:r>
+                          <a:rPr lang="sv-SE" b="0" i="1" smtClean="0">
+                            <a:latin typeface="Cambria Math" panose="02040503050406030204" pitchFamily="18" charset="0"/>
+                          </a:rPr>
+                          <m:t>|</m:t>
+                        </m:r>
+                      </m:den>
+                    </m:f>
+                  </m:oMath>
+                </a14:m>
+                <a:endParaRPr lang="sv-SE" b="0" i="0" dirty="0" smtClean="0"/>
+              </a:p>
+              <a:p>
+                <a:pPr lvl="1" eaLnBrk="1" hangingPunct="1"/>
+                <a:r>
+                  <a:rPr lang="sv-SE" i="0" dirty="0" smtClean="0"/>
+                  <a:t>Tan: </a:t>
+                </a:r>
+                <a14:m>
+                  <m:oMath xmlns:m="http://schemas.openxmlformats.org/officeDocument/2006/math">
+                    <m:func>
+                      <m:funcPr>
+                        <m:ctrlPr>
+                          <a:rPr lang="sv-SE" b="0" i="1" smtClean="0">
+                            <a:latin typeface="Cambria Math" panose="02040503050406030204" pitchFamily="18" charset="0"/>
+                          </a:rPr>
+                        </m:ctrlPr>
+                      </m:funcPr>
+                      <m:fName>
+                        <m:r>
+                          <m:rPr>
+                            <m:sty m:val="p"/>
+                          </m:rPr>
+                          <a:rPr lang="sv-SE" b="0" i="0" smtClean="0">
+                            <a:latin typeface="Cambria Math" panose="02040503050406030204" pitchFamily="18" charset="0"/>
+                          </a:rPr>
+                          <m:t>tan</m:t>
+                        </m:r>
+                      </m:fName>
+                      <m:e>
+                        <m:d>
+                          <m:dPr>
+                            <m:ctrlPr>
+                              <a:rPr lang="sv-SE" b="0" i="1" smtClean="0">
+                                <a:latin typeface="Cambria Math" panose="02040503050406030204" pitchFamily="18" charset="0"/>
+                              </a:rPr>
+                            </m:ctrlPr>
+                          </m:dPr>
+                          <m:e>
+                            <m:d>
+                              <m:dPr>
+                                <m:begChr m:val="|"/>
+                                <m:endChr m:val="|"/>
+                                <m:ctrlPr>
+                                  <a:rPr lang="sv-SE" b="0" i="1" smtClean="0">
+                                    <a:latin typeface="Cambria Math" panose="02040503050406030204" pitchFamily="18" charset="0"/>
+                                  </a:rPr>
+                                </m:ctrlPr>
+                              </m:dPr>
+                              <m:e>
+                                <m:r>
+                                  <a:rPr lang="sv-SE" b="0" i="1" smtClean="0">
+                                    <a:latin typeface="Cambria Math" panose="02040503050406030204" pitchFamily="18" charset="0"/>
+                                  </a:rPr>
+                                  <m:t>𝑎</m:t>
+                                </m:r>
+                                <m:r>
+                                  <a:rPr lang="sv-SE" b="0" i="1" smtClean="0">
+                                    <a:latin typeface="Cambria Math" panose="02040503050406030204" pitchFamily="18" charset="0"/>
+                                  </a:rPr>
+                                  <m:t>−</m:t>
+                                </m:r>
+                                <m:r>
+                                  <a:rPr lang="sv-SE" b="0" i="1" smtClean="0">
+                                    <a:latin typeface="Cambria Math" panose="02040503050406030204" pitchFamily="18" charset="0"/>
+                                  </a:rPr>
+                                  <m:t>𝑏</m:t>
+                                </m:r>
+                              </m:e>
+                            </m:d>
+                          </m:e>
+                        </m:d>
+                      </m:e>
+                    </m:func>
+                  </m:oMath>
+                </a14:m>
+                <a:endParaRPr lang="sv-SE" b="0" i="0" dirty="0" smtClean="0"/>
+              </a:p>
+              <a:p>
+                <a:pPr lvl="1" eaLnBrk="1" hangingPunct="1"/>
+                <a:r>
+                  <a:rPr lang="sv-SE" i="0" dirty="0" err="1" smtClean="0"/>
+                  <a:t>Tanh</a:t>
+                </a:r>
+                <a:r>
+                  <a:rPr lang="sv-SE" i="0" dirty="0" smtClean="0"/>
+                  <a:t>: </a:t>
+                </a:r>
+                <a14:m>
+                  <m:oMath xmlns:m="http://schemas.openxmlformats.org/officeDocument/2006/math">
+                    <m:r>
+                      <m:rPr>
+                        <m:sty m:val="p"/>
+                      </m:rPr>
+                      <a:rPr lang="sv-SE" b="0" i="0" smtClean="0">
+                        <a:latin typeface="Cambria Math" panose="02040503050406030204" pitchFamily="18" charset="0"/>
+                      </a:rPr>
+                      <m:t>tanh</m:t>
+                    </m:r>
+                    <m:r>
+                      <a:rPr lang="sv-SE" b="0" i="1" smtClean="0">
+                        <a:latin typeface="Cambria Math" panose="02040503050406030204" pitchFamily="18" charset="0"/>
+                      </a:rPr>
+                      <m:t>⁡(</m:t>
+                    </m:r>
+                    <m:r>
+                      <a:rPr lang="sv-SE" b="0" i="1" smtClean="0">
+                        <a:latin typeface="Cambria Math" panose="02040503050406030204" pitchFamily="18" charset="0"/>
+                      </a:rPr>
+                      <m:t>𝑎</m:t>
+                    </m:r>
+                    <m:r>
+                      <a:rPr lang="sv-SE" b="0" i="1" smtClean="0">
+                        <a:latin typeface="Cambria Math" panose="02040503050406030204" pitchFamily="18" charset="0"/>
+                      </a:rPr>
+                      <m:t>−</m:t>
+                    </m:r>
+                    <m:r>
+                      <a:rPr lang="sv-SE" b="0" i="1" smtClean="0">
+                        <a:latin typeface="Cambria Math" panose="02040503050406030204" pitchFamily="18" charset="0"/>
+                      </a:rPr>
+                      <m:t>𝑏</m:t>
+                    </m:r>
+                    <m:r>
+                      <a:rPr lang="sv-SE" b="0" i="1" smtClean="0">
+                        <a:latin typeface="Cambria Math" panose="02040503050406030204" pitchFamily="18" charset="0"/>
+                      </a:rPr>
+                      <m:t>)</m:t>
+                    </m:r>
+                  </m:oMath>
+                </a14:m>
+                <a:endParaRPr lang="sv-SE" i="0" dirty="0" smtClean="0"/>
+              </a:p>
+              <a:p>
+                <a:pPr eaLnBrk="1" hangingPunct="1"/>
+                <a:r>
+                  <a:rPr lang="sv-SE" i="0" dirty="0" smtClean="0"/>
+                  <a:t>K </a:t>
+                </a:r>
+                <a:r>
+                  <a:rPr lang="sv-SE" i="0" dirty="0" err="1" smtClean="0"/>
+                  <a:t>Nearest</a:t>
+                </a:r>
+                <a:r>
+                  <a:rPr lang="sv-SE" i="0" dirty="0" smtClean="0"/>
+                  <a:t> </a:t>
+                </a:r>
+                <a:r>
+                  <a:rPr lang="sv-SE" i="0" dirty="0" err="1" smtClean="0"/>
+                  <a:t>Neighbour</a:t>
+                </a:r>
+                <a:r>
+                  <a:rPr lang="sv-SE" i="0" dirty="0" smtClean="0"/>
+                  <a:t> (KNN)</a:t>
+                </a:r>
+              </a:p>
+              <a:p>
+                <a:pPr marL="0" indent="0" eaLnBrk="1" hangingPunct="1">
+                  <a:buNone/>
+                </a:pPr>
+                <a:endParaRPr lang="sv-SE" altLang="sv-SE" b="1" i="0" dirty="0" smtClean="0">
+                  <a:latin typeface="Georgia" panose="02040502050405020303" pitchFamily="18" charset="0"/>
+                  <a:cs typeface="Arial" panose="020B0604020202020204" pitchFamily="34" charset="0"/>
+                </a:endParaRPr>
+              </a:p>
+              <a:p>
+                <a:pPr eaLnBrk="1" hangingPunct="1"/>
+                <a:endParaRPr lang="sv-SE" altLang="sv-SE" i="0" dirty="0">
+                  <a:latin typeface="Georgia" panose="02040502050405020303" pitchFamily="18" charset="0"/>
+                  <a:cs typeface="Arial" panose="020B0604020202020204" pitchFamily="34" charset="0"/>
+                </a:endParaRPr>
+              </a:p>
+              <a:p>
+                <a:pPr eaLnBrk="1" hangingPunct="1"/>
+                <a:endParaRPr lang="sv-SE" altLang="sv-SE" b="1" i="0" dirty="0" smtClean="0">
+                  <a:latin typeface="Georgia" panose="02040502050405020303" pitchFamily="18" charset="0"/>
+                  <a:cs typeface="Arial" panose="020B0604020202020204" pitchFamily="34" charset="0"/>
+                </a:endParaRPr>
+              </a:p>
+            </p:txBody>
+          </p:sp>
+        </mc:Choice>
+        <mc:Fallback xmlns="">
+          <p:sp>
+            <p:nvSpPr>
+              <p:cNvPr id="14339" name="Content Placeholder 2"/>
+              <p:cNvSpPr>
+                <a:spLocks noGrp="1" noRot="1" noChangeAspect="1" noMove="1" noResize="1" noEditPoints="1" noAdjustHandles="1" noChangeArrowheads="1" noChangeShapeType="1" noTextEdit="1"/>
+              </p:cNvSpPr>
+              <p:nvPr>
+                <p:ph idx="10"/>
+              </p:nvPr>
+            </p:nvSpPr>
+            <p:spPr bwMode="auto">
+              <a:xfrm>
+                <a:off x="1911350" y="2590800"/>
+                <a:ext cx="8382000" cy="5181600"/>
+              </a:xfrm>
+              <a:blipFill rotWithShape="0">
+                <a:blip r:embed="rId3"/>
+                <a:stretch>
+                  <a:fillRect l="-1164" t="-1059"/>
+                </a:stretch>
+              </a:blipFill>
+              <a:extLst>
+                <a:ext uri="{909E8E84-426E-40DD-AFC4-6F175D3DCCD1}">
+                  <a14:hiddenFill xmlns:a14="http://schemas.microsoft.com/office/drawing/2010/main">
+                    <a:solidFill>
+                      <a:srgbClr val="FFFFFF"/>
+                    </a:solidFill>
+                  </a14:hiddenFill>
+                </a:ext>
+                <a:ext uri="{91240B29-F687-4F45-9708-019B960494DF}">
+                  <a14:hiddenLine xmlns:a14="http://schemas.microsoft.com/office/drawing/2010/main" w="9525">
+                    <a:solidFill>
+                      <a:srgbClr val="000000"/>
+                    </a:solidFill>
+                    <a:miter lim="800000"/>
+                    <a:headEnd/>
+                    <a:tailEnd/>
+                  </a14:hiddenLine>
+                </a:ext>
+              </a:extLst>
+            </p:spPr>
+            <p:txBody>
+              <a:bodyPr/>
+              <a:lstStyle/>
+              <a:p>
+                <a:r>
+                  <a:rPr lang="sv-SE">
+                    <a:noFill/>
+                  </a:rPr>
+                  <a:t> </a:t>
+                </a:r>
+              </a:p>
+            </p:txBody>
+          </p:sp>
+        </mc:Fallback>
+      </mc:AlternateContent>
+      <p:pic>
+        <p:nvPicPr>
+          <p:cNvPr id="2050" name="Picture 2" descr="https://www.byclb.com/TR/Tutorials/neural_networks/ch11_1_dosyalar/image087.jpg"/>
+          <p:cNvPicPr>
+            <a:picLocks noChangeAspect="1" noChangeArrowheads="1"/>
+          </p:cNvPicPr>
+          <p:nvPr/>
+        </p:nvPicPr>
+        <p:blipFill>
+          <a:blip r:embed="rId4">
+            <a:extLst>
+              <a:ext uri="{28A0092B-C50C-407E-A947-70E740481C1C}">
+                <a14:useLocalDpi xmlns:a14="http://schemas.microsoft.com/office/drawing/2010/main" val="0"/>
+              </a:ext>
+            </a:extLst>
+          </a:blip>
+          <a:srcRect/>
+          <a:stretch>
+            <a:fillRect/>
+          </a:stretch>
+        </p:blipFill>
+        <p:spPr bwMode="auto">
+          <a:xfrm>
+            <a:off x="7582520" y="5236677"/>
+            <a:ext cx="3960440" cy="3636826"/>
+          </a:xfrm>
+          <a:prstGeom prst="rect">
+            <a:avLst/>
+          </a:prstGeom>
+          <a:noFill/>
+          <a:extLst>
+            <a:ext uri="{909E8E84-426E-40DD-AFC4-6F175D3DCCD1}">
+              <a14:hiddenFill xmlns:a14="http://schemas.microsoft.com/office/drawing/2010/main">
+                <a:solidFill>
+                  <a:srgbClr val="FFFFFF"/>
+                </a:solidFill>
+              </a14:hiddenFill>
+            </a:ext>
+          </a:extLst>
+        </p:spPr>
+      </p:pic>
+      <p:sp>
+        <p:nvSpPr>
+          <p:cNvPr id="2" name="Oval 1"/>
+          <p:cNvSpPr/>
+          <p:nvPr/>
+        </p:nvSpPr>
+        <p:spPr bwMode="auto">
+          <a:xfrm>
+            <a:off x="10678864" y="8333184"/>
+            <a:ext cx="144016" cy="144016"/>
+          </a:xfrm>
+          <a:prstGeom prst="ellipse">
+            <a:avLst/>
+          </a:prstGeom>
+          <a:solidFill>
+            <a:schemeClr val="tx1"/>
+          </a:solidFill>
+          <a:ln>
+            <a:headEnd type="none" w="med" len="med"/>
+            <a:tailEnd type="none" w="med" len="med"/>
+          </a:ln>
+        </p:spPr>
+        <p:style>
+          <a:lnRef idx="2">
+            <a:schemeClr val="dk1"/>
+          </a:lnRef>
+          <a:fillRef idx="1">
+            <a:schemeClr val="lt1"/>
+          </a:fillRef>
+          <a:effectRef idx="0">
+            <a:schemeClr val="dk1"/>
+          </a:effectRef>
+          <a:fontRef idx="minor">
+            <a:schemeClr val="dk1"/>
+          </a:fontRef>
+        </p:style>
+        <p:txBody>
+          <a:bodyPr vert="horz" wrap="square" lIns="91440" tIns="45720" rIns="91440" bIns="45720" numCol="1" rtlCol="0" anchor="t" anchorCtr="0" compatLnSpc="1">
+            <a:prstTxWarp prst="textNoShape">
+              <a:avLst/>
+            </a:prstTxWarp>
+          </a:bodyPr>
+          <a:lstStyle/>
+          <a:p>
+            <a:pPr marL="0" marR="0" indent="0" algn="ctr" defTabSz="914400" rtl="0" eaLnBrk="1" fontAlgn="base" latinLnBrk="0" hangingPunct="1">
+              <a:lnSpc>
+                <a:spcPct val="100000"/>
+              </a:lnSpc>
+              <a:spcBef>
+                <a:spcPct val="0"/>
+              </a:spcBef>
+              <a:spcAft>
+                <a:spcPct val="0"/>
+              </a:spcAft>
+              <a:buClrTx/>
+              <a:buSzTx/>
+              <a:buFontTx/>
+              <a:buNone/>
+              <a:tabLst/>
+            </a:pPr>
+            <a:endParaRPr kumimoji="0" lang="sv-SE" sz="4200" i="0" u="none" strike="noStrike" normalizeH="0" baseline="0">
+              <a:ln w="0"/>
+              <a:solidFill>
+                <a:schemeClr val="tx1"/>
+              </a:solidFill>
+              <a:effectLst>
+                <a:outerShdw blurRad="38100" dist="19050" dir="2700000" algn="tl" rotWithShape="0">
+                  <a:schemeClr val="dk1">
+                    <a:alpha val="40000"/>
+                  </a:schemeClr>
+                </a:outerShdw>
+              </a:effectLst>
+              <a:latin typeface="Gill Sans" charset="0"/>
+              <a:ea typeface="ヒラギノ角ゴ ProN W3" charset="-128"/>
+              <a:cs typeface="ヒラギノ角ゴ ProN W3" charset="-128"/>
+              <a:sym typeface="Gill Sans" charset="0"/>
+            </a:endParaRPr>
+          </a:p>
+        </p:txBody>
+      </p:sp>
+      <p:cxnSp>
+        <p:nvCxnSpPr>
+          <p:cNvPr id="4" name="Straight Arrow Connector 3"/>
+          <p:cNvCxnSpPr>
+            <a:stCxn id="2" idx="2"/>
+          </p:cNvCxnSpPr>
+          <p:nvPr/>
+        </p:nvCxnSpPr>
+        <p:spPr bwMode="auto">
+          <a:xfrm flipH="1" flipV="1">
+            <a:off x="10102800" y="8117160"/>
+            <a:ext cx="576064" cy="288032"/>
+          </a:xfrm>
+          <a:prstGeom prst="straightConnector1">
+            <a:avLst/>
+          </a:prstGeom>
+          <a:ln>
+            <a:headEnd type="none" w="med" len="med"/>
+            <a:tailEnd type="triangle"/>
+          </a:ln>
+        </p:spPr>
+        <p:style>
+          <a:lnRef idx="1">
+            <a:schemeClr val="dk1"/>
+          </a:lnRef>
+          <a:fillRef idx="0">
+            <a:schemeClr val="dk1"/>
+          </a:fillRef>
+          <a:effectRef idx="0">
+            <a:schemeClr val="dk1"/>
+          </a:effectRef>
+          <a:fontRef idx="minor">
+            <a:schemeClr val="tx1"/>
+          </a:fontRef>
+        </p:style>
+      </p:cxnSp>
+      <p:cxnSp>
+        <p:nvCxnSpPr>
+          <p:cNvPr id="8" name="Straight Arrow Connector 7"/>
+          <p:cNvCxnSpPr>
+            <a:stCxn id="2" idx="1"/>
+          </p:cNvCxnSpPr>
+          <p:nvPr/>
+        </p:nvCxnSpPr>
+        <p:spPr bwMode="auto">
+          <a:xfrm flipH="1" flipV="1">
+            <a:off x="10102800" y="7736083"/>
+            <a:ext cx="597155" cy="618192"/>
+          </a:xfrm>
+          <a:prstGeom prst="straightConnector1">
+            <a:avLst/>
+          </a:prstGeom>
+          <a:ln>
+            <a:headEnd type="none" w="med" len="med"/>
+            <a:tailEnd type="triangle"/>
+          </a:ln>
+        </p:spPr>
+        <p:style>
+          <a:lnRef idx="1">
+            <a:schemeClr val="dk1"/>
+          </a:lnRef>
+          <a:fillRef idx="0">
+            <a:schemeClr val="dk1"/>
+          </a:fillRef>
+          <a:effectRef idx="0">
+            <a:schemeClr val="dk1"/>
+          </a:effectRef>
+          <a:fontRef idx="minor">
+            <a:schemeClr val="tx1"/>
+          </a:fontRef>
+        </p:style>
+      </p:cxnSp>
+      <p:cxnSp>
+        <p:nvCxnSpPr>
+          <p:cNvPr id="11" name="Straight Arrow Connector 10"/>
+          <p:cNvCxnSpPr>
+            <a:stCxn id="2" idx="3"/>
+          </p:cNvCxnSpPr>
+          <p:nvPr/>
+        </p:nvCxnSpPr>
+        <p:spPr bwMode="auto">
+          <a:xfrm flipH="1" flipV="1">
+            <a:off x="9670752" y="8271722"/>
+            <a:ext cx="1029203" cy="184387"/>
+          </a:xfrm>
+          <a:prstGeom prst="straightConnector1">
+            <a:avLst/>
+          </a:prstGeom>
+          <a:ln>
+            <a:headEnd type="none" w="med" len="med"/>
+            <a:tailEnd type="triangle"/>
+          </a:ln>
+        </p:spPr>
+        <p:style>
+          <a:lnRef idx="1">
+            <a:schemeClr val="dk1"/>
+          </a:lnRef>
+          <a:fillRef idx="0">
+            <a:schemeClr val="dk1"/>
+          </a:fillRef>
+          <a:effectRef idx="0">
+            <a:schemeClr val="dk1"/>
+          </a:effectRef>
+          <a:fontRef idx="minor">
+            <a:schemeClr val="tx1"/>
+          </a:fontRef>
+        </p:style>
+      </p:cxnSp>
+      <p:cxnSp>
+        <p:nvCxnSpPr>
+          <p:cNvPr id="14" name="Straight Arrow Connector 13"/>
+          <p:cNvCxnSpPr>
+            <a:stCxn id="2" idx="4"/>
+          </p:cNvCxnSpPr>
+          <p:nvPr/>
+        </p:nvCxnSpPr>
+        <p:spPr bwMode="auto">
+          <a:xfrm flipH="1" flipV="1">
+            <a:off x="9886776" y="8153478"/>
+            <a:ext cx="864096" cy="323722"/>
+          </a:xfrm>
+          <a:prstGeom prst="straightConnector1">
+            <a:avLst/>
+          </a:prstGeom>
+          <a:ln>
+            <a:headEnd type="none" w="med" len="med"/>
+            <a:tailEnd type="triangle"/>
+          </a:ln>
+        </p:spPr>
+        <p:style>
+          <a:lnRef idx="1">
+            <a:schemeClr val="dk1"/>
+          </a:lnRef>
+          <a:fillRef idx="0">
+            <a:schemeClr val="dk1"/>
+          </a:fillRef>
+          <a:effectRef idx="0">
+            <a:schemeClr val="dk1"/>
+          </a:effectRef>
+          <a:fontRef idx="minor">
+            <a:schemeClr val="tx1"/>
+          </a:fontRef>
+        </p:style>
+      </p:cxnSp>
+      <p:cxnSp>
+        <p:nvCxnSpPr>
+          <p:cNvPr id="17" name="Straight Arrow Connector 16"/>
+          <p:cNvCxnSpPr/>
+          <p:nvPr/>
+        </p:nvCxnSpPr>
+        <p:spPr bwMode="auto">
+          <a:xfrm flipV="1">
+            <a:off x="10750872" y="7634250"/>
+            <a:ext cx="21091" cy="821859"/>
+          </a:xfrm>
+          <a:prstGeom prst="straightConnector1">
+            <a:avLst/>
+          </a:prstGeom>
+          <a:ln>
+            <a:headEnd type="none" w="med" len="med"/>
+            <a:tailEnd type="triangle"/>
+          </a:ln>
+        </p:spPr>
+        <p:style>
+          <a:lnRef idx="1">
+            <a:schemeClr val="dk1"/>
+          </a:lnRef>
+          <a:fillRef idx="0">
+            <a:schemeClr val="dk1"/>
+          </a:fillRef>
+          <a:effectRef idx="0">
+            <a:schemeClr val="dk1"/>
+          </a:effectRef>
+          <a:fontRef idx="minor">
+            <a:schemeClr val="tx1"/>
+          </a:fontRef>
+        </p:style>
+      </p:cxnSp>
+    </p:spTree>
+    <p:extLst>
+      <p:ext uri="{BB962C8B-B14F-4D97-AF65-F5344CB8AC3E}">
+        <p14:creationId xmlns:p14="http://schemas.microsoft.com/office/powerpoint/2010/main" val="4213971215"/>
+      </p:ext>
+    </p:extLst>
+  </p:cSld>
+  <p:clrMapOvr>
+    <a:masterClrMapping/>
+  </p:clrMapOvr>
+  <p:transition/>
+  <p:timing>
+    <p:tnLst>
+      <p:par>
+        <p:cTn id="1" dur="indefinite" restart="never" nodeType="tmRoot"/>
+      </p:par>
+    </p:tnLst>
+  </p:timing>
+</p:sld>
+</file>
+
+<file path=ppt/slides/slide13.xml><?xml version="1.0" encoding="utf-8"?>
+<p:sld xmlns:a="http://schemas.openxmlformats.org/drawingml/2006/main" xmlns:r="http://schemas.openxmlformats.org/officeDocument/2006/relationships" xmlns:p="http://schemas.openxmlformats.org/presentationml/2006/main">
+  <p:cSld>
+    <p:spTree>
+      <p:nvGrpSpPr>
+        <p:cNvPr id="1" name=""/>
+        <p:cNvGrpSpPr/>
+        <p:nvPr/>
+      </p:nvGrpSpPr>
+      <p:grpSpPr>
+        <a:xfrm>
+          <a:off x="0" y="0"/>
+          <a:ext cx="0" cy="0"/>
+          <a:chOff x="0" y="0"/>
+          <a:chExt cx="0" cy="0"/>
+        </a:xfrm>
+      </p:grpSpPr>
+      <p:sp>
+        <p:nvSpPr>
+          <p:cNvPr id="18434" name="Title 1"/>
+          <p:cNvSpPr>
+            <a:spLocks noGrp="1"/>
+          </p:cNvSpPr>
+          <p:nvPr>
+            <p:ph type="title"/>
+          </p:nvPr>
+        </p:nvSpPr>
+        <p:spPr bwMode="auto">
+          <a:xfrm>
+            <a:off x="1911350" y="1131888"/>
+            <a:ext cx="8382000" cy="952500"/>
+          </a:xfrm>
+          <a:noFill/>
+          <a:extLst>
+            <a:ext uri="{909E8E84-426E-40DD-AFC4-6F175D3DCCD1}">
+              <a14:hiddenFill xmlns:a14="http://schemas.microsoft.com/office/drawing/2010/main">
+                <a:solidFill>
+                  <a:srgbClr val="FFFFFF"/>
+                </a:solidFill>
+              </a14:hiddenFill>
+            </a:ext>
+            <a:ext uri="{91240B29-F687-4F45-9708-019B960494DF}">
+              <a14:hiddenLine xmlns:a14="http://schemas.microsoft.com/office/drawing/2010/main" w="9525">
+                <a:solidFill>
+                  <a:srgbClr val="000000"/>
+                </a:solidFill>
+                <a:miter lim="800000"/>
+                <a:headEnd/>
+                <a:tailEnd/>
+              </a14:hiddenLine>
+            </a:ext>
+          </a:extLst>
+        </p:spPr>
+        <p:txBody>
+          <a:bodyPr vert="horz" wrap="square" lIns="91440" tIns="45720" rIns="91440" bIns="45720" numCol="1" compatLnSpc="1">
+            <a:prstTxWarp prst="textNoShape">
+              <a:avLst/>
+            </a:prstTxWarp>
+          </a:bodyPr>
+          <a:lstStyle/>
+          <a:p>
+            <a:pPr eaLnBrk="1" hangingPunct="1">
+              <a:lnSpc>
+                <a:spcPct val="90000"/>
+              </a:lnSpc>
+            </a:pPr>
+            <a:r>
+              <a:rPr lang="sv-SE" altLang="sv-SE" dirty="0" smtClean="0">
+                <a:latin typeface="Arial" panose="020B0604020202020204" pitchFamily="34" charset="0"/>
+                <a:cs typeface="Arial" panose="020B0604020202020204" pitchFamily="34" charset="0"/>
+                <a:sym typeface="Arial" panose="020B0604020202020204" pitchFamily="34" charset="0"/>
+              </a:rPr>
+              <a:t>Results and future work</a:t>
+            </a:r>
+            <a:endParaRPr lang="sv-SE" altLang="sv-SE" sz="3200" dirty="0" smtClean="0">
+              <a:latin typeface="Arial" panose="020B0604020202020204" pitchFamily="34" charset="0"/>
+              <a:cs typeface="Arial" panose="020B0604020202020204" pitchFamily="34" charset="0"/>
+            </a:endParaRPr>
+          </a:p>
+        </p:txBody>
+      </p:sp>
+      <p:sp>
+        <p:nvSpPr>
+          <p:cNvPr id="18435" name="Content Placeholder 2"/>
+          <p:cNvSpPr>
+            <a:spLocks noGrp="1"/>
+          </p:cNvSpPr>
+          <p:nvPr>
+            <p:ph idx="10"/>
+          </p:nvPr>
+        </p:nvSpPr>
+        <p:spPr bwMode="auto">
+          <a:xfrm>
+            <a:off x="1911350" y="2590800"/>
+            <a:ext cx="10352088" cy="5181600"/>
+          </a:xfrm>
+          <a:noFill/>
+          <a:extLst>
+            <a:ext uri="{909E8E84-426E-40DD-AFC4-6F175D3DCCD1}">
+              <a14:hiddenFill xmlns:a14="http://schemas.microsoft.com/office/drawing/2010/main">
+                <a:solidFill>
+                  <a:srgbClr val="FFFFFF"/>
+                </a:solidFill>
+              </a14:hiddenFill>
+            </a:ext>
+            <a:ext uri="{91240B29-F687-4F45-9708-019B960494DF}">
+              <a14:hiddenLine xmlns:a14="http://schemas.microsoft.com/office/drawing/2010/main" w="9525">
+                <a:solidFill>
+                  <a:srgbClr val="000000"/>
+                </a:solidFill>
+                <a:miter lim="800000"/>
+                <a:headEnd/>
+                <a:tailEnd/>
+              </a14:hiddenLine>
+            </a:ext>
+          </a:extLst>
+        </p:spPr>
+        <p:txBody>
+          <a:bodyPr wrap="square" lIns="91440" tIns="45720" rIns="91440" bIns="45720" numCol="1" anchor="t" anchorCtr="0" compatLnSpc="1">
+            <a:prstTxWarp prst="textNoShape">
+              <a:avLst/>
+            </a:prstTxWarp>
+          </a:bodyPr>
+          <a:lstStyle/>
+          <a:p>
+            <a:r>
+              <a:rPr lang="sv-SE" altLang="sv-SE" sz="2400" i="0" dirty="0" smtClean="0">
+                <a:latin typeface="Georgia" panose="02040502050405020303" pitchFamily="18" charset="0"/>
+                <a:cs typeface="Arial" panose="020B0604020202020204" pitchFamily="34" charset="0"/>
+                <a:sym typeface="Georgia" panose="02040502050405020303" pitchFamily="18" charset="0"/>
+              </a:rPr>
+              <a:t>The current database containes cases for 8 different birds</a:t>
+            </a:r>
+          </a:p>
+          <a:p>
+            <a:pPr lvl="1"/>
+            <a:r>
+              <a:rPr lang="sv-SE" altLang="sv-SE" sz="2200" i="0" dirty="0" smtClean="0">
+                <a:latin typeface="Georgia" panose="02040502050405020303" pitchFamily="18" charset="0"/>
+                <a:cs typeface="Arial" panose="020B0604020202020204" pitchFamily="34" charset="0"/>
+                <a:sym typeface="Georgia" panose="02040502050405020303" pitchFamily="18" charset="0"/>
+              </a:rPr>
+              <a:t>Blåhake, Bofink, Grönsångare, Gök, Koltrast, Näktergal, Rödhake, Talgoxe</a:t>
+            </a:r>
+          </a:p>
+          <a:p>
+            <a:r>
+              <a:rPr lang="sv-SE" altLang="sv-SE" sz="2400" i="0" dirty="0" smtClean="0">
+                <a:latin typeface="Georgia" panose="02040502050405020303" pitchFamily="18" charset="0"/>
+                <a:cs typeface="Arial" panose="020B0604020202020204" pitchFamily="34" charset="0"/>
+                <a:sym typeface="Georgia" panose="02040502050405020303" pitchFamily="18" charset="0"/>
+              </a:rPr>
+              <a:t>Total number of cases: </a:t>
+            </a:r>
+            <a:r>
+              <a:rPr lang="sv-SE" altLang="sv-SE" sz="2400" i="0" dirty="0" err="1" smtClean="0">
+                <a:latin typeface="Georgia" panose="02040502050405020303" pitchFamily="18" charset="0"/>
+                <a:cs typeface="Arial" panose="020B0604020202020204" pitchFamily="34" charset="0"/>
+                <a:sym typeface="Georgia" panose="02040502050405020303" pitchFamily="18" charset="0"/>
+              </a:rPr>
+              <a:t>arbitrary</a:t>
+            </a:r>
+            <a:r>
+              <a:rPr lang="sv-SE" altLang="sv-SE" sz="2400" i="0" dirty="0">
+                <a:latin typeface="Georgia" panose="02040502050405020303" pitchFamily="18" charset="0"/>
+                <a:cs typeface="Arial" panose="020B0604020202020204" pitchFamily="34" charset="0"/>
+                <a:sym typeface="Georgia" panose="02040502050405020303" pitchFamily="18" charset="0"/>
+              </a:rPr>
+              <a:t> </a:t>
+            </a:r>
+            <a:r>
+              <a:rPr lang="sv-SE" altLang="sv-SE" sz="2400" i="0" dirty="0" err="1" smtClean="0">
+                <a:latin typeface="Georgia" panose="02040502050405020303" pitchFamily="18" charset="0"/>
+                <a:cs typeface="Arial" panose="020B0604020202020204" pitchFamily="34" charset="0"/>
+                <a:sym typeface="Georgia" panose="02040502050405020303" pitchFamily="18" charset="0"/>
+              </a:rPr>
+              <a:t>depending</a:t>
+            </a:r>
+            <a:r>
+              <a:rPr lang="sv-SE" altLang="sv-SE" sz="2400" i="0" dirty="0" smtClean="0">
+                <a:latin typeface="Georgia" panose="02040502050405020303" pitchFamily="18" charset="0"/>
+                <a:cs typeface="Arial" panose="020B0604020202020204" pitchFamily="34" charset="0"/>
+                <a:sym typeface="Georgia" panose="02040502050405020303" pitchFamily="18" charset="0"/>
+              </a:rPr>
+              <a:t> on the HDD</a:t>
+            </a:r>
+          </a:p>
+          <a:p>
+            <a:r>
+              <a:rPr lang="sv-SE" altLang="sv-SE" sz="2400" i="0" dirty="0" smtClean="0">
+                <a:latin typeface="Georgia" panose="02040502050405020303" pitchFamily="18" charset="0"/>
+                <a:cs typeface="Arial" panose="020B0604020202020204" pitchFamily="34" charset="0"/>
+                <a:sym typeface="Georgia" panose="02040502050405020303" pitchFamily="18" charset="0"/>
+              </a:rPr>
+              <a:t>The CBR system can </a:t>
+            </a:r>
+            <a:r>
+              <a:rPr lang="sv-SE" altLang="sv-SE" sz="2400" i="0" dirty="0" err="1" smtClean="0">
+                <a:latin typeface="Georgia" panose="02040502050405020303" pitchFamily="18" charset="0"/>
+                <a:cs typeface="Arial" panose="020B0604020202020204" pitchFamily="34" charset="0"/>
+                <a:sym typeface="Georgia" panose="02040502050405020303" pitchFamily="18" charset="0"/>
+              </a:rPr>
+              <a:t>classify</a:t>
+            </a:r>
+            <a:r>
+              <a:rPr lang="sv-SE" altLang="sv-SE" sz="2400" i="0" dirty="0" smtClean="0">
+                <a:latin typeface="Georgia" panose="02040502050405020303" pitchFamily="18" charset="0"/>
+                <a:cs typeface="Arial" panose="020B0604020202020204" pitchFamily="34" charset="0"/>
+                <a:sym typeface="Georgia" panose="02040502050405020303" pitchFamily="18" charset="0"/>
+              </a:rPr>
+              <a:t> </a:t>
+            </a:r>
+            <a:r>
+              <a:rPr lang="sv-SE" altLang="sv-SE" sz="2400" i="0" dirty="0" err="1" smtClean="0">
+                <a:latin typeface="Georgia" panose="02040502050405020303" pitchFamily="18" charset="0"/>
+                <a:cs typeface="Arial" panose="020B0604020202020204" pitchFamily="34" charset="0"/>
+                <a:sym typeface="Georgia" panose="02040502050405020303" pitchFamily="18" charset="0"/>
+              </a:rPr>
+              <a:t>with</a:t>
+            </a:r>
+            <a:r>
+              <a:rPr lang="sv-SE" altLang="sv-SE" sz="2400" i="0" dirty="0" smtClean="0">
+                <a:latin typeface="Georgia" panose="02040502050405020303" pitchFamily="18" charset="0"/>
+                <a:cs typeface="Arial" panose="020B0604020202020204" pitchFamily="34" charset="0"/>
+                <a:sym typeface="Georgia" panose="02040502050405020303" pitchFamily="18" charset="0"/>
+              </a:rPr>
+              <a:t> 100% </a:t>
+            </a:r>
+            <a:r>
+              <a:rPr lang="sv-SE" altLang="sv-SE" sz="2400" i="0" dirty="0" err="1" smtClean="0">
+                <a:latin typeface="Georgia" panose="02040502050405020303" pitchFamily="18" charset="0"/>
+                <a:cs typeface="Arial" panose="020B0604020202020204" pitchFamily="34" charset="0"/>
+                <a:sym typeface="Georgia" panose="02040502050405020303" pitchFamily="18" charset="0"/>
+              </a:rPr>
+              <a:t>accuracy</a:t>
+            </a:r>
+            <a:r>
+              <a:rPr lang="sv-SE" altLang="sv-SE" sz="2400" i="0" dirty="0" smtClean="0">
+                <a:latin typeface="Georgia" panose="02040502050405020303" pitchFamily="18" charset="0"/>
+                <a:cs typeface="Arial" panose="020B0604020202020204" pitchFamily="34" charset="0"/>
+                <a:sym typeface="Georgia" panose="02040502050405020303" pitchFamily="18" charset="0"/>
+              </a:rPr>
+              <a:t>.</a:t>
+            </a:r>
+            <a:endParaRPr lang="sv-SE" altLang="sv-SE" sz="2400" i="0" dirty="0" smtClean="0">
+              <a:latin typeface="Georgia" panose="02040502050405020303" pitchFamily="18" charset="0"/>
+              <a:cs typeface="Arial" panose="020B0604020202020204" pitchFamily="34" charset="0"/>
+              <a:sym typeface="Georgia" panose="02040502050405020303" pitchFamily="18" charset="0"/>
+            </a:endParaRPr>
+          </a:p>
+          <a:p>
+            <a:r>
+              <a:rPr lang="sv-SE" altLang="sv-SE" sz="2400" i="0" dirty="0" smtClean="0">
+                <a:latin typeface="Georgia" panose="02040502050405020303" pitchFamily="18" charset="0"/>
+                <a:cs typeface="Arial" panose="020B0604020202020204" pitchFamily="34" charset="0"/>
+                <a:sym typeface="Georgia" panose="02040502050405020303" pitchFamily="18" charset="0"/>
+              </a:rPr>
+              <a:t>Gain accuracy by using more appropriate features</a:t>
+            </a:r>
+          </a:p>
+          <a:p>
+            <a:r>
+              <a:rPr lang="sv-SE" altLang="sv-SE" sz="2400" i="0" dirty="0" smtClean="0">
+                <a:latin typeface="Georgia" panose="02040502050405020303" pitchFamily="18" charset="0"/>
+                <a:cs typeface="Arial" panose="020B0604020202020204" pitchFamily="34" charset="0"/>
+                <a:sym typeface="Georgia" panose="02040502050405020303" pitchFamily="18" charset="0"/>
+              </a:rPr>
+              <a:t>Test for classification of other animals such as whales when the accuracy is gained.</a:t>
+            </a:r>
+          </a:p>
+          <a:p>
+            <a:r>
+              <a:rPr lang="sv-SE" altLang="sv-SE" sz="2400" i="0" dirty="0" smtClean="0">
+                <a:latin typeface="Georgia" panose="02040502050405020303" pitchFamily="18" charset="0"/>
+                <a:cs typeface="Arial" panose="020B0604020202020204" pitchFamily="34" charset="0"/>
+                <a:sym typeface="Georgia" panose="02040502050405020303" pitchFamily="18" charset="0"/>
+              </a:rPr>
+              <a:t>Song pattern recognition</a:t>
+            </a:r>
+          </a:p>
+          <a:p>
+            <a:endParaRPr lang="sv-SE" altLang="sv-SE" sz="2400" i="0" dirty="0" smtClean="0">
+              <a:latin typeface="Georgia" panose="02040502050405020303" pitchFamily="18" charset="0"/>
+              <a:cs typeface="Arial" panose="020B0604020202020204" pitchFamily="34" charset="0"/>
+              <a:sym typeface="Georgia" panose="02040502050405020303" pitchFamily="18" charset="0"/>
+            </a:endParaRPr>
+          </a:p>
+        </p:txBody>
+      </p:sp>
+    </p:spTree>
+  </p:cSld>
+  <p:clrMapOvr>
+    <a:masterClrMapping/>
+  </p:clrMapOvr>
+  <p:transition/>
+  <p:timing>
+    <p:tnLst>
+      <p:par>
+        <p:cTn id="1" dur="indefinite" restart="never" nodeType="tmRoot"/>
+      </p:par>
+    </p:tnLst>
+  </p:timing>
+</p:sld>
+</file>
+
+<file path=ppt/slides/slide14.xml><?xml version="1.0" encoding="utf-8"?>
+<p:sld xmlns:a="http://schemas.openxmlformats.org/drawingml/2006/main" xmlns:r="http://schemas.openxmlformats.org/officeDocument/2006/relationships" xmlns:p="http://schemas.openxmlformats.org/presentationml/2006/main">
+  <p:cSld>
+    <p:spTree>
+      <p:nvGrpSpPr>
+        <p:cNvPr id="1" name=""/>
+        <p:cNvGrpSpPr/>
+        <p:nvPr/>
+      </p:nvGrpSpPr>
+      <p:grpSpPr>
+        <a:xfrm>
+          <a:off x="0" y="0"/>
+          <a:ext cx="0" cy="0"/>
+          <a:chOff x="0" y="0"/>
+          <a:chExt cx="0" cy="0"/>
+        </a:xfrm>
+      </p:grpSpPr>
+      <p:sp>
+        <p:nvSpPr>
+          <p:cNvPr id="2" name="Title 1"/>
+          <p:cNvSpPr>
+            <a:spLocks noGrp="1"/>
+          </p:cNvSpPr>
+          <p:nvPr>
+            <p:ph type="title"/>
+          </p:nvPr>
+        </p:nvSpPr>
+        <p:spPr/>
+        <p:txBody>
+          <a:bodyPr/>
+          <a:lstStyle/>
+          <a:p>
+            <a:endParaRPr lang="sv-SE"/>
+          </a:p>
+        </p:txBody>
+      </p:sp>
+      <p:graphicFrame>
+        <p:nvGraphicFramePr>
+          <p:cNvPr id="22" name="Content Placeholder 21"/>
+          <p:cNvGraphicFramePr>
+            <a:graphicFrameLocks noGrp="1"/>
+          </p:cNvGraphicFramePr>
+          <p:nvPr>
+            <p:ph sz="quarter" idx="10"/>
+            <p:extLst>
+              <p:ext uri="{D42A27DB-BD31-4B8C-83A1-F6EECF244321}">
+                <p14:modId xmlns:p14="http://schemas.microsoft.com/office/powerpoint/2010/main" val="3243627728"/>
+              </p:ext>
+            </p:extLst>
+          </p:nvPr>
+        </p:nvGraphicFramePr>
+        <p:xfrm>
+          <a:off x="1911350" y="2590800"/>
+          <a:ext cx="8382000" cy="5181600"/>
+        </p:xfrm>
+        <a:graphic>
+          <a:graphicData uri="http://schemas.openxmlformats.org/drawingml/2006/chart">
+            <c:chart xmlns:c="http://schemas.openxmlformats.org/drawingml/2006/chart" xmlns:r="http://schemas.openxmlformats.org/officeDocument/2006/relationships" r:id="rId2"/>
+          </a:graphicData>
+        </a:graphic>
+      </p:graphicFrame>
+    </p:spTree>
+    <p:extLst>
+      <p:ext uri="{BB962C8B-B14F-4D97-AF65-F5344CB8AC3E}">
+        <p14:creationId xmlns:p14="http://schemas.microsoft.com/office/powerpoint/2010/main" val="3697216855"/>
+      </p:ext>
+    </p:extLst>
+  </p:cSld>
+  <p:clrMapOvr>
+    <a:masterClrMapping/>
+  </p:clrMapOvr>
+  <p:transition/>
+  <p:timing>
+    <p:tnLst>
+      <p:par>
+        <p:cTn id="1" dur="indefinite" restart="never" nodeType="tmRoot"/>
+      </p:par>
+    </p:tnLst>
+  </p:timing>
+</p:sld>
+</file>
+
+<file path=ppt/slides/slide15.xml><?xml version="1.0" encoding="utf-8"?>
+<p:sld xmlns:a="http://schemas.openxmlformats.org/drawingml/2006/main" xmlns:r="http://schemas.openxmlformats.org/officeDocument/2006/relationships" xmlns:p="http://schemas.openxmlformats.org/presentationml/2006/main">
+  <p:cSld>
+    <p:spTree>
+      <p:nvGrpSpPr>
+        <p:cNvPr id="1" name=""/>
+        <p:cNvGrpSpPr/>
+        <p:nvPr/>
+      </p:nvGrpSpPr>
+      <p:grpSpPr>
+        <a:xfrm>
+          <a:off x="0" y="0"/>
+          <a:ext cx="0" cy="0"/>
+          <a:chOff x="0" y="0"/>
+          <a:chExt cx="0" cy="0"/>
+        </a:xfrm>
+      </p:grpSpPr>
+      <p:sp>
+        <p:nvSpPr>
+          <p:cNvPr id="13314" name="Title 6"/>
+          <p:cNvSpPr>
+            <a:spLocks noGrp="1"/>
+          </p:cNvSpPr>
+          <p:nvPr>
+            <p:ph type="title"/>
+          </p:nvPr>
+        </p:nvSpPr>
+        <p:spPr>
+          <a:xfrm>
+            <a:off x="720725" y="1638300"/>
+            <a:ext cx="8382000" cy="3302000"/>
+          </a:xfrm>
+          <a:noFill/>
+          <a:ln w="9525"/>
+          <a:extLst>
+            <a:ext uri="{909E8E84-426E-40DD-AFC4-6F175D3DCCD1}">
+              <a14:hiddenFill xmlns:a14="http://schemas.microsoft.com/office/drawing/2010/main">
+                <a:solidFill>
+                  <a:srgbClr val="FFFFFF"/>
+                </a:solidFill>
+              </a14:hiddenFill>
+            </a:ext>
+            <a:ext uri="{91240B29-F687-4F45-9708-019B960494DF}">
+              <a14:hiddenLine xmlns:a14="http://schemas.microsoft.com/office/drawing/2010/main" w="12700">
+                <a:solidFill>
+                  <a:srgbClr val="000000"/>
+                </a:solidFill>
+                <a:miter lim="800000"/>
+                <a:headEnd/>
+                <a:tailEnd/>
+              </a14:hiddenLine>
+            </a:ext>
+          </a:extLst>
+        </p:spPr>
+        <p:txBody>
+          <a:bodyPr/>
+          <a:lstStyle/>
+          <a:p>
+            <a:pPr eaLnBrk="1" hangingPunct="1"/>
+            <a:r>
+              <a:rPr lang="en-US" altLang="sv-SE" sz="5500" dirty="0" smtClean="0">
+                <a:latin typeface="Arial" panose="020B0604020202020204" pitchFamily="34" charset="0"/>
+                <a:cs typeface="Arial" panose="020B0604020202020204" pitchFamily="34" charset="0"/>
+                <a:sym typeface="Arial" panose="020B0604020202020204" pitchFamily="34" charset="0"/>
+              </a:rPr>
+              <a:t>Bird classification by sound using Case-Based Reasoning</a:t>
+            </a:r>
+            <a:endParaRPr lang="sv-SE" altLang="sv-SE" sz="5500" dirty="0" smtClean="0">
+              <a:latin typeface="Arial" panose="020B0604020202020204" pitchFamily="34" charset="0"/>
+              <a:cs typeface="Arial" panose="020B0604020202020204" pitchFamily="34" charset="0"/>
+            </a:endParaRPr>
+          </a:p>
+        </p:txBody>
+      </p:sp>
+      <p:sp>
+        <p:nvSpPr>
+          <p:cNvPr id="13315" name="Content Placeholder 3"/>
+          <p:cNvSpPr>
+            <a:spLocks noGrp="1"/>
+          </p:cNvSpPr>
+          <p:nvPr>
+            <p:ph idx="1"/>
+          </p:nvPr>
+        </p:nvSpPr>
+        <p:spPr>
+          <a:xfrm>
+            <a:off x="720724" y="5029200"/>
+            <a:ext cx="9310067" cy="1130300"/>
+          </a:xfrm>
+          <a:noFill/>
+          <a:ln w="9525"/>
+          <a:extLst>
+            <a:ext uri="{909E8E84-426E-40DD-AFC4-6F175D3DCCD1}">
+              <a14:hiddenFill xmlns:a14="http://schemas.microsoft.com/office/drawing/2010/main">
+                <a:solidFill>
+                  <a:srgbClr val="FFFFFF"/>
+                </a:solidFill>
+              </a14:hiddenFill>
+            </a:ext>
+            <a:ext uri="{91240B29-F687-4F45-9708-019B960494DF}">
+              <a14:hiddenLine xmlns:a14="http://schemas.microsoft.com/office/drawing/2010/main" w="12700">
+                <a:solidFill>
+                  <a:srgbClr val="000000"/>
+                </a:solidFill>
+                <a:miter lim="800000"/>
+                <a:headEnd/>
+                <a:tailEnd/>
+              </a14:hiddenLine>
+            </a:ext>
+          </a:extLst>
+        </p:spPr>
+        <p:txBody>
+          <a:bodyPr/>
+          <a:lstStyle/>
+          <a:p>
+            <a:pPr eaLnBrk="1" hangingPunct="1"/>
+            <a:r>
+              <a:rPr lang="sv-SE" altLang="sv-SE" sz="2000" dirty="0">
+                <a:latin typeface="Arial" panose="020B0604020202020204" pitchFamily="34" charset="0"/>
+                <a:cs typeface="Arial" panose="020B0604020202020204" pitchFamily="34" charset="0"/>
+              </a:rPr>
+              <a:t>Alex Anis </a:t>
+            </a:r>
+            <a:r>
+              <a:rPr lang="sv-SE" altLang="sv-SE" sz="2000" dirty="0" smtClean="0">
+                <a:latin typeface="Arial" panose="020B0604020202020204" pitchFamily="34" charset="0"/>
+                <a:cs typeface="Arial" panose="020B0604020202020204" pitchFamily="34" charset="0"/>
+              </a:rPr>
+              <a:t>, Anna Enbom,</a:t>
+            </a:r>
+            <a:r>
+              <a:rPr lang="sv-SE" altLang="sv-SE" sz="2000" dirty="0">
+                <a:latin typeface="Arial" panose="020B0604020202020204" pitchFamily="34" charset="0"/>
+                <a:cs typeface="Arial" panose="020B0604020202020204" pitchFamily="34" charset="0"/>
+              </a:rPr>
+              <a:t> Daniel Hedlund </a:t>
+            </a:r>
+            <a:r>
+              <a:rPr lang="sv-SE" altLang="sv-SE" sz="2000" dirty="0" smtClean="0">
+                <a:latin typeface="Arial" panose="020B0604020202020204" pitchFamily="34" charset="0"/>
+                <a:cs typeface="Arial" panose="020B0604020202020204" pitchFamily="34" charset="0"/>
+              </a:rPr>
+              <a:t>, Johan Söderlind Åström</a:t>
+            </a:r>
+            <a:br>
+              <a:rPr lang="sv-SE" altLang="sv-SE" sz="2000" dirty="0" smtClean="0">
+                <a:latin typeface="Arial" panose="020B0604020202020204" pitchFamily="34" charset="0"/>
+                <a:cs typeface="Arial" panose="020B0604020202020204" pitchFamily="34" charset="0"/>
+              </a:rPr>
+            </a:br>
+            <a:endParaRPr lang="sv-SE" altLang="sv-SE" sz="2000" dirty="0" smtClean="0">
+              <a:latin typeface="Arial" panose="020B0604020202020204" pitchFamily="34" charset="0"/>
+              <a:cs typeface="Arial" panose="020B0604020202020204" pitchFamily="34" charset="0"/>
+            </a:endParaRPr>
+          </a:p>
+          <a:p>
+            <a:pPr eaLnBrk="1" hangingPunct="1"/>
+            <a:r>
+              <a:rPr lang="sv-SE" altLang="sv-SE" sz="1600" dirty="0" smtClean="0">
+                <a:latin typeface="Arial" panose="020B0604020202020204" pitchFamily="34" charset="0"/>
+                <a:cs typeface="Arial" panose="020B0604020202020204" pitchFamily="34" charset="0"/>
+              </a:rPr>
+              <a:t>March of 2014 - Västerås</a:t>
+            </a:r>
+          </a:p>
+        </p:txBody>
+      </p:sp>
+    </p:spTree>
+    <p:extLst>
+      <p:ext uri="{BB962C8B-B14F-4D97-AF65-F5344CB8AC3E}">
+        <p14:creationId xmlns:p14="http://schemas.microsoft.com/office/powerpoint/2010/main" val="1577831907"/>
+      </p:ext>
+    </p:extLst>
   </p:cSld>
   <p:clrMapOvr>
     <a:masterClrMapping/>
@@ -23595,7 +26406,6 @@
               <a:rPr lang="sv-SE" i="0" dirty="0" smtClean="0"/>
               <a:t>[1]</a:t>
             </a:r>
-            <a:endParaRPr lang="sv-SE" i="0" dirty="0" smtClean="0"/>
           </a:p>
           <a:p>
             <a:pPr eaLnBrk="1" hangingPunct="1"/>
@@ -24976,7 +27786,7 @@
       </p:grpSpPr>
       <p:sp>
         <p:nvSpPr>
-          <p:cNvPr id="14338" name="Title 1"/>
+          <p:cNvPr id="2" name="Title 1"/>
           <p:cNvSpPr>
             <a:spLocks noGrp="1"/>
           </p:cNvSpPr>
@@ -24984,876 +27794,52 @@
             <p:ph type="title"/>
           </p:nvPr>
         </p:nvSpPr>
-        <p:spPr bwMode="auto">
-          <a:xfrm>
-            <a:off x="1911350" y="933450"/>
-            <a:ext cx="8382000" cy="952500"/>
-          </a:xfrm>
-          <a:noFill/>
-          <a:extLst>
-            <a:ext uri="{909E8E84-426E-40DD-AFC4-6F175D3DCCD1}">
-              <a14:hiddenFill xmlns:a14="http://schemas.microsoft.com/office/drawing/2010/main">
-                <a:solidFill>
-                  <a:srgbClr val="FFFFFF"/>
-                </a:solidFill>
-              </a14:hiddenFill>
-            </a:ext>
-            <a:ext uri="{91240B29-F687-4F45-9708-019B960494DF}">
-              <a14:hiddenLine xmlns:a14="http://schemas.microsoft.com/office/drawing/2010/main" w="9525">
-                <a:solidFill>
-                  <a:srgbClr val="000000"/>
-                </a:solidFill>
-                <a:miter lim="800000"/>
-                <a:headEnd/>
-                <a:tailEnd/>
-              </a14:hiddenLine>
-            </a:ext>
-          </a:extLst>
-        </p:spPr>
+        <p:spPr/>
         <p:txBody>
-          <a:bodyPr vert="horz" wrap="square" lIns="91440" tIns="45720" rIns="91440" bIns="45720" numCol="1" compatLnSpc="1">
-            <a:prstTxWarp prst="textNoShape">
-              <a:avLst/>
-            </a:prstTxWarp>
-          </a:bodyPr>
+          <a:bodyPr/>
           <a:lstStyle/>
           <a:p>
-            <a:pPr eaLnBrk="1" hangingPunct="1">
-              <a:lnSpc>
-                <a:spcPct val="90000"/>
-              </a:lnSpc>
-            </a:pPr>
-            <a:r>
-              <a:rPr lang="en-US" altLang="sv-SE" dirty="0" smtClean="0">
-                <a:latin typeface="Arial" panose="020B0604020202020204" pitchFamily="34" charset="0"/>
-                <a:cs typeface="Arial" panose="020B0604020202020204" pitchFamily="34" charset="0"/>
-                <a:sym typeface="Arial" panose="020B0604020202020204" pitchFamily="34" charset="0"/>
-              </a:rPr>
-              <a:t>Case-Based reasoning</a:t>
-            </a:r>
-            <a:endParaRPr lang="sv-SE" altLang="sv-SE" dirty="0" smtClean="0">
-              <a:latin typeface="Arial" panose="020B0604020202020204" pitchFamily="34" charset="0"/>
-              <a:cs typeface="Arial" panose="020B0604020202020204" pitchFamily="34" charset="0"/>
-            </a:endParaRPr>
+            <a:r>
+              <a:rPr lang="sv-SE" dirty="0" smtClean="0"/>
+              <a:t>Audio signal</a:t>
+            </a:r>
+            <a:endParaRPr lang="sv-SE" dirty="0"/>
           </a:p>
         </p:txBody>
       </p:sp>
-      <mc:AlternateContent xmlns:mc="http://schemas.openxmlformats.org/markup-compatibility/2006">
-        <mc:Choice xmlns:a14="http://schemas.microsoft.com/office/drawing/2010/main" Requires="a14">
-          <p:sp>
-            <p:nvSpPr>
-              <p:cNvPr id="14339" name="Content Placeholder 2"/>
-              <p:cNvSpPr>
-                <a:spLocks noGrp="1"/>
-              </p:cNvSpPr>
-              <p:nvPr>
-                <p:ph idx="10"/>
-              </p:nvPr>
-            </p:nvSpPr>
-            <p:spPr bwMode="auto">
-              <a:xfrm>
-                <a:off x="1911350" y="2590800"/>
-                <a:ext cx="8382000" cy="5181600"/>
-              </a:xfrm>
-              <a:noFill/>
-              <a:extLst>
-                <a:ext uri="{909E8E84-426E-40DD-AFC4-6F175D3DCCD1}">
-                  <a14:hiddenFill>
-                    <a:solidFill>
-                      <a:srgbClr val="FFFFFF"/>
-                    </a:solidFill>
-                  </a14:hiddenFill>
-                </a:ext>
-                <a:ext uri="{91240B29-F687-4F45-9708-019B960494DF}">
-                  <a14:hiddenLine w="9525">
-                    <a:solidFill>
-                      <a:srgbClr val="000000"/>
-                    </a:solidFill>
-                    <a:miter lim="800000"/>
-                    <a:headEnd/>
-                    <a:tailEnd/>
-                  </a14:hiddenLine>
-                </a:ext>
-              </a:extLst>
-            </p:spPr>
-            <p:txBody>
-              <a:bodyPr wrap="square" lIns="91440" tIns="45720" rIns="91440" bIns="45720" numCol="1" anchor="t" anchorCtr="0" compatLnSpc="1">
-                <a:prstTxWarp prst="textNoShape">
-                  <a:avLst/>
-                </a:prstTxWarp>
-              </a:bodyPr>
-              <a:lstStyle/>
-              <a:p>
-                <a:pPr eaLnBrk="1" hangingPunct="1"/>
-                <a:r>
-                  <a:rPr lang="sv-SE" i="0" dirty="0" smtClean="0"/>
-                  <a:t>Five different </a:t>
-                </a:r>
-                <a:r>
-                  <a:rPr lang="sv-SE" i="0" dirty="0" smtClean="0"/>
-                  <a:t>similarity</a:t>
-                </a:r>
-                <a:r>
-                  <a:rPr lang="sv-SE" i="0" dirty="0" smtClean="0"/>
-                  <a:t> </a:t>
-                </a:r>
-                <a:r>
-                  <a:rPr lang="sv-SE" i="0" dirty="0" smtClean="0"/>
-                  <a:t>formulas</a:t>
-                </a:r>
-                <a:r>
-                  <a:rPr lang="sv-SE" i="0" dirty="0" smtClean="0"/>
-                  <a:t>: </a:t>
-                </a:r>
-              </a:p>
-              <a:p>
-                <a:pPr lvl="1" eaLnBrk="1" hangingPunct="1"/>
-                <a:r>
-                  <a:rPr lang="sv-SE" i="0" dirty="0" err="1" smtClean="0"/>
-                  <a:t>Euclidian</a:t>
-                </a:r>
-                <a:r>
-                  <a:rPr lang="sv-SE" i="0" dirty="0" smtClean="0"/>
-                  <a:t>: </a:t>
-                </a:r>
-                <a14:m>
-                  <m:oMath xmlns:m="http://schemas.openxmlformats.org/officeDocument/2006/math">
-                    <m:sSup>
-                      <m:sSupPr>
-                        <m:ctrlPr>
-                          <a:rPr lang="sv-SE" b="0" i="1" smtClean="0">
-                            <a:latin typeface="Cambria Math" panose="02040503050406030204" pitchFamily="18" charset="0"/>
-                          </a:rPr>
-                        </m:ctrlPr>
-                      </m:sSupPr>
-                      <m:e>
-                        <m:r>
-                          <a:rPr lang="sv-SE" i="0">
-                            <a:latin typeface="Cambria Math" panose="02040503050406030204" pitchFamily="18" charset="0"/>
-                          </a:rPr>
-                          <m:t>(</m:t>
-                        </m:r>
-                        <m:r>
-                          <a:rPr lang="sv-SE" b="0" i="1" smtClean="0">
-                            <a:latin typeface="Cambria Math" panose="02040503050406030204" pitchFamily="18" charset="0"/>
-                          </a:rPr>
-                          <m:t>𝑎</m:t>
-                        </m:r>
-                        <m:r>
-                          <a:rPr lang="sv-SE">
-                            <a:latin typeface="Cambria Math" panose="02040503050406030204" pitchFamily="18" charset="0"/>
-                          </a:rPr>
-                          <m:t>−</m:t>
-                        </m:r>
-                        <m:r>
-                          <a:rPr lang="sv-SE" b="0" i="1" smtClean="0">
-                            <a:latin typeface="Cambria Math" panose="02040503050406030204" pitchFamily="18" charset="0"/>
-                          </a:rPr>
-                          <m:t>𝑏</m:t>
-                        </m:r>
-                        <m:r>
-                          <a:rPr lang="sv-SE">
-                            <a:latin typeface="Cambria Math" panose="02040503050406030204" pitchFamily="18" charset="0"/>
-                          </a:rPr>
-                          <m:t>)</m:t>
-                        </m:r>
-                      </m:e>
-                      <m:sup>
-                        <m:r>
-                          <a:rPr lang="sv-SE" b="0" i="1" smtClean="0">
-                            <a:latin typeface="Cambria Math" panose="02040503050406030204" pitchFamily="18" charset="0"/>
-                          </a:rPr>
-                          <m:t>2</m:t>
-                        </m:r>
-                      </m:sup>
-                    </m:sSup>
-                  </m:oMath>
-                </a14:m>
-                <a:endParaRPr lang="sv-SE" b="0" i="0" dirty="0" smtClean="0"/>
-              </a:p>
-              <a:p>
-                <a:pPr lvl="1" eaLnBrk="1" hangingPunct="1"/>
-                <a:r>
-                  <a:rPr lang="sv-SE" i="0" dirty="0" smtClean="0"/>
-                  <a:t>Manhattan</a:t>
-                </a:r>
-                <a:r>
-                  <a:rPr lang="sv-SE" i="0" dirty="0" smtClean="0"/>
-                  <a:t>: </a:t>
-                </a:r>
-                <a14:m>
-                  <m:oMath xmlns:m="http://schemas.openxmlformats.org/officeDocument/2006/math">
-                    <m:d>
-                      <m:dPr>
-                        <m:begChr m:val="|"/>
-                        <m:endChr m:val="|"/>
-                        <m:ctrlPr>
-                          <a:rPr lang="sv-SE" b="0" i="1" smtClean="0">
-                            <a:latin typeface="Cambria Math" panose="02040503050406030204" pitchFamily="18" charset="0"/>
-                          </a:rPr>
-                        </m:ctrlPr>
-                      </m:dPr>
-                      <m:e>
-                        <m:r>
-                          <a:rPr lang="sv-SE" b="0" i="1" smtClean="0">
-                            <a:latin typeface="Cambria Math" panose="02040503050406030204" pitchFamily="18" charset="0"/>
-                          </a:rPr>
-                          <m:t>𝑎</m:t>
-                        </m:r>
-                        <m:r>
-                          <a:rPr lang="sv-SE" b="0" i="1" smtClean="0">
-                            <a:latin typeface="Cambria Math" panose="02040503050406030204" pitchFamily="18" charset="0"/>
-                          </a:rPr>
-                          <m:t>−</m:t>
-                        </m:r>
-                        <m:r>
-                          <a:rPr lang="sv-SE" b="0" i="1" smtClean="0">
-                            <a:latin typeface="Cambria Math" panose="02040503050406030204" pitchFamily="18" charset="0"/>
-                          </a:rPr>
-                          <m:t>𝑏</m:t>
-                        </m:r>
-                      </m:e>
-                    </m:d>
-                  </m:oMath>
-                </a14:m>
-                <a:endParaRPr lang="sv-SE" b="0" i="0" dirty="0" smtClean="0"/>
-              </a:p>
-              <a:p>
-                <a:pPr lvl="1" eaLnBrk="1" hangingPunct="1"/>
-                <a:r>
-                  <a:rPr lang="sv-SE" i="0" dirty="0" smtClean="0"/>
-                  <a:t>Canberra</a:t>
-                </a:r>
-                <a:r>
-                  <a:rPr lang="sv-SE" i="0" dirty="0" smtClean="0"/>
-                  <a:t>: </a:t>
-                </a:r>
-                <a14:m>
-                  <m:oMath xmlns:m="http://schemas.openxmlformats.org/officeDocument/2006/math">
-                    <m:f>
-                      <m:fPr>
-                        <m:ctrlPr>
-                          <a:rPr lang="sv-SE" b="0" i="1" smtClean="0">
-                            <a:latin typeface="Cambria Math" panose="02040503050406030204" pitchFamily="18" charset="0"/>
-                          </a:rPr>
-                        </m:ctrlPr>
-                      </m:fPr>
-                      <m:num>
-                        <m:r>
-                          <a:rPr lang="sv-SE">
-                            <a:latin typeface="Cambria Math" panose="02040503050406030204" pitchFamily="18" charset="0"/>
-                          </a:rPr>
-                          <m:t>𝑎</m:t>
-                        </m:r>
-                        <m:r>
-                          <a:rPr lang="sv-SE">
-                            <a:latin typeface="Cambria Math" panose="02040503050406030204" pitchFamily="18" charset="0"/>
-                          </a:rPr>
-                          <m:t>−</m:t>
-                        </m:r>
-                        <m:r>
-                          <a:rPr lang="sv-SE">
-                            <a:latin typeface="Cambria Math" panose="02040503050406030204" pitchFamily="18" charset="0"/>
-                          </a:rPr>
-                          <m:t>𝑏</m:t>
-                        </m:r>
-                        <m:r>
-                          <m:rPr>
-                            <m:nor/>
-                          </m:rPr>
-                          <a:rPr lang="sv-SE" i="0" dirty="0"/>
-                          <m:t> </m:t>
-                        </m:r>
-                      </m:num>
-                      <m:den>
-                        <m:d>
-                          <m:dPr>
-                            <m:begChr m:val="|"/>
-                            <m:endChr m:val="|"/>
-                            <m:ctrlPr>
-                              <a:rPr lang="sv-SE" b="0" i="1" smtClean="0">
-                                <a:latin typeface="Cambria Math" panose="02040503050406030204" pitchFamily="18" charset="0"/>
-                              </a:rPr>
-                            </m:ctrlPr>
-                          </m:dPr>
-                          <m:e>
-                            <m:r>
-                              <a:rPr lang="sv-SE" b="0" i="1" smtClean="0">
-                                <a:latin typeface="Cambria Math" panose="02040503050406030204" pitchFamily="18" charset="0"/>
-                              </a:rPr>
-                              <m:t>𝑎</m:t>
-                            </m:r>
-                          </m:e>
-                        </m:d>
-                        <m:r>
-                          <a:rPr lang="sv-SE" b="0" i="1" smtClean="0">
-                            <a:latin typeface="Cambria Math" panose="02040503050406030204" pitchFamily="18" charset="0"/>
-                          </a:rPr>
-                          <m:t>+|</m:t>
-                        </m:r>
-                        <m:r>
-                          <a:rPr lang="sv-SE" b="0" i="1" smtClean="0">
-                            <a:latin typeface="Cambria Math" panose="02040503050406030204" pitchFamily="18" charset="0"/>
-                          </a:rPr>
-                          <m:t>𝑏</m:t>
-                        </m:r>
-                        <m:r>
-                          <a:rPr lang="sv-SE" b="0" i="1" smtClean="0">
-                            <a:latin typeface="Cambria Math" panose="02040503050406030204" pitchFamily="18" charset="0"/>
-                          </a:rPr>
-                          <m:t>|</m:t>
-                        </m:r>
-                      </m:den>
-                    </m:f>
-                  </m:oMath>
-                </a14:m>
-                <a:endParaRPr lang="sv-SE" b="0" i="0" dirty="0" smtClean="0"/>
-              </a:p>
-              <a:p>
-                <a:pPr lvl="1" eaLnBrk="1" hangingPunct="1"/>
-                <a:r>
-                  <a:rPr lang="sv-SE" i="0" dirty="0" smtClean="0"/>
-                  <a:t>Tan</a:t>
-                </a:r>
-                <a:r>
-                  <a:rPr lang="sv-SE" i="0" dirty="0" smtClean="0"/>
-                  <a:t>: </a:t>
-                </a:r>
-                <a14:m>
-                  <m:oMath xmlns:m="http://schemas.openxmlformats.org/officeDocument/2006/math">
-                    <m:func>
-                      <m:funcPr>
-                        <m:ctrlPr>
-                          <a:rPr lang="sv-SE" b="0" i="1" smtClean="0">
-                            <a:latin typeface="Cambria Math" panose="02040503050406030204" pitchFamily="18" charset="0"/>
-                          </a:rPr>
-                        </m:ctrlPr>
-                      </m:funcPr>
-                      <m:fName>
-                        <m:r>
-                          <m:rPr>
-                            <m:sty m:val="p"/>
-                          </m:rPr>
-                          <a:rPr lang="sv-SE" b="0" i="0" smtClean="0">
-                            <a:latin typeface="Cambria Math" panose="02040503050406030204" pitchFamily="18" charset="0"/>
-                          </a:rPr>
-                          <m:t>tan</m:t>
-                        </m:r>
-                      </m:fName>
-                      <m:e>
-                        <m:d>
-                          <m:dPr>
-                            <m:ctrlPr>
-                              <a:rPr lang="sv-SE" b="0" i="1" smtClean="0">
-                                <a:latin typeface="Cambria Math" panose="02040503050406030204" pitchFamily="18" charset="0"/>
-                              </a:rPr>
-                            </m:ctrlPr>
-                          </m:dPr>
-                          <m:e>
-                            <m:d>
-                              <m:dPr>
-                                <m:begChr m:val="|"/>
-                                <m:endChr m:val="|"/>
-                                <m:ctrlPr>
-                                  <a:rPr lang="sv-SE" b="0" i="1" smtClean="0">
-                                    <a:latin typeface="Cambria Math" panose="02040503050406030204" pitchFamily="18" charset="0"/>
-                                  </a:rPr>
-                                </m:ctrlPr>
-                              </m:dPr>
-                              <m:e>
-                                <m:r>
-                                  <a:rPr lang="sv-SE" b="0" i="1" smtClean="0">
-                                    <a:latin typeface="Cambria Math" panose="02040503050406030204" pitchFamily="18" charset="0"/>
-                                  </a:rPr>
-                                  <m:t>𝑎</m:t>
-                                </m:r>
-                                <m:r>
-                                  <a:rPr lang="sv-SE" b="0" i="1" smtClean="0">
-                                    <a:latin typeface="Cambria Math" panose="02040503050406030204" pitchFamily="18" charset="0"/>
-                                  </a:rPr>
-                                  <m:t>−</m:t>
-                                </m:r>
-                                <m:r>
-                                  <a:rPr lang="sv-SE" b="0" i="1" smtClean="0">
-                                    <a:latin typeface="Cambria Math" panose="02040503050406030204" pitchFamily="18" charset="0"/>
-                                  </a:rPr>
-                                  <m:t>𝑏</m:t>
-                                </m:r>
-                              </m:e>
-                            </m:d>
-                          </m:e>
-                        </m:d>
-                      </m:e>
-                    </m:func>
-                  </m:oMath>
-                </a14:m>
-                <a:endParaRPr lang="sv-SE" b="0" i="0" dirty="0" smtClean="0"/>
-              </a:p>
-              <a:p>
-                <a:pPr lvl="1" eaLnBrk="1" hangingPunct="1"/>
-                <a:r>
-                  <a:rPr lang="sv-SE" i="0" dirty="0" err="1" smtClean="0"/>
-                  <a:t>Tanh</a:t>
-                </a:r>
-                <a:r>
-                  <a:rPr lang="sv-SE" i="0" dirty="0" smtClean="0"/>
-                  <a:t>: </a:t>
-                </a:r>
-                <a14:m>
-                  <m:oMath xmlns:m="http://schemas.openxmlformats.org/officeDocument/2006/math">
-                    <m:r>
-                      <m:rPr>
-                        <m:sty m:val="p"/>
-                      </m:rPr>
-                      <a:rPr lang="sv-SE" b="0" i="0" smtClean="0">
-                        <a:latin typeface="Cambria Math" panose="02040503050406030204" pitchFamily="18" charset="0"/>
-                      </a:rPr>
-                      <m:t>tanh</m:t>
-                    </m:r>
-                    <m:r>
-                      <a:rPr lang="sv-SE" b="0" i="1" smtClean="0">
-                        <a:latin typeface="Cambria Math" panose="02040503050406030204" pitchFamily="18" charset="0"/>
-                      </a:rPr>
-                      <m:t>⁡(</m:t>
-                    </m:r>
-                    <m:r>
-                      <a:rPr lang="sv-SE" b="0" i="1" smtClean="0">
-                        <a:latin typeface="Cambria Math" panose="02040503050406030204" pitchFamily="18" charset="0"/>
-                      </a:rPr>
-                      <m:t>𝑎</m:t>
-                    </m:r>
-                    <m:r>
-                      <a:rPr lang="sv-SE" b="0" i="1" smtClean="0">
-                        <a:latin typeface="Cambria Math" panose="02040503050406030204" pitchFamily="18" charset="0"/>
-                      </a:rPr>
-                      <m:t>−</m:t>
-                    </m:r>
-                    <m:r>
-                      <a:rPr lang="sv-SE" b="0" i="1" smtClean="0">
-                        <a:latin typeface="Cambria Math" panose="02040503050406030204" pitchFamily="18" charset="0"/>
-                      </a:rPr>
-                      <m:t>𝑏</m:t>
-                    </m:r>
-                    <m:r>
-                      <a:rPr lang="sv-SE" b="0" i="1" smtClean="0">
-                        <a:latin typeface="Cambria Math" panose="02040503050406030204" pitchFamily="18" charset="0"/>
-                      </a:rPr>
-                      <m:t>)</m:t>
-                    </m:r>
-                  </m:oMath>
-                </a14:m>
-                <a:endParaRPr lang="sv-SE" i="0" dirty="0" smtClean="0"/>
-              </a:p>
-              <a:p>
-                <a:pPr eaLnBrk="1" hangingPunct="1"/>
-                <a:r>
-                  <a:rPr lang="sv-SE" i="0" dirty="0" smtClean="0"/>
-                  <a:t>K </a:t>
-                </a:r>
-                <a:r>
-                  <a:rPr lang="sv-SE" i="0" dirty="0" err="1" smtClean="0"/>
-                  <a:t>Nearest</a:t>
-                </a:r>
-                <a:r>
-                  <a:rPr lang="sv-SE" i="0" dirty="0" smtClean="0"/>
-                  <a:t> </a:t>
-                </a:r>
-                <a:r>
-                  <a:rPr lang="sv-SE" i="0" dirty="0" err="1" smtClean="0"/>
-                  <a:t>Neighbour</a:t>
-                </a:r>
-                <a:r>
-                  <a:rPr lang="sv-SE" i="0" dirty="0" smtClean="0"/>
-                  <a:t> (KNN)</a:t>
-                </a:r>
-                <a:endParaRPr lang="sv-SE" i="0" dirty="0" smtClean="0"/>
-              </a:p>
-              <a:p>
-                <a:pPr marL="0" indent="0" eaLnBrk="1" hangingPunct="1">
-                  <a:buNone/>
-                </a:pPr>
-                <a:endParaRPr lang="sv-SE" altLang="sv-SE" b="1" i="0" dirty="0" smtClean="0">
-                  <a:latin typeface="Georgia" panose="02040502050405020303" pitchFamily="18" charset="0"/>
-                  <a:cs typeface="Arial" panose="020B0604020202020204" pitchFamily="34" charset="0"/>
-                </a:endParaRPr>
-              </a:p>
-              <a:p>
-                <a:pPr eaLnBrk="1" hangingPunct="1"/>
-                <a:endParaRPr lang="sv-SE" altLang="sv-SE" i="0" dirty="0">
-                  <a:latin typeface="Georgia" panose="02040502050405020303" pitchFamily="18" charset="0"/>
-                  <a:cs typeface="Arial" panose="020B0604020202020204" pitchFamily="34" charset="0"/>
-                </a:endParaRPr>
-              </a:p>
-              <a:p>
-                <a:pPr eaLnBrk="1" hangingPunct="1"/>
-                <a:endParaRPr lang="sv-SE" altLang="sv-SE" b="1" i="0" dirty="0" smtClean="0">
-                  <a:latin typeface="Georgia" panose="02040502050405020303" pitchFamily="18" charset="0"/>
-                  <a:cs typeface="Arial" panose="020B0604020202020204" pitchFamily="34" charset="0"/>
-                </a:endParaRPr>
-              </a:p>
-            </p:txBody>
-          </p:sp>
-        </mc:Choice>
-        <mc:Fallback>
-          <p:sp>
-            <p:nvSpPr>
-              <p:cNvPr id="14339" name="Content Placeholder 2"/>
-              <p:cNvSpPr>
-                <a:spLocks noGrp="1" noRot="1" noChangeAspect="1" noMove="1" noResize="1" noEditPoints="1" noAdjustHandles="1" noChangeArrowheads="1" noChangeShapeType="1" noTextEdit="1"/>
-              </p:cNvSpPr>
-              <p:nvPr>
-                <p:ph idx="10"/>
-              </p:nvPr>
-            </p:nvSpPr>
-            <p:spPr bwMode="auto">
-              <a:xfrm>
-                <a:off x="1911350" y="2590800"/>
-                <a:ext cx="8382000" cy="5181600"/>
-              </a:xfrm>
-              <a:blipFill rotWithShape="0">
-                <a:blip r:embed="rId3"/>
-                <a:stretch>
-                  <a:fillRect l="-1164" t="-1059"/>
-                </a:stretch>
-              </a:blipFill>
-              <a:extLst>
-                <a:ext uri="{909E8E84-426E-40DD-AFC4-6F175D3DCCD1}">
-                  <a14:hiddenFill xmlns:a14="http://schemas.microsoft.com/office/drawing/2010/main">
-                    <a:solidFill>
-                      <a:srgbClr val="FFFFFF"/>
-                    </a:solidFill>
-                  </a14:hiddenFill>
-                </a:ext>
-                <a:ext uri="{91240B29-F687-4F45-9708-019B960494DF}">
-                  <a14:hiddenLine xmlns:a14="http://schemas.microsoft.com/office/drawing/2010/main" w="9525">
-                    <a:solidFill>
-                      <a:srgbClr val="000000"/>
-                    </a:solidFill>
-                    <a:miter lim="800000"/>
-                    <a:headEnd/>
-                    <a:tailEnd/>
-                  </a14:hiddenLine>
-                </a:ext>
-              </a:extLst>
-            </p:spPr>
-            <p:txBody>
-              <a:bodyPr/>
-              <a:lstStyle/>
-              <a:p>
-                <a:r>
-                  <a:rPr lang="sv-SE">
-                    <a:noFill/>
-                  </a:rPr>
-                  <a:t> </a:t>
-                </a:r>
-              </a:p>
-            </p:txBody>
-          </p:sp>
-        </mc:Fallback>
-      </mc:AlternateContent>
       <p:pic>
         <p:nvPicPr>
-          <p:cNvPr id="2050" name="Picture 2" descr="https://www.byclb.com/TR/Tutorials/neural_networks/ch11_1_dosyalar/image087.jpg"/>
+          <p:cNvPr id="6" name="Content Placeholder 5"/>
           <p:cNvPicPr>
-            <a:picLocks noChangeAspect="1" noChangeArrowheads="1"/>
+            <a:picLocks noGrp="1" noChangeAspect="1"/>
           </p:cNvPicPr>
-          <p:nvPr/>
+          <p:nvPr>
+            <p:ph sz="quarter" idx="10"/>
+          </p:nvPr>
         </p:nvPicPr>
         <p:blipFill>
-          <a:blip r:embed="rId4">
+          <a:blip r:embed="rId3">
             <a:extLst>
               <a:ext uri="{28A0092B-C50C-407E-A947-70E740481C1C}">
                 <a14:useLocalDpi xmlns:a14="http://schemas.microsoft.com/office/drawing/2010/main" val="0"/>
               </a:ext>
             </a:extLst>
           </a:blip>
-          <a:srcRect/>
           <a:stretch>
             <a:fillRect/>
           </a:stretch>
         </p:blipFill>
-        <p:spPr bwMode="auto">
+        <p:spPr>
           <a:xfrm>
-            <a:off x="7582520" y="5236677"/>
-            <a:ext cx="3960440" cy="3636826"/>
+            <a:off x="1911350" y="2815431"/>
+            <a:ext cx="8382000" cy="4732337"/>
           </a:xfrm>
-          <a:prstGeom prst="rect">
-            <a:avLst/>
-          </a:prstGeom>
-          <a:noFill/>
-          <a:extLst>
-            <a:ext uri="{909E8E84-426E-40DD-AFC4-6F175D3DCCD1}">
-              <a14:hiddenFill xmlns:a14="http://schemas.microsoft.com/office/drawing/2010/main">
-                <a:solidFill>
-                  <a:srgbClr val="FFFFFF"/>
-                </a:solidFill>
-              </a14:hiddenFill>
-            </a:ext>
-          </a:extLst>
         </p:spPr>
       </p:pic>
-      <p:sp>
-        <p:nvSpPr>
-          <p:cNvPr id="2" name="Oval 1"/>
-          <p:cNvSpPr/>
-          <p:nvPr/>
-        </p:nvSpPr>
-        <p:spPr bwMode="auto">
-          <a:xfrm>
-            <a:off x="10678864" y="8333184"/>
-            <a:ext cx="144016" cy="144016"/>
-          </a:xfrm>
-          <a:prstGeom prst="ellipse">
-            <a:avLst/>
-          </a:prstGeom>
-          <a:solidFill>
-            <a:schemeClr val="tx1"/>
-          </a:solidFill>
-          <a:ln>
-            <a:headEnd type="none" w="med" len="med"/>
-            <a:tailEnd type="none" w="med" len="med"/>
-          </a:ln>
-        </p:spPr>
-        <p:style>
-          <a:lnRef idx="2">
-            <a:schemeClr val="dk1"/>
-          </a:lnRef>
-          <a:fillRef idx="1">
-            <a:schemeClr val="lt1"/>
-          </a:fillRef>
-          <a:effectRef idx="0">
-            <a:schemeClr val="dk1"/>
-          </a:effectRef>
-          <a:fontRef idx="minor">
-            <a:schemeClr val="dk1"/>
-          </a:fontRef>
-        </p:style>
-        <p:txBody>
-          <a:bodyPr vert="horz" wrap="square" lIns="91440" tIns="45720" rIns="91440" bIns="45720" numCol="1" rtlCol="0" anchor="t" anchorCtr="0" compatLnSpc="1">
-            <a:prstTxWarp prst="textNoShape">
-              <a:avLst/>
-            </a:prstTxWarp>
-          </a:bodyPr>
-          <a:lstStyle/>
-          <a:p>
-            <a:pPr marL="0" marR="0" indent="0" algn="ctr" defTabSz="914400" rtl="0" eaLnBrk="1" fontAlgn="base" latinLnBrk="0" hangingPunct="1">
-              <a:lnSpc>
-                <a:spcPct val="100000"/>
-              </a:lnSpc>
-              <a:spcBef>
-                <a:spcPct val="0"/>
-              </a:spcBef>
-              <a:spcAft>
-                <a:spcPct val="0"/>
-              </a:spcAft>
-              <a:buClrTx/>
-              <a:buSzTx/>
-              <a:buFontTx/>
-              <a:buNone/>
-              <a:tabLst/>
-            </a:pPr>
-            <a:endParaRPr kumimoji="0" lang="sv-SE" sz="4200" i="0" u="none" strike="noStrike" normalizeH="0" baseline="0">
-              <a:ln w="0"/>
-              <a:solidFill>
-                <a:schemeClr val="tx1"/>
-              </a:solidFill>
-              <a:effectLst>
-                <a:outerShdw blurRad="38100" dist="19050" dir="2700000" algn="tl" rotWithShape="0">
-                  <a:schemeClr val="dk1">
-                    <a:alpha val="40000"/>
-                  </a:schemeClr>
-                </a:outerShdw>
-              </a:effectLst>
-              <a:latin typeface="Gill Sans" charset="0"/>
-              <a:ea typeface="ヒラギノ角ゴ ProN W3" charset="-128"/>
-              <a:cs typeface="ヒラギノ角ゴ ProN W3" charset="-128"/>
-              <a:sym typeface="Gill Sans" charset="0"/>
-            </a:endParaRPr>
-          </a:p>
-        </p:txBody>
-      </p:sp>
-      <p:cxnSp>
-        <p:nvCxnSpPr>
-          <p:cNvPr id="4" name="Straight Arrow Connector 3"/>
-          <p:cNvCxnSpPr>
-            <a:stCxn id="2" idx="2"/>
-          </p:cNvCxnSpPr>
-          <p:nvPr/>
-        </p:nvCxnSpPr>
-        <p:spPr bwMode="auto">
-          <a:xfrm flipH="1" flipV="1">
-            <a:off x="10102800" y="8117160"/>
-            <a:ext cx="576064" cy="288032"/>
-          </a:xfrm>
-          <a:prstGeom prst="straightConnector1">
-            <a:avLst/>
-          </a:prstGeom>
-          <a:ln>
-            <a:headEnd type="none" w="med" len="med"/>
-            <a:tailEnd type="triangle"/>
-          </a:ln>
-        </p:spPr>
-        <p:style>
-          <a:lnRef idx="1">
-            <a:schemeClr val="dk1"/>
-          </a:lnRef>
-          <a:fillRef idx="0">
-            <a:schemeClr val="dk1"/>
-          </a:fillRef>
-          <a:effectRef idx="0">
-            <a:schemeClr val="dk1"/>
-          </a:effectRef>
-          <a:fontRef idx="minor">
-            <a:schemeClr val="tx1"/>
-          </a:fontRef>
-        </p:style>
-      </p:cxnSp>
-      <p:cxnSp>
-        <p:nvCxnSpPr>
-          <p:cNvPr id="8" name="Straight Arrow Connector 7"/>
-          <p:cNvCxnSpPr>
-            <a:stCxn id="2" idx="1"/>
-          </p:cNvCxnSpPr>
-          <p:nvPr/>
-        </p:nvCxnSpPr>
-        <p:spPr bwMode="auto">
-          <a:xfrm flipH="1" flipV="1">
-            <a:off x="10102800" y="7736083"/>
-            <a:ext cx="597155" cy="618192"/>
-          </a:xfrm>
-          <a:prstGeom prst="straightConnector1">
-            <a:avLst/>
-          </a:prstGeom>
-          <a:ln>
-            <a:headEnd type="none" w="med" len="med"/>
-            <a:tailEnd type="triangle"/>
-          </a:ln>
-        </p:spPr>
-        <p:style>
-          <a:lnRef idx="1">
-            <a:schemeClr val="dk1"/>
-          </a:lnRef>
-          <a:fillRef idx="0">
-            <a:schemeClr val="dk1"/>
-          </a:fillRef>
-          <a:effectRef idx="0">
-            <a:schemeClr val="dk1"/>
-          </a:effectRef>
-          <a:fontRef idx="minor">
-            <a:schemeClr val="tx1"/>
-          </a:fontRef>
-        </p:style>
-      </p:cxnSp>
-      <p:cxnSp>
-        <p:nvCxnSpPr>
-          <p:cNvPr id="11" name="Straight Arrow Connector 10"/>
-          <p:cNvCxnSpPr>
-            <a:stCxn id="2" idx="3"/>
-          </p:cNvCxnSpPr>
-          <p:nvPr/>
-        </p:nvCxnSpPr>
-        <p:spPr bwMode="auto">
-          <a:xfrm flipH="1" flipV="1">
-            <a:off x="9670752" y="8271722"/>
-            <a:ext cx="1029203" cy="184387"/>
-          </a:xfrm>
-          <a:prstGeom prst="straightConnector1">
-            <a:avLst/>
-          </a:prstGeom>
-          <a:ln>
-            <a:headEnd type="none" w="med" len="med"/>
-            <a:tailEnd type="triangle"/>
-          </a:ln>
-        </p:spPr>
-        <p:style>
-          <a:lnRef idx="1">
-            <a:schemeClr val="dk1"/>
-          </a:lnRef>
-          <a:fillRef idx="0">
-            <a:schemeClr val="dk1"/>
-          </a:fillRef>
-          <a:effectRef idx="0">
-            <a:schemeClr val="dk1"/>
-          </a:effectRef>
-          <a:fontRef idx="minor">
-            <a:schemeClr val="tx1"/>
-          </a:fontRef>
-        </p:style>
-      </p:cxnSp>
-      <p:cxnSp>
-        <p:nvCxnSpPr>
-          <p:cNvPr id="14" name="Straight Arrow Connector 13"/>
-          <p:cNvCxnSpPr>
-            <a:stCxn id="2" idx="4"/>
-          </p:cNvCxnSpPr>
-          <p:nvPr/>
-        </p:nvCxnSpPr>
-        <p:spPr bwMode="auto">
-          <a:xfrm flipH="1" flipV="1">
-            <a:off x="9886776" y="8153478"/>
-            <a:ext cx="864096" cy="323722"/>
-          </a:xfrm>
-          <a:prstGeom prst="straightConnector1">
-            <a:avLst/>
-          </a:prstGeom>
-          <a:ln>
-            <a:headEnd type="none" w="med" len="med"/>
-            <a:tailEnd type="triangle"/>
-          </a:ln>
-        </p:spPr>
-        <p:style>
-          <a:lnRef idx="1">
-            <a:schemeClr val="dk1"/>
-          </a:lnRef>
-          <a:fillRef idx="0">
-            <a:schemeClr val="dk1"/>
-          </a:fillRef>
-          <a:effectRef idx="0">
-            <a:schemeClr val="dk1"/>
-          </a:effectRef>
-          <a:fontRef idx="minor">
-            <a:schemeClr val="tx1"/>
-          </a:fontRef>
-        </p:style>
-      </p:cxnSp>
-      <p:cxnSp>
-        <p:nvCxnSpPr>
-          <p:cNvPr id="17" name="Straight Arrow Connector 16"/>
-          <p:cNvCxnSpPr/>
-          <p:nvPr/>
-        </p:nvCxnSpPr>
-        <p:spPr bwMode="auto">
-          <a:xfrm flipV="1">
-            <a:off x="10750872" y="7634250"/>
-            <a:ext cx="21091" cy="821859"/>
-          </a:xfrm>
-          <a:prstGeom prst="straightConnector1">
-            <a:avLst/>
-          </a:prstGeom>
-          <a:ln>
-            <a:headEnd type="none" w="med" len="med"/>
-            <a:tailEnd type="triangle"/>
-          </a:ln>
-        </p:spPr>
-        <p:style>
-          <a:lnRef idx="1">
-            <a:schemeClr val="dk1"/>
-          </a:lnRef>
-          <a:fillRef idx="0">
-            <a:schemeClr val="dk1"/>
-          </a:fillRef>
-          <a:effectRef idx="0">
-            <a:schemeClr val="dk1"/>
-          </a:effectRef>
-          <a:fontRef idx="minor">
-            <a:schemeClr val="tx1"/>
-          </a:fontRef>
-        </p:style>
-      </p:cxnSp>
     </p:spTree>
     <p:extLst>
       <p:ext uri="{BB962C8B-B14F-4D97-AF65-F5344CB8AC3E}">
-        <p14:creationId xmlns:p14="http://schemas.microsoft.com/office/powerpoint/2010/main" val="4213971215"/>
+        <p14:creationId xmlns:p14="http://schemas.microsoft.com/office/powerpoint/2010/main" val="986172348"/>
       </p:ext>
     </p:extLst>
   </p:cSld>
@@ -25890,7 +27876,7 @@
       </p:grpSpPr>
       <p:sp>
         <p:nvSpPr>
-          <p:cNvPr id="18434" name="Title 1"/>
+          <p:cNvPr id="2" name="Title 1"/>
           <p:cNvSpPr>
             <a:spLocks noGrp="1"/>
           </p:cNvSpPr>
@@ -25898,237 +27884,126 @@
             <p:ph type="title"/>
           </p:nvPr>
         </p:nvSpPr>
+        <p:spPr/>
+        <p:txBody>
+          <a:bodyPr/>
+          <a:lstStyle/>
+          <a:p>
+            <a:r>
+              <a:rPr lang="sv-SE" dirty="0" err="1" smtClean="0"/>
+              <a:t>Frame</a:t>
+            </a:r>
+            <a:r>
+              <a:rPr lang="sv-SE" dirty="0" smtClean="0"/>
+              <a:t> scanning the signal</a:t>
+            </a:r>
+            <a:endParaRPr lang="sv-SE" dirty="0"/>
+          </a:p>
+        </p:txBody>
+      </p:sp>
+      <p:pic>
+        <p:nvPicPr>
+          <p:cNvPr id="6" name="Content Placeholder 5"/>
+          <p:cNvPicPr>
+            <a:picLocks noGrp="1" noChangeAspect="1"/>
+          </p:cNvPicPr>
+          <p:nvPr>
+            <p:ph sz="quarter" idx="10"/>
+          </p:nvPr>
+        </p:nvPicPr>
+        <p:blipFill>
+          <a:blip r:embed="rId3">
+            <a:extLst>
+              <a:ext uri="{28A0092B-C50C-407E-A947-70E740481C1C}">
+                <a14:useLocalDpi xmlns:a14="http://schemas.microsoft.com/office/drawing/2010/main" val="0"/>
+              </a:ext>
+            </a:extLst>
+          </a:blip>
+          <a:stretch>
+            <a:fillRect/>
+          </a:stretch>
+        </p:blipFill>
+        <p:spPr>
+          <a:xfrm>
+            <a:off x="1911350" y="2815431"/>
+            <a:ext cx="8382000" cy="4732337"/>
+          </a:xfrm>
+        </p:spPr>
+      </p:pic>
+      <p:sp>
+        <p:nvSpPr>
+          <p:cNvPr id="7" name="Rectangle 6"/>
+          <p:cNvSpPr/>
+          <p:nvPr/>
+        </p:nvSpPr>
         <p:spPr bwMode="auto">
           <a:xfrm>
-            <a:off x="1911350" y="1131888"/>
-            <a:ext cx="8382000" cy="952500"/>
+            <a:off x="3006000" y="3135600"/>
+            <a:ext cx="648072" cy="3888432"/>
           </a:xfrm>
-          <a:noFill/>
-          <a:extLst>
-            <a:ext uri="{909E8E84-426E-40DD-AFC4-6F175D3DCCD1}">
-              <a14:hiddenFill xmlns:a14="http://schemas.microsoft.com/office/drawing/2010/main">
-                <a:solidFill>
-                  <a:srgbClr val="FFFFFF"/>
-                </a:solidFill>
-              </a14:hiddenFill>
-            </a:ext>
-            <a:ext uri="{91240B29-F687-4F45-9708-019B960494DF}">
-              <a14:hiddenLine xmlns:a14="http://schemas.microsoft.com/office/drawing/2010/main" w="9525">
-                <a:solidFill>
-                  <a:srgbClr val="000000"/>
-                </a:solidFill>
-                <a:miter lim="800000"/>
-                <a:headEnd/>
-                <a:tailEnd/>
-              </a14:hiddenLine>
-            </a:ext>
-          </a:extLst>
+          <a:prstGeom prst="rect">
+            <a:avLst/>
+          </a:prstGeom>
+          <a:solidFill>
+            <a:schemeClr val="accent1">
+              <a:alpha val="41000"/>
+            </a:schemeClr>
+          </a:solidFill>
+          <a:ln w="25400" cap="flat" cmpd="sng" algn="ctr">
+            <a:noFill/>
+            <a:prstDash val="solid"/>
+            <a:round/>
+            <a:headEnd type="none" w="med" len="med"/>
+            <a:tailEnd type="none" w="med" len="med"/>
+          </a:ln>
+          <a:effectLst/>
         </p:spPr>
         <p:txBody>
-          <a:bodyPr vert="horz" wrap="square" lIns="91440" tIns="45720" rIns="91440" bIns="45720" numCol="1" compatLnSpc="1">
+          <a:bodyPr vert="horz" wrap="square" lIns="91440" tIns="45720" rIns="91440" bIns="45720" numCol="1" rtlCol="0" anchor="t" anchorCtr="0" compatLnSpc="1">
             <a:prstTxWarp prst="textNoShape">
               <a:avLst/>
             </a:prstTxWarp>
           </a:bodyPr>
           <a:lstStyle/>
           <a:p>
-            <a:pPr eaLnBrk="1" hangingPunct="1">
+            <a:pPr marL="0" marR="0" indent="0" algn="ctr" defTabSz="914400" rtl="0" eaLnBrk="1" fontAlgn="base" latinLnBrk="0" hangingPunct="1">
               <a:lnSpc>
-                <a:spcPct val="90000"/>
+                <a:spcPct val="100000"/>
               </a:lnSpc>
+              <a:spcBef>
+                <a:spcPct val="0"/>
+              </a:spcBef>
+              <a:spcAft>
+                <a:spcPct val="0"/>
+              </a:spcAft>
+              <a:buClrTx/>
+              <a:buSzTx/>
+              <a:buFontTx/>
+              <a:buNone/>
+              <a:tabLst/>
             </a:pPr>
-            <a:r>
-              <a:rPr lang="sv-SE" altLang="sv-SE" dirty="0" smtClean="0">
-                <a:latin typeface="Arial" panose="020B0604020202020204" pitchFamily="34" charset="0"/>
-                <a:cs typeface="Arial" panose="020B0604020202020204" pitchFamily="34" charset="0"/>
-                <a:sym typeface="Arial" panose="020B0604020202020204" pitchFamily="34" charset="0"/>
-              </a:rPr>
-              <a:t>Results and future work</a:t>
-            </a:r>
-            <a:endParaRPr lang="sv-SE" altLang="sv-SE" sz="3200" dirty="0" smtClean="0">
-              <a:latin typeface="Arial" panose="020B0604020202020204" pitchFamily="34" charset="0"/>
-              <a:cs typeface="Arial" panose="020B0604020202020204" pitchFamily="34" charset="0"/>
-            </a:endParaRPr>
-          </a:p>
-        </p:txBody>
-      </p:sp>
-      <p:sp>
-        <p:nvSpPr>
-          <p:cNvPr id="18435" name="Content Placeholder 2"/>
-          <p:cNvSpPr>
-            <a:spLocks noGrp="1"/>
-          </p:cNvSpPr>
-          <p:nvPr>
-            <p:ph idx="10"/>
-          </p:nvPr>
-        </p:nvSpPr>
-        <p:spPr bwMode="auto">
-          <a:xfrm>
-            <a:off x="1911350" y="2590800"/>
-            <a:ext cx="10352088" cy="5181600"/>
-          </a:xfrm>
-          <a:noFill/>
-          <a:extLst>
-            <a:ext uri="{909E8E84-426E-40DD-AFC4-6F175D3DCCD1}">
-              <a14:hiddenFill xmlns:a14="http://schemas.microsoft.com/office/drawing/2010/main">
-                <a:solidFill>
-                  <a:srgbClr val="FFFFFF"/>
-                </a:solidFill>
-              </a14:hiddenFill>
-            </a:ext>
-            <a:ext uri="{91240B29-F687-4F45-9708-019B960494DF}">
-              <a14:hiddenLine xmlns:a14="http://schemas.microsoft.com/office/drawing/2010/main" w="9525">
-                <a:solidFill>
-                  <a:srgbClr val="000000"/>
-                </a:solidFill>
-                <a:miter lim="800000"/>
-                <a:headEnd/>
-                <a:tailEnd/>
-              </a14:hiddenLine>
-            </a:ext>
-          </a:extLst>
-        </p:spPr>
-        <p:txBody>
-          <a:bodyPr wrap="square" lIns="91440" tIns="45720" rIns="91440" bIns="45720" numCol="1" anchor="t" anchorCtr="0" compatLnSpc="1">
-            <a:prstTxWarp prst="textNoShape">
-              <a:avLst/>
-            </a:prstTxWarp>
-          </a:bodyPr>
-          <a:lstStyle/>
-          <a:p>
-            <a:r>
-              <a:rPr lang="sv-SE" altLang="sv-SE" sz="2400" i="0" dirty="0" smtClean="0">
-                <a:latin typeface="Georgia" panose="02040502050405020303" pitchFamily="18" charset="0"/>
-                <a:cs typeface="Arial" panose="020B0604020202020204" pitchFamily="34" charset="0"/>
-                <a:sym typeface="Georgia" panose="02040502050405020303" pitchFamily="18" charset="0"/>
-              </a:rPr>
-              <a:t>The current database containes cases for </a:t>
-            </a:r>
-            <a:r>
-              <a:rPr lang="sv-SE" altLang="sv-SE" sz="2400" i="0" dirty="0" smtClean="0">
-                <a:latin typeface="Georgia" panose="02040502050405020303" pitchFamily="18" charset="0"/>
-                <a:cs typeface="Arial" panose="020B0604020202020204" pitchFamily="34" charset="0"/>
-                <a:sym typeface="Georgia" panose="02040502050405020303" pitchFamily="18" charset="0"/>
-              </a:rPr>
-              <a:t>8 different </a:t>
-            </a:r>
-            <a:r>
-              <a:rPr lang="sv-SE" altLang="sv-SE" sz="2400" i="0" dirty="0" smtClean="0">
-                <a:latin typeface="Georgia" panose="02040502050405020303" pitchFamily="18" charset="0"/>
-                <a:cs typeface="Arial" panose="020B0604020202020204" pitchFamily="34" charset="0"/>
-                <a:sym typeface="Georgia" panose="02040502050405020303" pitchFamily="18" charset="0"/>
-              </a:rPr>
-              <a:t>birds</a:t>
-            </a:r>
-          </a:p>
-          <a:p>
-            <a:pPr lvl="1"/>
-            <a:r>
-              <a:rPr lang="sv-SE" altLang="sv-SE" sz="2200" i="0" dirty="0" smtClean="0">
-                <a:latin typeface="Georgia" panose="02040502050405020303" pitchFamily="18" charset="0"/>
-                <a:cs typeface="Arial" panose="020B0604020202020204" pitchFamily="34" charset="0"/>
-                <a:sym typeface="Georgia" panose="02040502050405020303" pitchFamily="18" charset="0"/>
-              </a:rPr>
-              <a:t>Blåhake, Bofink, Grönsångare, Gök, Koltrast, Näktergal, Rödhake, Talgoxe</a:t>
-            </a:r>
-          </a:p>
-          <a:p>
-            <a:r>
-              <a:rPr lang="sv-SE" altLang="sv-SE" sz="2400" i="0" dirty="0" smtClean="0">
-                <a:latin typeface="Georgia" panose="02040502050405020303" pitchFamily="18" charset="0"/>
-                <a:cs typeface="Arial" panose="020B0604020202020204" pitchFamily="34" charset="0"/>
-                <a:sym typeface="Georgia" panose="02040502050405020303" pitchFamily="18" charset="0"/>
-              </a:rPr>
-              <a:t>Total number of cases: </a:t>
-            </a:r>
-            <a:r>
-              <a:rPr lang="sv-SE" altLang="sv-SE" sz="2400" i="0" dirty="0" err="1" smtClean="0">
-                <a:latin typeface="Georgia" panose="02040502050405020303" pitchFamily="18" charset="0"/>
-                <a:cs typeface="Arial" panose="020B0604020202020204" pitchFamily="34" charset="0"/>
-                <a:sym typeface="Georgia" panose="02040502050405020303" pitchFamily="18" charset="0"/>
-              </a:rPr>
-              <a:t>arbitrary</a:t>
-            </a:r>
-            <a:r>
-              <a:rPr lang="sv-SE" altLang="sv-SE" sz="2400" i="0" dirty="0">
-                <a:latin typeface="Georgia" panose="02040502050405020303" pitchFamily="18" charset="0"/>
-                <a:cs typeface="Arial" panose="020B0604020202020204" pitchFamily="34" charset="0"/>
-                <a:sym typeface="Georgia" panose="02040502050405020303" pitchFamily="18" charset="0"/>
-              </a:rPr>
-              <a:t> </a:t>
-            </a:r>
-            <a:r>
-              <a:rPr lang="sv-SE" altLang="sv-SE" sz="2400" i="0" dirty="0" err="1" smtClean="0">
-                <a:latin typeface="Georgia" panose="02040502050405020303" pitchFamily="18" charset="0"/>
-                <a:cs typeface="Arial" panose="020B0604020202020204" pitchFamily="34" charset="0"/>
-                <a:sym typeface="Georgia" panose="02040502050405020303" pitchFamily="18" charset="0"/>
-              </a:rPr>
-              <a:t>depending</a:t>
-            </a:r>
-            <a:r>
-              <a:rPr lang="sv-SE" altLang="sv-SE" sz="2400" i="0" dirty="0" smtClean="0">
-                <a:latin typeface="Georgia" panose="02040502050405020303" pitchFamily="18" charset="0"/>
-                <a:cs typeface="Arial" panose="020B0604020202020204" pitchFamily="34" charset="0"/>
-                <a:sym typeface="Georgia" panose="02040502050405020303" pitchFamily="18" charset="0"/>
-              </a:rPr>
-              <a:t> on the HDD</a:t>
-            </a:r>
-            <a:endParaRPr lang="sv-SE" altLang="sv-SE" sz="2400" i="0" dirty="0" smtClean="0">
-              <a:latin typeface="Georgia" panose="02040502050405020303" pitchFamily="18" charset="0"/>
-              <a:cs typeface="Arial" panose="020B0604020202020204" pitchFamily="34" charset="0"/>
-              <a:sym typeface="Georgia" panose="02040502050405020303" pitchFamily="18" charset="0"/>
-            </a:endParaRPr>
-          </a:p>
-          <a:p>
-            <a:r>
-              <a:rPr lang="sv-SE" altLang="sv-SE" sz="2400" i="0" dirty="0" smtClean="0">
-                <a:latin typeface="Georgia" panose="02040502050405020303" pitchFamily="18" charset="0"/>
-                <a:cs typeface="Arial" panose="020B0604020202020204" pitchFamily="34" charset="0"/>
-                <a:sym typeface="Georgia" panose="02040502050405020303" pitchFamily="18" charset="0"/>
-              </a:rPr>
-              <a:t>The CBR system can classify with n% accuracy</a:t>
-            </a:r>
-          </a:p>
-          <a:p>
-            <a:r>
-              <a:rPr lang="sv-SE" altLang="sv-SE" sz="2400" i="0" dirty="0" smtClean="0">
-                <a:latin typeface="Georgia" panose="02040502050405020303" pitchFamily="18" charset="0"/>
-                <a:cs typeface="Arial" panose="020B0604020202020204" pitchFamily="34" charset="0"/>
-                <a:sym typeface="Georgia" panose="02040502050405020303" pitchFamily="18" charset="0"/>
-              </a:rPr>
-              <a:t>Gain accuracy by using more appropriate features</a:t>
-            </a:r>
-          </a:p>
-          <a:p>
-            <a:r>
-              <a:rPr lang="sv-SE" altLang="sv-SE" sz="2400" i="0" dirty="0" smtClean="0">
-                <a:latin typeface="Georgia" panose="02040502050405020303" pitchFamily="18" charset="0"/>
-                <a:cs typeface="Arial" panose="020B0604020202020204" pitchFamily="34" charset="0"/>
-                <a:sym typeface="Georgia" panose="02040502050405020303" pitchFamily="18" charset="0"/>
-              </a:rPr>
-              <a:t>Test for classification of other animals such as whales when the accuracy is gained.</a:t>
-            </a:r>
-          </a:p>
-          <a:p>
-            <a:r>
-              <a:rPr lang="sv-SE" altLang="sv-SE" sz="2400" i="0" dirty="0" smtClean="0">
-                <a:latin typeface="Georgia" panose="02040502050405020303" pitchFamily="18" charset="0"/>
-                <a:cs typeface="Arial" panose="020B0604020202020204" pitchFamily="34" charset="0"/>
-                <a:sym typeface="Georgia" panose="02040502050405020303" pitchFamily="18" charset="0"/>
-              </a:rPr>
-              <a:t>Song pattern recognition</a:t>
-            </a:r>
-          </a:p>
-          <a:p>
-            <a:endParaRPr lang="sv-SE" altLang="sv-SE" sz="2400" i="0" dirty="0" smtClean="0">
-              <a:latin typeface="Georgia" panose="02040502050405020303" pitchFamily="18" charset="0"/>
-              <a:cs typeface="Arial" panose="020B0604020202020204" pitchFamily="34" charset="0"/>
-              <a:sym typeface="Georgia" panose="02040502050405020303" pitchFamily="18" charset="0"/>
+            <a:endParaRPr kumimoji="0" lang="sv-SE" sz="4200" b="0" i="0" u="none" strike="noStrike" cap="none" normalizeH="0" baseline="0">
+              <a:ln>
+                <a:noFill/>
+              </a:ln>
+              <a:solidFill>
+                <a:srgbClr val="FFFFFF"/>
+              </a:solidFill>
+              <a:effectLst/>
+              <a:latin typeface="Gill Sans" charset="0"/>
+              <a:ea typeface="ヒラギノ角ゴ ProN W3" charset="-128"/>
+              <a:cs typeface="ヒラギノ角ゴ ProN W3" charset="-128"/>
+              <a:sym typeface="Gill Sans" charset="0"/>
             </a:endParaRPr>
           </a:p>
         </p:txBody>
       </p:sp>
     </p:spTree>
+    <p:extLst>
+      <p:ext uri="{BB962C8B-B14F-4D97-AF65-F5344CB8AC3E}">
+        <p14:creationId xmlns:p14="http://schemas.microsoft.com/office/powerpoint/2010/main" val="2887834260"/>
+      </p:ext>
+    </p:extLst>
   </p:cSld>
   <p:clrMapOvr>
     <a:masterClrMapping/>
@@ -26137,9 +28012,75 @@
   <p:timing>
     <p:tnLst>
       <p:par>
-        <p:cTn id="1" dur="indefinite" restart="never" nodeType="tmRoot"/>
+        <p:cTn id="1" dur="indefinite" restart="never" nodeType="tmRoot">
+          <p:childTnLst>
+            <p:seq concurrent="1" nextAc="seek">
+              <p:cTn id="2" dur="indefinite" nodeType="mainSeq">
+                <p:childTnLst>
+                  <p:par>
+                    <p:cTn id="3" fill="hold">
+                      <p:stCondLst>
+                        <p:cond delay="indefinite"/>
+                      </p:stCondLst>
+                      <p:childTnLst>
+                        <p:par>
+                          <p:cTn id="4" fill="hold">
+                            <p:stCondLst>
+                              <p:cond delay="0"/>
+                            </p:stCondLst>
+                            <p:childTnLst>
+                              <p:par>
+                                <p:cTn id="5" presetID="63" presetClass="path" presetSubtype="0" decel="5000" fill="hold" grpId="0" nodeType="clickEffect">
+                                  <p:stCondLst>
+                                    <p:cond delay="0"/>
+                                  </p:stCondLst>
+                                  <p:childTnLst>
+                                    <p:animMotion origin="layout" path="M -3.51563E-6 -3.33333E-6 L 0.29627 -3.33333E-6 " pathEditMode="relative" rAng="0" ptsTypes="AA">
+                                      <p:cBhvr>
+                                        <p:cTn id="6" dur="10000" fill="hold"/>
+                                        <p:tgtEl>
+                                          <p:spTgt spid="7"/>
+                                        </p:tgtEl>
+                                        <p:attrNameLst>
+                                          <p:attrName>ppt_x</p:attrName>
+                                          <p:attrName>ppt_y</p:attrName>
+                                        </p:attrNameLst>
+                                      </p:cBhvr>
+                                      <p:rCtr x="14807" y="0"/>
+                                    </p:animMotion>
+                                  </p:childTnLst>
+                                </p:cTn>
+                              </p:par>
+                            </p:childTnLst>
+                          </p:cTn>
+                        </p:par>
+                      </p:childTnLst>
+                    </p:cTn>
+                  </p:par>
+                </p:childTnLst>
+              </p:cTn>
+              <p:prevCondLst>
+                <p:cond evt="onPrev" delay="0">
+                  <p:tgtEl>
+                    <p:sldTgt/>
+                  </p:tgtEl>
+                </p:cond>
+              </p:prevCondLst>
+              <p:nextCondLst>
+                <p:cond evt="onNext" delay="0">
+                  <p:tgtEl>
+                    <p:sldTgt/>
+                  </p:tgtEl>
+                </p:cond>
+              </p:nextCondLst>
+            </p:seq>
+          </p:childTnLst>
+        </p:cTn>
       </p:par>
     </p:tnLst>
+    <p:bldLst>
+      <p:bldP spid="7" grpId="0" animBg="1"/>
+    </p:bldLst>
   </p:timing>
 </p:sld>
 </file>
@@ -26163,7 +28104,7 @@
       </p:grpSpPr>
       <p:sp>
         <p:nvSpPr>
-          <p:cNvPr id="13314" name="Title 6"/>
+          <p:cNvPr id="2" name="Title 1"/>
           <p:cNvSpPr>
             <a:spLocks noGrp="1"/>
           </p:cNvSpPr>
@@ -26171,171 +28112,64 @@
             <p:ph type="title"/>
           </p:nvPr>
         </p:nvSpPr>
-        <p:spPr>
-          <a:xfrm>
-            <a:off x="720725" y="1638300"/>
-            <a:ext cx="8382000" cy="3302000"/>
-          </a:xfrm>
-          <a:noFill/>
-          <a:ln w="9525"/>
-          <a:extLst>
-            <a:ext uri="{909E8E84-426E-40DD-AFC4-6F175D3DCCD1}">
-              <a14:hiddenFill xmlns:a14="http://schemas.microsoft.com/office/drawing/2010/main">
-                <a:solidFill>
-                  <a:srgbClr val="FFFFFF"/>
-                </a:solidFill>
-              </a14:hiddenFill>
-            </a:ext>
-            <a:ext uri="{91240B29-F687-4F45-9708-019B960494DF}">
-              <a14:hiddenLine xmlns:a14="http://schemas.microsoft.com/office/drawing/2010/main" w="12700">
-                <a:solidFill>
-                  <a:srgbClr val="000000"/>
-                </a:solidFill>
-                <a:miter lim="800000"/>
-                <a:headEnd/>
-                <a:tailEnd/>
-              </a14:hiddenLine>
-            </a:ext>
-          </a:extLst>
-        </p:spPr>
+        <p:spPr/>
         <p:txBody>
           <a:bodyPr/>
           <a:lstStyle/>
           <a:p>
-            <a:pPr eaLnBrk="1" hangingPunct="1"/>
-            <a:r>
-              <a:rPr lang="en-US" altLang="sv-SE" sz="5500" dirty="0" smtClean="0">
-                <a:latin typeface="Arial" panose="020B0604020202020204" pitchFamily="34" charset="0"/>
-                <a:cs typeface="Arial" panose="020B0604020202020204" pitchFamily="34" charset="0"/>
-                <a:sym typeface="Arial" panose="020B0604020202020204" pitchFamily="34" charset="0"/>
-              </a:rPr>
-              <a:t>Bird classification by sound using Case-Based Reasoning</a:t>
-            </a:r>
-            <a:endParaRPr lang="sv-SE" altLang="sv-SE" sz="5500" dirty="0" smtClean="0">
-              <a:latin typeface="Arial" panose="020B0604020202020204" pitchFamily="34" charset="0"/>
-              <a:cs typeface="Arial" panose="020B0604020202020204" pitchFamily="34" charset="0"/>
-            </a:endParaRPr>
+            <a:r>
+              <a:rPr lang="sv-SE" dirty="0" smtClean="0"/>
+              <a:t>FFT </a:t>
+            </a:r>
+            <a:r>
+              <a:rPr lang="sv-SE" dirty="0" err="1" smtClean="0"/>
+              <a:t>of</a:t>
+            </a:r>
+            <a:r>
+              <a:rPr lang="sv-SE" dirty="0" smtClean="0"/>
+              <a:t> the </a:t>
+            </a:r>
+            <a:r>
+              <a:rPr lang="sv-SE" dirty="0" err="1" smtClean="0"/>
+              <a:t>frame</a:t>
+            </a:r>
+            <a:endParaRPr lang="sv-SE" dirty="0"/>
           </a:p>
         </p:txBody>
       </p:sp>
-      <p:sp>
-        <p:nvSpPr>
-          <p:cNvPr id="13315" name="Content Placeholder 3"/>
-          <p:cNvSpPr>
-            <a:spLocks noGrp="1"/>
-          </p:cNvSpPr>
-          <p:nvPr>
-            <p:ph idx="1"/>
-          </p:nvPr>
-        </p:nvSpPr>
+      <p:pic>
+        <p:nvPicPr>
+          <p:cNvPr id="6" name="Content Placeholder 3"/>
+          <p:cNvPicPr>
+            <a:picLocks noChangeAspect="1"/>
+          </p:cNvPicPr>
+          <p:nvPr/>
+        </p:nvPicPr>
+        <p:blipFill rotWithShape="1">
+          <a:blip r:embed="rId2">
+            <a:extLst>
+              <a:ext uri="{28A0092B-C50C-407E-A947-70E740481C1C}">
+                <a14:useLocalDpi xmlns:a14="http://schemas.microsoft.com/office/drawing/2010/main" val="0"/>
+              </a:ext>
+            </a:extLst>
+          </a:blip>
+          <a:srcRect l="31106" t="37211" r="36121" b="6976"/>
+          <a:stretch/>
+        </p:blipFill>
         <p:spPr>
           <a:xfrm>
-            <a:off x="720724" y="5029200"/>
-            <a:ext cx="9310067" cy="1130300"/>
+            <a:off x="3622080" y="3796680"/>
+            <a:ext cx="4248472" cy="3456384"/>
           </a:xfrm>
-          <a:noFill/>
-          <a:ln w="9525"/>
-          <a:extLst>
-            <a:ext uri="{909E8E84-426E-40DD-AFC4-6F175D3DCCD1}">
-              <a14:hiddenFill xmlns:a14="http://schemas.microsoft.com/office/drawing/2010/main">
-                <a:solidFill>
-                  <a:srgbClr val="FFFFFF"/>
-                </a:solidFill>
-              </a14:hiddenFill>
-            </a:ext>
-            <a:ext uri="{91240B29-F687-4F45-9708-019B960494DF}">
-              <a14:hiddenLine xmlns:a14="http://schemas.microsoft.com/office/drawing/2010/main" w="12700">
-                <a:solidFill>
-                  <a:srgbClr val="000000"/>
-                </a:solidFill>
-                <a:miter lim="800000"/>
-                <a:headEnd/>
-                <a:tailEnd/>
-              </a14:hiddenLine>
-            </a:ext>
-          </a:extLst>
+          <a:prstGeom prst="rect">
+            <a:avLst/>
+          </a:prstGeom>
         </p:spPr>
-        <p:txBody>
-          <a:bodyPr/>
-          <a:lstStyle/>
-          <a:p>
-            <a:pPr eaLnBrk="1" hangingPunct="1"/>
-            <a:r>
-              <a:rPr lang="sv-SE" altLang="sv-SE" sz="2000" dirty="0">
-                <a:latin typeface="Arial" panose="020B0604020202020204" pitchFamily="34" charset="0"/>
-                <a:cs typeface="Arial" panose="020B0604020202020204" pitchFamily="34" charset="0"/>
-              </a:rPr>
-              <a:t>Alex Anis </a:t>
-            </a:r>
-            <a:r>
-              <a:rPr lang="sv-SE" altLang="sv-SE" sz="2000" dirty="0" smtClean="0">
-                <a:latin typeface="Arial" panose="020B0604020202020204" pitchFamily="34" charset="0"/>
-                <a:cs typeface="Arial" panose="020B0604020202020204" pitchFamily="34" charset="0"/>
-              </a:rPr>
-              <a:t>, Anna Enbom,</a:t>
-            </a:r>
-            <a:r>
-              <a:rPr lang="sv-SE" altLang="sv-SE" sz="2000" dirty="0">
-                <a:latin typeface="Arial" panose="020B0604020202020204" pitchFamily="34" charset="0"/>
-                <a:cs typeface="Arial" panose="020B0604020202020204" pitchFamily="34" charset="0"/>
-              </a:rPr>
-              <a:t> Daniel Hedlund </a:t>
-            </a:r>
-            <a:r>
-              <a:rPr lang="sv-SE" altLang="sv-SE" sz="2000" dirty="0" smtClean="0">
-                <a:latin typeface="Arial" panose="020B0604020202020204" pitchFamily="34" charset="0"/>
-                <a:cs typeface="Arial" panose="020B0604020202020204" pitchFamily="34" charset="0"/>
-              </a:rPr>
-              <a:t>, Johan </a:t>
-            </a:r>
-            <a:r>
-              <a:rPr lang="sv-SE" altLang="sv-SE" sz="2000" dirty="0" smtClean="0">
-                <a:latin typeface="Arial" panose="020B0604020202020204" pitchFamily="34" charset="0"/>
-                <a:cs typeface="Arial" panose="020B0604020202020204" pitchFamily="34" charset="0"/>
-              </a:rPr>
-              <a:t>Söderlind </a:t>
-            </a:r>
-            <a:r>
-              <a:rPr lang="sv-SE" altLang="sv-SE" sz="2000" dirty="0" smtClean="0">
-                <a:latin typeface="Arial" panose="020B0604020202020204" pitchFamily="34" charset="0"/>
-                <a:cs typeface="Arial" panose="020B0604020202020204" pitchFamily="34" charset="0"/>
-              </a:rPr>
-              <a:t>Åström</a:t>
-            </a:r>
-            <a:r>
-              <a:rPr lang="sv-SE" altLang="sv-SE" sz="2000" dirty="0" smtClean="0">
-                <a:latin typeface="Arial" panose="020B0604020202020204" pitchFamily="34" charset="0"/>
-                <a:cs typeface="Arial" panose="020B0604020202020204" pitchFamily="34" charset="0"/>
-              </a:rPr>
-              <a:t/>
-            </a:r>
-            <a:br>
-              <a:rPr lang="sv-SE" altLang="sv-SE" sz="2000" dirty="0" smtClean="0">
-                <a:latin typeface="Arial" panose="020B0604020202020204" pitchFamily="34" charset="0"/>
-                <a:cs typeface="Arial" panose="020B0604020202020204" pitchFamily="34" charset="0"/>
-              </a:rPr>
-            </a:br>
-            <a:endParaRPr lang="sv-SE" altLang="sv-SE" sz="2000" dirty="0" smtClean="0">
-              <a:latin typeface="Arial" panose="020B0604020202020204" pitchFamily="34" charset="0"/>
-              <a:cs typeface="Arial" panose="020B0604020202020204" pitchFamily="34" charset="0"/>
-            </a:endParaRPr>
-          </a:p>
-          <a:p>
-            <a:pPr eaLnBrk="1" hangingPunct="1"/>
-            <a:r>
-              <a:rPr lang="sv-SE" altLang="sv-SE" sz="1600" dirty="0" smtClean="0">
-                <a:latin typeface="Arial" panose="020B0604020202020204" pitchFamily="34" charset="0"/>
-                <a:cs typeface="Arial" panose="020B0604020202020204" pitchFamily="34" charset="0"/>
-              </a:rPr>
-              <a:t>March of 2014 - Västerås</a:t>
-            </a:r>
-          </a:p>
-        </p:txBody>
-      </p:sp>
+      </p:pic>
     </p:spTree>
     <p:extLst>
       <p:ext uri="{BB962C8B-B14F-4D97-AF65-F5344CB8AC3E}">
-        <p14:creationId xmlns:p14="http://schemas.microsoft.com/office/powerpoint/2010/main" val="1577831907"/>
+        <p14:creationId xmlns:p14="http://schemas.microsoft.com/office/powerpoint/2010/main" val="1828872450"/>
       </p:ext>
     </p:extLst>
   </p:cSld>
@@ -26343,6 +28177,13 @@
     <a:masterClrMapping/>
   </p:clrMapOvr>
   <p:transition/>
+  <p:timing>
+    <p:tnLst>
+      <p:par>
+        <p:cTn id="1" dur="indefinite" restart="never" nodeType="tmRoot"/>
+      </p:par>
+    </p:tnLst>
+  </p:timing>
 </p:sld>
 </file>
 

--- a/report/presentation.pptx
+++ b/report/presentation.pptx
@@ -14,7 +14,7 @@
     <p:sldMasterId id="2147483661" r:id="rId10"/>
   </p:sldMasterIdLst>
   <p:notesMasterIdLst>
-    <p:notesMasterId r:id="rId26"/>
+    <p:notesMasterId r:id="rId25"/>
   </p:notesMasterIdLst>
   <p:sldIdLst>
     <p:sldId id="332" r:id="rId11"/>
@@ -30,8 +30,7 @@
     <p:sldId id="362" r:id="rId21"/>
     <p:sldId id="357" r:id="rId22"/>
     <p:sldId id="354" r:id="rId23"/>
-    <p:sldId id="365" r:id="rId24"/>
-    <p:sldId id="358" r:id="rId25"/>
+    <p:sldId id="358" r:id="rId24"/>
   </p:sldIdLst>
   <p:sldSz cx="13004800" cy="9753600"/>
   <p:notesSz cx="6858000" cy="9144000"/>
@@ -187,7 +186,6 @@
             <p14:sldId id="362"/>
             <p14:sldId id="357"/>
             <p14:sldId id="354"/>
-            <p14:sldId id="365"/>
             <p14:sldId id="358"/>
           </p14:sldIdLst>
         </p14:section>
@@ -209,1006 +207,6 @@
     </p:ext>
   </p:extLst>
 </p:presentation>
-</file>
-
-<file path=ppt/charts/chart1.xml><?xml version="1.0" encoding="utf-8"?>
-<c:chartSpace xmlns:c="http://schemas.openxmlformats.org/drawingml/2006/chart" xmlns:a="http://schemas.openxmlformats.org/drawingml/2006/main" xmlns:r="http://schemas.openxmlformats.org/officeDocument/2006/relationships">
-  <c:date1904 val="0"/>
-  <c:lang val="en-US"/>
-  <c:roundedCorners val="0"/>
-  <mc:AlternateContent xmlns:mc="http://schemas.openxmlformats.org/markup-compatibility/2006">
-    <mc:Choice xmlns:c14="http://schemas.microsoft.com/office/drawing/2007/8/2/chart" Requires="c14">
-      <c14:style val="102"/>
-    </mc:Choice>
-    <mc:Fallback>
-      <c:style val="2"/>
-    </mc:Fallback>
-  </mc:AlternateContent>
-  <c:chart>
-    <c:title>
-      <c:layout/>
-      <c:overlay val="0"/>
-      <c:spPr>
-        <a:noFill/>
-        <a:ln>
-          <a:noFill/>
-        </a:ln>
-        <a:effectLst/>
-      </c:spPr>
-      <c:txPr>
-        <a:bodyPr rot="0" spcFirstLastPara="1" vertOverflow="ellipsis" vert="horz" wrap="square" anchor="ctr" anchorCtr="1"/>
-        <a:lstStyle/>
-        <a:p>
-          <a:pPr>
-            <a:defRPr sz="1862" b="0" i="0" u="none" strike="noStrike" kern="1200" spc="0" baseline="0">
-              <a:solidFill>
-                <a:schemeClr val="tx1">
-                  <a:lumMod val="65000"/>
-                  <a:lumOff val="35000"/>
-                </a:schemeClr>
-              </a:solidFill>
-              <a:latin typeface="+mn-lt"/>
-              <a:ea typeface="+mn-ea"/>
-              <a:cs typeface="+mn-cs"/>
-            </a:defRPr>
-          </a:pPr>
-          <a:endParaRPr lang="sv-SE"/>
-        </a:p>
-      </c:txPr>
-    </c:title>
-    <c:autoTitleDeleted val="0"/>
-    <c:plotArea>
-      <c:layout/>
-      <c:lineChart>
-        <c:grouping val="standard"/>
-        <c:varyColors val="0"/>
-        <c:ser>
-          <c:idx val="0"/>
-          <c:order val="0"/>
-          <c:tx>
-            <c:strRef>
-              <c:f>Sheet1!$B$1</c:f>
-              <c:strCache>
-                <c:ptCount val="1"/>
-                <c:pt idx="0">
-                  <c:v>Series 1</c:v>
-                </c:pt>
-              </c:strCache>
-            </c:strRef>
-          </c:tx>
-          <c:spPr>
-            <a:ln w="28575" cap="rnd">
-              <a:solidFill>
-                <a:schemeClr val="accent1"/>
-              </a:solidFill>
-              <a:round/>
-            </a:ln>
-            <a:effectLst/>
-          </c:spPr>
-          <c:marker>
-            <c:symbol val="none"/>
-          </c:marker>
-          <c:cat>
-            <c:strRef>
-              <c:f>Sheet1!$A$2:$A$5</c:f>
-              <c:strCache>
-                <c:ptCount val="4"/>
-                <c:pt idx="0">
-                  <c:v>Category 1</c:v>
-                </c:pt>
-                <c:pt idx="1">
-                  <c:v>Category 2</c:v>
-                </c:pt>
-                <c:pt idx="2">
-                  <c:v>Category 3</c:v>
-                </c:pt>
-                <c:pt idx="3">
-                  <c:v>Category 4</c:v>
-                </c:pt>
-              </c:strCache>
-            </c:strRef>
-          </c:cat>
-          <c:val>
-            <c:numRef>
-              <c:f>Sheet1!$B$2:$B$5</c:f>
-              <c:numCache>
-                <c:formatCode>General</c:formatCode>
-                <c:ptCount val="4"/>
-                <c:pt idx="0">
-                  <c:v>4.3</c:v>
-                </c:pt>
-                <c:pt idx="1">
-                  <c:v>2.5</c:v>
-                </c:pt>
-                <c:pt idx="2">
-                  <c:v>3.5</c:v>
-                </c:pt>
-                <c:pt idx="3">
-                  <c:v>4.5</c:v>
-                </c:pt>
-              </c:numCache>
-            </c:numRef>
-          </c:val>
-          <c:smooth val="0"/>
-        </c:ser>
-        <c:ser>
-          <c:idx val="1"/>
-          <c:order val="1"/>
-          <c:tx>
-            <c:strRef>
-              <c:f>Sheet1!$C$1</c:f>
-              <c:strCache>
-                <c:ptCount val="1"/>
-                <c:pt idx="0">
-                  <c:v>Series 2</c:v>
-                </c:pt>
-              </c:strCache>
-            </c:strRef>
-          </c:tx>
-          <c:spPr>
-            <a:ln w="28575" cap="rnd">
-              <a:solidFill>
-                <a:schemeClr val="accent2"/>
-              </a:solidFill>
-              <a:round/>
-            </a:ln>
-            <a:effectLst/>
-          </c:spPr>
-          <c:marker>
-            <c:symbol val="none"/>
-          </c:marker>
-          <c:cat>
-            <c:strRef>
-              <c:f>Sheet1!$A$2:$A$5</c:f>
-              <c:strCache>
-                <c:ptCount val="4"/>
-                <c:pt idx="0">
-                  <c:v>Category 1</c:v>
-                </c:pt>
-                <c:pt idx="1">
-                  <c:v>Category 2</c:v>
-                </c:pt>
-                <c:pt idx="2">
-                  <c:v>Category 3</c:v>
-                </c:pt>
-                <c:pt idx="3">
-                  <c:v>Category 4</c:v>
-                </c:pt>
-              </c:strCache>
-            </c:strRef>
-          </c:cat>
-          <c:val>
-            <c:numRef>
-              <c:f>Sheet1!$C$2:$C$5</c:f>
-              <c:numCache>
-                <c:formatCode>General</c:formatCode>
-                <c:ptCount val="4"/>
-                <c:pt idx="0">
-                  <c:v>2.4</c:v>
-                </c:pt>
-                <c:pt idx="1">
-                  <c:v>4.4000000000000004</c:v>
-                </c:pt>
-                <c:pt idx="2">
-                  <c:v>1.8</c:v>
-                </c:pt>
-                <c:pt idx="3">
-                  <c:v>2.8</c:v>
-                </c:pt>
-              </c:numCache>
-            </c:numRef>
-          </c:val>
-          <c:smooth val="0"/>
-        </c:ser>
-        <c:ser>
-          <c:idx val="2"/>
-          <c:order val="2"/>
-          <c:tx>
-            <c:strRef>
-              <c:f>Sheet1!$D$1</c:f>
-              <c:strCache>
-                <c:ptCount val="1"/>
-                <c:pt idx="0">
-                  <c:v>Series 3</c:v>
-                </c:pt>
-              </c:strCache>
-            </c:strRef>
-          </c:tx>
-          <c:spPr>
-            <a:ln w="28575" cap="rnd">
-              <a:solidFill>
-                <a:schemeClr val="accent3"/>
-              </a:solidFill>
-              <a:round/>
-            </a:ln>
-            <a:effectLst/>
-          </c:spPr>
-          <c:marker>
-            <c:symbol val="none"/>
-          </c:marker>
-          <c:cat>
-            <c:strRef>
-              <c:f>Sheet1!$A$2:$A$5</c:f>
-              <c:strCache>
-                <c:ptCount val="4"/>
-                <c:pt idx="0">
-                  <c:v>Category 1</c:v>
-                </c:pt>
-                <c:pt idx="1">
-                  <c:v>Category 2</c:v>
-                </c:pt>
-                <c:pt idx="2">
-                  <c:v>Category 3</c:v>
-                </c:pt>
-                <c:pt idx="3">
-                  <c:v>Category 4</c:v>
-                </c:pt>
-              </c:strCache>
-            </c:strRef>
-          </c:cat>
-          <c:val>
-            <c:numRef>
-              <c:f>Sheet1!$D$2:$D$5</c:f>
-              <c:numCache>
-                <c:formatCode>General</c:formatCode>
-                <c:ptCount val="4"/>
-                <c:pt idx="0">
-                  <c:v>2</c:v>
-                </c:pt>
-                <c:pt idx="1">
-                  <c:v>2</c:v>
-                </c:pt>
-                <c:pt idx="2">
-                  <c:v>3</c:v>
-                </c:pt>
-                <c:pt idx="3">
-                  <c:v>5</c:v>
-                </c:pt>
-              </c:numCache>
-            </c:numRef>
-          </c:val>
-          <c:smooth val="0"/>
-        </c:ser>
-        <c:dLbls>
-          <c:showLegendKey val="0"/>
-          <c:showVal val="0"/>
-          <c:showCatName val="0"/>
-          <c:showSerName val="0"/>
-          <c:showPercent val="0"/>
-          <c:showBubbleSize val="0"/>
-        </c:dLbls>
-        <c:smooth val="0"/>
-        <c:axId val="562694440"/>
-        <c:axId val="562693656"/>
-      </c:lineChart>
-      <c:catAx>
-        <c:axId val="562694440"/>
-        <c:scaling>
-          <c:orientation val="minMax"/>
-        </c:scaling>
-        <c:delete val="0"/>
-        <c:axPos val="b"/>
-        <c:numFmt formatCode="General" sourceLinked="1"/>
-        <c:majorTickMark val="none"/>
-        <c:minorTickMark val="none"/>
-        <c:tickLblPos val="nextTo"/>
-        <c:spPr>
-          <a:noFill/>
-          <a:ln w="9525" cap="flat" cmpd="sng" algn="ctr">
-            <a:solidFill>
-              <a:schemeClr val="tx1">
-                <a:lumMod val="15000"/>
-                <a:lumOff val="85000"/>
-              </a:schemeClr>
-            </a:solidFill>
-            <a:round/>
-          </a:ln>
-          <a:effectLst/>
-        </c:spPr>
-        <c:txPr>
-          <a:bodyPr rot="-60000000" spcFirstLastPara="1" vertOverflow="ellipsis" vert="horz" wrap="square" anchor="ctr" anchorCtr="1"/>
-          <a:lstStyle/>
-          <a:p>
-            <a:pPr>
-              <a:defRPr sz="1197" b="0" i="0" u="none" strike="noStrike" kern="1200" baseline="0">
-                <a:solidFill>
-                  <a:schemeClr val="tx1">
-                    <a:lumMod val="65000"/>
-                    <a:lumOff val="35000"/>
-                  </a:schemeClr>
-                </a:solidFill>
-                <a:latin typeface="+mn-lt"/>
-                <a:ea typeface="+mn-ea"/>
-                <a:cs typeface="+mn-cs"/>
-              </a:defRPr>
-            </a:pPr>
-            <a:endParaRPr lang="sv-SE"/>
-          </a:p>
-        </c:txPr>
-        <c:crossAx val="562693656"/>
-        <c:crosses val="autoZero"/>
-        <c:auto val="1"/>
-        <c:lblAlgn val="ctr"/>
-        <c:lblOffset val="100"/>
-        <c:noMultiLvlLbl val="0"/>
-      </c:catAx>
-      <c:valAx>
-        <c:axId val="562693656"/>
-        <c:scaling>
-          <c:orientation val="minMax"/>
-        </c:scaling>
-        <c:delete val="0"/>
-        <c:axPos val="l"/>
-        <c:majorGridlines>
-          <c:spPr>
-            <a:ln w="9525" cap="flat" cmpd="sng" algn="ctr">
-              <a:solidFill>
-                <a:schemeClr val="tx1">
-                  <a:lumMod val="15000"/>
-                  <a:lumOff val="85000"/>
-                </a:schemeClr>
-              </a:solidFill>
-              <a:round/>
-            </a:ln>
-            <a:effectLst/>
-          </c:spPr>
-        </c:majorGridlines>
-        <c:numFmt formatCode="General" sourceLinked="1"/>
-        <c:majorTickMark val="none"/>
-        <c:minorTickMark val="none"/>
-        <c:tickLblPos val="nextTo"/>
-        <c:spPr>
-          <a:noFill/>
-          <a:ln>
-            <a:noFill/>
-          </a:ln>
-          <a:effectLst/>
-        </c:spPr>
-        <c:txPr>
-          <a:bodyPr rot="-60000000" spcFirstLastPara="1" vertOverflow="ellipsis" vert="horz" wrap="square" anchor="ctr" anchorCtr="1"/>
-          <a:lstStyle/>
-          <a:p>
-            <a:pPr>
-              <a:defRPr sz="1197" b="0" i="0" u="none" strike="noStrike" kern="1200" baseline="0">
-                <a:solidFill>
-                  <a:schemeClr val="tx1">
-                    <a:lumMod val="65000"/>
-                    <a:lumOff val="35000"/>
-                  </a:schemeClr>
-                </a:solidFill>
-                <a:latin typeface="+mn-lt"/>
-                <a:ea typeface="+mn-ea"/>
-                <a:cs typeface="+mn-cs"/>
-              </a:defRPr>
-            </a:pPr>
-            <a:endParaRPr lang="sv-SE"/>
-          </a:p>
-        </c:txPr>
-        <c:crossAx val="562694440"/>
-        <c:crosses val="autoZero"/>
-        <c:crossBetween val="between"/>
-      </c:valAx>
-      <c:spPr>
-        <a:noFill/>
-        <a:ln>
-          <a:noFill/>
-        </a:ln>
-        <a:effectLst/>
-      </c:spPr>
-    </c:plotArea>
-    <c:legend>
-      <c:legendPos val="b"/>
-      <c:layout/>
-      <c:overlay val="0"/>
-      <c:spPr>
-        <a:noFill/>
-        <a:ln>
-          <a:noFill/>
-        </a:ln>
-        <a:effectLst/>
-      </c:spPr>
-      <c:txPr>
-        <a:bodyPr rot="0" spcFirstLastPara="1" vertOverflow="ellipsis" vert="horz" wrap="square" anchor="ctr" anchorCtr="1"/>
-        <a:lstStyle/>
-        <a:p>
-          <a:pPr>
-            <a:defRPr sz="1197" b="0" i="0" u="none" strike="noStrike" kern="1200" baseline="0">
-              <a:solidFill>
-                <a:schemeClr val="tx1">
-                  <a:lumMod val="65000"/>
-                  <a:lumOff val="35000"/>
-                </a:schemeClr>
-              </a:solidFill>
-              <a:latin typeface="+mn-lt"/>
-              <a:ea typeface="+mn-ea"/>
-              <a:cs typeface="+mn-cs"/>
-            </a:defRPr>
-          </a:pPr>
-          <a:endParaRPr lang="sv-SE"/>
-        </a:p>
-      </c:txPr>
-    </c:legend>
-    <c:plotVisOnly val="1"/>
-    <c:dispBlanksAs val="gap"/>
-    <c:showDLblsOverMax val="0"/>
-  </c:chart>
-  <c:spPr>
-    <a:noFill/>
-    <a:ln>
-      <a:noFill/>
-    </a:ln>
-    <a:effectLst/>
-  </c:spPr>
-  <c:txPr>
-    <a:bodyPr/>
-    <a:lstStyle/>
-    <a:p>
-      <a:pPr>
-        <a:defRPr/>
-      </a:pPr>
-      <a:endParaRPr lang="sv-SE"/>
-    </a:p>
-  </c:txPr>
-  <c:externalData r:id="rId3">
-    <c:autoUpdate val="0"/>
-  </c:externalData>
-</c:chartSpace>
-</file>
-
-<file path=ppt/charts/colors1.xml><?xml version="1.0" encoding="utf-8"?>
-<cs:colorStyle xmlns:cs="http://schemas.microsoft.com/office/drawing/2012/chartStyle" xmlns:a="http://schemas.openxmlformats.org/drawingml/2006/main" meth="cycle" id="10">
-  <a:schemeClr val="accent1"/>
-  <a:schemeClr val="accent2"/>
-  <a:schemeClr val="accent3"/>
-  <a:schemeClr val="accent4"/>
-  <a:schemeClr val="accent5"/>
-  <a:schemeClr val="accent6"/>
-  <cs:variation/>
-  <cs:variation>
-    <a:lumMod val="60000"/>
-  </cs:variation>
-  <cs:variation>
-    <a:lumMod val="80000"/>
-    <a:lumOff val="20000"/>
-  </cs:variation>
-  <cs:variation>
-    <a:lumMod val="80000"/>
-  </cs:variation>
-  <cs:variation>
-    <a:lumMod val="60000"/>
-    <a:lumOff val="40000"/>
-  </cs:variation>
-  <cs:variation>
-    <a:lumMod val="50000"/>
-  </cs:variation>
-  <cs:variation>
-    <a:lumMod val="70000"/>
-    <a:lumOff val="30000"/>
-  </cs:variation>
-  <cs:variation>
-    <a:lumMod val="70000"/>
-  </cs:variation>
-  <cs:variation>
-    <a:lumMod val="50000"/>
-    <a:lumOff val="50000"/>
-  </cs:variation>
-</cs:colorStyle>
-</file>
-
-<file path=ppt/charts/style1.xml><?xml version="1.0" encoding="utf-8"?>
-<cs:chartStyle xmlns:cs="http://schemas.microsoft.com/office/drawing/2012/chartStyle" xmlns:a="http://schemas.openxmlformats.org/drawingml/2006/main" id="227">
-  <cs:axisTitle>
-    <cs:lnRef idx="0"/>
-    <cs:fillRef idx="0"/>
-    <cs:effectRef idx="0"/>
-    <cs:fontRef idx="minor">
-      <a:schemeClr val="tx1">
-        <a:lumMod val="65000"/>
-        <a:lumOff val="35000"/>
-      </a:schemeClr>
-    </cs:fontRef>
-    <cs:defRPr sz="1330" kern="1200"/>
-  </cs:axisTitle>
-  <cs:categoryAxis>
-    <cs:lnRef idx="0"/>
-    <cs:fillRef idx="0"/>
-    <cs:effectRef idx="0"/>
-    <cs:fontRef idx="minor">
-      <a:schemeClr val="tx1">
-        <a:lumMod val="65000"/>
-        <a:lumOff val="35000"/>
-      </a:schemeClr>
-    </cs:fontRef>
-    <cs:spPr>
-      <a:ln w="9525" cap="flat" cmpd="sng" algn="ctr">
-        <a:solidFill>
-          <a:schemeClr val="tx1">
-            <a:lumMod val="15000"/>
-            <a:lumOff val="85000"/>
-          </a:schemeClr>
-        </a:solidFill>
-        <a:round/>
-      </a:ln>
-    </cs:spPr>
-    <cs:defRPr sz="1197" kern="1200"/>
-  </cs:categoryAxis>
-  <cs:chartArea mods="allowNoFillOverride allowNoLineOverride">
-    <cs:lnRef idx="0"/>
-    <cs:fillRef idx="0"/>
-    <cs:effectRef idx="0"/>
-    <cs:fontRef idx="minor">
-      <a:schemeClr val="tx1"/>
-    </cs:fontRef>
-    <cs:spPr>
-      <a:solidFill>
-        <a:schemeClr val="bg1"/>
-      </a:solidFill>
-      <a:ln w="9525" cap="flat" cmpd="sng" algn="ctr">
-        <a:solidFill>
-          <a:schemeClr val="tx1">
-            <a:lumMod val="15000"/>
-            <a:lumOff val="85000"/>
-          </a:schemeClr>
-        </a:solidFill>
-        <a:round/>
-      </a:ln>
-    </cs:spPr>
-    <cs:defRPr sz="1330" kern="1200"/>
-  </cs:chartArea>
-  <cs:dataLabel>
-    <cs:lnRef idx="0"/>
-    <cs:fillRef idx="0"/>
-    <cs:effectRef idx="0"/>
-    <cs:fontRef idx="minor">
-      <a:schemeClr val="tx1">
-        <a:lumMod val="75000"/>
-        <a:lumOff val="25000"/>
-      </a:schemeClr>
-    </cs:fontRef>
-    <cs:defRPr sz="1197" kern="1200"/>
-  </cs:dataLabel>
-  <cs:dataLabelCallout>
-    <cs:lnRef idx="0"/>
-    <cs:fillRef idx="0"/>
-    <cs:effectRef idx="0"/>
-    <cs:fontRef idx="minor">
-      <a:schemeClr val="dk1">
-        <a:lumMod val="65000"/>
-        <a:lumOff val="35000"/>
-      </a:schemeClr>
-    </cs:fontRef>
-    <cs:spPr>
-      <a:solidFill>
-        <a:schemeClr val="lt1"/>
-      </a:solidFill>
-      <a:ln>
-        <a:solidFill>
-          <a:schemeClr val="dk1">
-            <a:lumMod val="25000"/>
-            <a:lumOff val="75000"/>
-          </a:schemeClr>
-        </a:solidFill>
-      </a:ln>
-    </cs:spPr>
-    <cs:defRPr sz="1197" kern="1200"/>
-    <cs:bodyPr rot="0" spcFirstLastPara="1" vertOverflow="clip" horzOverflow="clip" vert="horz" wrap="square" lIns="36576" tIns="18288" rIns="36576" bIns="18288" anchor="ctr" anchorCtr="1">
-      <a:spAutoFit/>
-    </cs:bodyPr>
-  </cs:dataLabelCallout>
-  <cs:dataPoint>
-    <cs:lnRef idx="0"/>
-    <cs:fillRef idx="1">
-      <cs:styleClr val="auto"/>
-    </cs:fillRef>
-    <cs:effectRef idx="0"/>
-    <cs:fontRef idx="minor">
-      <a:schemeClr val="tx1"/>
-    </cs:fontRef>
-    <cs:spPr>
-      <a:solidFill>
-        <a:schemeClr val="phClr"/>
-      </a:solidFill>
-    </cs:spPr>
-  </cs:dataPoint>
-  <cs:dataPoint3D>
-    <cs:lnRef idx="0"/>
-    <cs:fillRef idx="1">
-      <cs:styleClr val="auto"/>
-    </cs:fillRef>
-    <cs:effectRef idx="0"/>
-    <cs:fontRef idx="minor">
-      <a:schemeClr val="tx1"/>
-    </cs:fontRef>
-    <cs:spPr>
-      <a:solidFill>
-        <a:schemeClr val="phClr"/>
-      </a:solidFill>
-    </cs:spPr>
-  </cs:dataPoint3D>
-  <cs:dataPointLine>
-    <cs:lnRef idx="0">
-      <cs:styleClr val="auto"/>
-    </cs:lnRef>
-    <cs:fillRef idx="1"/>
-    <cs:effectRef idx="0"/>
-    <cs:fontRef idx="minor">
-      <a:schemeClr val="tx1"/>
-    </cs:fontRef>
-    <cs:spPr>
-      <a:ln w="28575" cap="rnd">
-        <a:solidFill>
-          <a:schemeClr val="phClr"/>
-        </a:solidFill>
-        <a:round/>
-      </a:ln>
-    </cs:spPr>
-  </cs:dataPointLine>
-  <cs:dataPointMarker>
-    <cs:lnRef idx="0">
-      <cs:styleClr val="auto"/>
-    </cs:lnRef>
-    <cs:fillRef idx="1">
-      <cs:styleClr val="auto"/>
-    </cs:fillRef>
-    <cs:effectRef idx="0"/>
-    <cs:fontRef idx="minor">
-      <a:schemeClr val="tx1"/>
-    </cs:fontRef>
-    <cs:spPr>
-      <a:solidFill>
-        <a:schemeClr val="phClr"/>
-      </a:solidFill>
-      <a:ln w="9525">
-        <a:solidFill>
-          <a:schemeClr val="phClr"/>
-        </a:solidFill>
-      </a:ln>
-    </cs:spPr>
-  </cs:dataPointMarker>
-  <cs:dataPointMarkerLayout symbol="circle" size="5"/>
-  <cs:dataPointWireframe>
-    <cs:lnRef idx="0">
-      <cs:styleClr val="auto"/>
-    </cs:lnRef>
-    <cs:fillRef idx="1"/>
-    <cs:effectRef idx="0"/>
-    <cs:fontRef idx="minor">
-      <a:schemeClr val="tx1"/>
-    </cs:fontRef>
-    <cs:spPr>
-      <a:ln w="9525" cap="rnd">
-        <a:solidFill>
-          <a:schemeClr val="phClr"/>
-        </a:solidFill>
-        <a:round/>
-      </a:ln>
-    </cs:spPr>
-  </cs:dataPointWireframe>
-  <cs:dataTable>
-    <cs:lnRef idx="0"/>
-    <cs:fillRef idx="0"/>
-    <cs:effectRef idx="0"/>
-    <cs:fontRef idx="minor">
-      <a:schemeClr val="tx1">
-        <a:lumMod val="65000"/>
-        <a:lumOff val="35000"/>
-      </a:schemeClr>
-    </cs:fontRef>
-    <cs:spPr>
-      <a:noFill/>
-      <a:ln w="9525" cap="flat" cmpd="sng" algn="ctr">
-        <a:solidFill>
-          <a:schemeClr val="tx1">
-            <a:lumMod val="15000"/>
-            <a:lumOff val="85000"/>
-          </a:schemeClr>
-        </a:solidFill>
-        <a:round/>
-      </a:ln>
-    </cs:spPr>
-    <cs:defRPr sz="1197" kern="1200"/>
-  </cs:dataTable>
-  <cs:downBar>
-    <cs:lnRef idx="0"/>
-    <cs:fillRef idx="0"/>
-    <cs:effectRef idx="0"/>
-    <cs:fontRef idx="minor">
-      <a:schemeClr val="dk1"/>
-    </cs:fontRef>
-    <cs:spPr>
-      <a:solidFill>
-        <a:schemeClr val="dk1">
-          <a:lumMod val="65000"/>
-          <a:lumOff val="35000"/>
-        </a:schemeClr>
-      </a:solidFill>
-      <a:ln w="9525">
-        <a:solidFill>
-          <a:schemeClr val="tx1">
-            <a:lumMod val="65000"/>
-            <a:lumOff val="35000"/>
-          </a:schemeClr>
-        </a:solidFill>
-      </a:ln>
-    </cs:spPr>
-  </cs:downBar>
-  <cs:dropLine>
-    <cs:lnRef idx="0"/>
-    <cs:fillRef idx="0"/>
-    <cs:effectRef idx="0"/>
-    <cs:fontRef idx="minor">
-      <a:schemeClr val="tx1"/>
-    </cs:fontRef>
-    <cs:spPr>
-      <a:ln w="9525" cap="flat" cmpd="sng" algn="ctr">
-        <a:solidFill>
-          <a:schemeClr val="tx1">
-            <a:lumMod val="35000"/>
-            <a:lumOff val="65000"/>
-          </a:schemeClr>
-        </a:solidFill>
-        <a:round/>
-      </a:ln>
-    </cs:spPr>
-  </cs:dropLine>
-  <cs:errorBar>
-    <cs:lnRef idx="0"/>
-    <cs:fillRef idx="0"/>
-    <cs:effectRef idx="0"/>
-    <cs:fontRef idx="minor">
-      <a:schemeClr val="tx1"/>
-    </cs:fontRef>
-    <cs:spPr>
-      <a:ln w="9525" cap="flat" cmpd="sng" algn="ctr">
-        <a:solidFill>
-          <a:schemeClr val="tx1">
-            <a:lumMod val="65000"/>
-            <a:lumOff val="35000"/>
-          </a:schemeClr>
-        </a:solidFill>
-        <a:round/>
-      </a:ln>
-    </cs:spPr>
-  </cs:errorBar>
-  <cs:floor>
-    <cs:lnRef idx="0"/>
-    <cs:fillRef idx="0"/>
-    <cs:effectRef idx="0"/>
-    <cs:fontRef idx="minor">
-      <a:schemeClr val="tx1"/>
-    </cs:fontRef>
-    <cs:spPr>
-      <a:noFill/>
-      <a:ln>
-        <a:noFill/>
-      </a:ln>
-    </cs:spPr>
-  </cs:floor>
-  <cs:gridlineMajor>
-    <cs:lnRef idx="0"/>
-    <cs:fillRef idx="0"/>
-    <cs:effectRef idx="0"/>
-    <cs:fontRef idx="minor">
-      <a:schemeClr val="tx1"/>
-    </cs:fontRef>
-    <cs:spPr>
-      <a:ln w="9525" cap="flat" cmpd="sng" algn="ctr">
-        <a:solidFill>
-          <a:schemeClr val="tx1">
-            <a:lumMod val="15000"/>
-            <a:lumOff val="85000"/>
-          </a:schemeClr>
-        </a:solidFill>
-        <a:round/>
-      </a:ln>
-    </cs:spPr>
-  </cs:gridlineMajor>
-  <cs:gridlineMinor>
-    <cs:lnRef idx="0"/>
-    <cs:fillRef idx="0"/>
-    <cs:effectRef idx="0"/>
-    <cs:fontRef idx="minor">
-      <a:schemeClr val="tx1"/>
-    </cs:fontRef>
-    <cs:spPr>
-      <a:ln w="9525" cap="flat" cmpd="sng" algn="ctr">
-        <a:solidFill>
-          <a:schemeClr val="tx1">
-            <a:lumMod val="5000"/>
-            <a:lumOff val="95000"/>
-          </a:schemeClr>
-        </a:solidFill>
-        <a:round/>
-      </a:ln>
-    </cs:spPr>
-  </cs:gridlineMinor>
-  <cs:hiLoLine>
-    <cs:lnRef idx="0"/>
-    <cs:fillRef idx="0"/>
-    <cs:effectRef idx="0"/>
-    <cs:fontRef idx="minor">
-      <a:schemeClr val="tx1"/>
-    </cs:fontRef>
-    <cs:spPr>
-      <a:ln w="9525" cap="flat" cmpd="sng" algn="ctr">
-        <a:solidFill>
-          <a:schemeClr val="tx1">
-            <a:lumMod val="75000"/>
-            <a:lumOff val="25000"/>
-          </a:schemeClr>
-        </a:solidFill>
-        <a:round/>
-      </a:ln>
-    </cs:spPr>
-  </cs:hiLoLine>
-  <cs:leaderLine>
-    <cs:lnRef idx="0"/>
-    <cs:fillRef idx="0"/>
-    <cs:effectRef idx="0"/>
-    <cs:fontRef idx="minor">
-      <a:schemeClr val="tx1"/>
-    </cs:fontRef>
-    <cs:spPr>
-      <a:ln w="9525" cap="flat" cmpd="sng" algn="ctr">
-        <a:solidFill>
-          <a:schemeClr val="tx1">
-            <a:lumMod val="35000"/>
-            <a:lumOff val="65000"/>
-          </a:schemeClr>
-        </a:solidFill>
-        <a:round/>
-      </a:ln>
-    </cs:spPr>
-  </cs:leaderLine>
-  <cs:legend>
-    <cs:lnRef idx="0"/>
-    <cs:fillRef idx="0"/>
-    <cs:effectRef idx="0"/>
-    <cs:fontRef idx="minor">
-      <a:schemeClr val="tx1">
-        <a:lumMod val="65000"/>
-        <a:lumOff val="35000"/>
-      </a:schemeClr>
-    </cs:fontRef>
-    <cs:defRPr sz="1197" kern="1200"/>
-  </cs:legend>
-  <cs:plotArea mods="allowNoFillOverride allowNoLineOverride">
-    <cs:lnRef idx="0"/>
-    <cs:fillRef idx="0"/>
-    <cs:effectRef idx="0"/>
-    <cs:fontRef idx="minor">
-      <a:schemeClr val="tx1"/>
-    </cs:fontRef>
-  </cs:plotArea>
-  <cs:plotArea3D mods="allowNoFillOverride allowNoLineOverride">
-    <cs:lnRef idx="0"/>
-    <cs:fillRef idx="0"/>
-    <cs:effectRef idx="0"/>
-    <cs:fontRef idx="minor">
-      <a:schemeClr val="tx1"/>
-    </cs:fontRef>
-  </cs:plotArea3D>
-  <cs:seriesAxis>
-    <cs:lnRef idx="0"/>
-    <cs:fillRef idx="0"/>
-    <cs:effectRef idx="0"/>
-    <cs:fontRef idx="minor">
-      <a:schemeClr val="tx1">
-        <a:lumMod val="65000"/>
-        <a:lumOff val="35000"/>
-      </a:schemeClr>
-    </cs:fontRef>
-    <cs:defRPr sz="1197" kern="1200"/>
-  </cs:seriesAxis>
-  <cs:seriesLine>
-    <cs:lnRef idx="0"/>
-    <cs:fillRef idx="0"/>
-    <cs:effectRef idx="0"/>
-    <cs:fontRef idx="minor">
-      <a:schemeClr val="tx1"/>
-    </cs:fontRef>
-    <cs:spPr>
-      <a:ln w="9525" cap="flat" cmpd="sng" algn="ctr">
-        <a:solidFill>
-          <a:schemeClr val="tx1">
-            <a:lumMod val="35000"/>
-            <a:lumOff val="65000"/>
-          </a:schemeClr>
-        </a:solidFill>
-        <a:round/>
-      </a:ln>
-    </cs:spPr>
-  </cs:seriesLine>
-  <cs:title>
-    <cs:lnRef idx="0"/>
-    <cs:fillRef idx="0"/>
-    <cs:effectRef idx="0"/>
-    <cs:fontRef idx="minor">
-      <a:schemeClr val="tx1">
-        <a:lumMod val="65000"/>
-        <a:lumOff val="35000"/>
-      </a:schemeClr>
-    </cs:fontRef>
-    <cs:defRPr sz="1862" b="0" kern="1200" spc="0" baseline="0"/>
-  </cs:title>
-  <cs:trendline>
-    <cs:lnRef idx="0">
-      <cs:styleClr val="auto"/>
-    </cs:lnRef>
-    <cs:fillRef idx="0"/>
-    <cs:effectRef idx="0"/>
-    <cs:fontRef idx="minor">
-      <a:schemeClr val="tx1"/>
-    </cs:fontRef>
-    <cs:spPr>
-      <a:ln w="19050" cap="rnd">
-        <a:solidFill>
-          <a:schemeClr val="phClr"/>
-        </a:solidFill>
-        <a:prstDash val="sysDot"/>
-      </a:ln>
-    </cs:spPr>
-  </cs:trendline>
-  <cs:trendlineLabel>
-    <cs:lnRef idx="0"/>
-    <cs:fillRef idx="0"/>
-    <cs:effectRef idx="0"/>
-    <cs:fontRef idx="minor">
-      <a:schemeClr val="tx1">
-        <a:lumMod val="65000"/>
-        <a:lumOff val="35000"/>
-      </a:schemeClr>
-    </cs:fontRef>
-    <cs:defRPr sz="1197" kern="1200"/>
-  </cs:trendlineLabel>
-  <cs:upBar>
-    <cs:lnRef idx="0"/>
-    <cs:fillRef idx="0"/>
-    <cs:effectRef idx="0"/>
-    <cs:fontRef idx="minor">
-      <a:schemeClr val="dk1"/>
-    </cs:fontRef>
-    <cs:spPr>
-      <a:solidFill>
-        <a:schemeClr val="lt1"/>
-      </a:solidFill>
-      <a:ln w="9525">
-        <a:solidFill>
-          <a:schemeClr val="tx1">
-            <a:lumMod val="15000"/>
-            <a:lumOff val="85000"/>
-          </a:schemeClr>
-        </a:solidFill>
-      </a:ln>
-    </cs:spPr>
-  </cs:upBar>
-  <cs:valueAxis>
-    <cs:lnRef idx="0"/>
-    <cs:fillRef idx="0"/>
-    <cs:effectRef idx="0"/>
-    <cs:fontRef idx="minor">
-      <a:schemeClr val="tx1">
-        <a:lumMod val="65000"/>
-        <a:lumOff val="35000"/>
-      </a:schemeClr>
-    </cs:fontRef>
-    <cs:defRPr sz="1197" kern="1200"/>
-  </cs:valueAxis>
-  <cs:wall>
-    <cs:lnRef idx="0"/>
-    <cs:fillRef idx="0"/>
-    <cs:effectRef idx="0"/>
-    <cs:fontRef idx="minor">
-      <a:schemeClr val="tx1"/>
-    </cs:fontRef>
-    <cs:spPr>
-      <a:noFill/>
-      <a:ln>
-        <a:noFill/>
-      </a:ln>
-    </cs:spPr>
-  </cs:wall>
-</cs:chartStyle>
 </file>
 
 <file path=ppt/notesMasters/notesMaster1.xml><?xml version="1.0" encoding="utf-8"?>
@@ -1293,7 +291,7 @@
           <a:p>
             <a:fld id="{5689761C-6916-416E-A526-41CDE3A03D6E}" type="datetimeFigureOut">
               <a:rPr lang="sv-SE" smtClean="0"/>
-              <a:t>2016-03-16</a:t>
+              <a:t>2016-03-17</a:t>
             </a:fld>
             <a:endParaRPr lang="sv-SE"/>
           </a:p>
@@ -1810,7 +808,7 @@
           <a:p>
             <a:fld id="{3C45CB63-5382-44F2-812E-2252B97FA36F}" type="slidenum">
               <a:rPr lang="sv-SE" smtClean="0"/>
-              <a:t>15</a:t>
+              <a:t>14</a:t>
             </a:fld>
             <a:endParaRPr lang="sv-SE" dirty="0"/>
           </a:p>
@@ -25560,31 +24558,28 @@
               </a:rPr>
               <a:t> </a:t>
             </a:r>
-            <a:r>
-              <a:rPr lang="sv-SE" altLang="sv-SE" sz="2400" i="0" dirty="0" err="1" smtClean="0">
-                <a:latin typeface="Georgia" panose="02040502050405020303" pitchFamily="18" charset="0"/>
-                <a:cs typeface="Arial" panose="020B0604020202020204" pitchFamily="34" charset="0"/>
-                <a:sym typeface="Georgia" panose="02040502050405020303" pitchFamily="18" charset="0"/>
-              </a:rPr>
-              <a:t>depending</a:t>
-            </a:r>
+            <a:endParaRPr lang="sv-SE" altLang="sv-SE" sz="2400" i="0" dirty="0" smtClean="0">
+              <a:latin typeface="Georgia" panose="02040502050405020303" pitchFamily="18" charset="0"/>
+              <a:cs typeface="Arial" panose="020B0604020202020204" pitchFamily="34" charset="0"/>
+              <a:sym typeface="Georgia" panose="02040502050405020303" pitchFamily="18" charset="0"/>
+            </a:endParaRPr>
+          </a:p>
+          <a:p>
             <a:r>
               <a:rPr lang="sv-SE" altLang="sv-SE" sz="2400" i="0" dirty="0" smtClean="0">
                 <a:latin typeface="Georgia" panose="02040502050405020303" pitchFamily="18" charset="0"/>
                 <a:cs typeface="Arial" panose="020B0604020202020204" pitchFamily="34" charset="0"/>
                 <a:sym typeface="Georgia" panose="02040502050405020303" pitchFamily="18" charset="0"/>
               </a:rPr>
-              <a:t> on the HDD</a:t>
-            </a:r>
-          </a:p>
-          <a:p>
+              <a:t>The </a:t>
+            </a:r>
             <a:r>
               <a:rPr lang="sv-SE" altLang="sv-SE" sz="2400" i="0" dirty="0" smtClean="0">
                 <a:latin typeface="Georgia" panose="02040502050405020303" pitchFamily="18" charset="0"/>
                 <a:cs typeface="Arial" panose="020B0604020202020204" pitchFamily="34" charset="0"/>
                 <a:sym typeface="Georgia" panose="02040502050405020303" pitchFamily="18" charset="0"/>
               </a:rPr>
-              <a:t>The CBR system can </a:t>
+              <a:t>CBR system can </a:t>
             </a:r>
             <a:r>
               <a:rPr lang="sv-SE" altLang="sv-SE" sz="2400" i="0" dirty="0" err="1" smtClean="0">
@@ -25616,7 +24611,31 @@
                 <a:cs typeface="Arial" panose="020B0604020202020204" pitchFamily="34" charset="0"/>
                 <a:sym typeface="Georgia" panose="02040502050405020303" pitchFamily="18" charset="0"/>
               </a:rPr>
-              <a:t> 100% </a:t>
+              <a:t> </a:t>
+            </a:r>
+            <a:r>
+              <a:rPr lang="sv-SE" altLang="sv-SE" sz="2400" i="0" dirty="0" smtClean="0">
+                <a:latin typeface="Georgia" panose="02040502050405020303" pitchFamily="18" charset="0"/>
+                <a:cs typeface="Arial" panose="020B0604020202020204" pitchFamily="34" charset="0"/>
+                <a:sym typeface="Georgia" panose="02040502050405020303" pitchFamily="18" charset="0"/>
+              </a:rPr>
+              <a:t>”</a:t>
+            </a:r>
+            <a:r>
+              <a:rPr lang="sv-SE" altLang="sv-SE" sz="2400" i="0" dirty="0" err="1" smtClean="0">
+                <a:latin typeface="Georgia" panose="02040502050405020303" pitchFamily="18" charset="0"/>
+                <a:cs typeface="Arial" panose="020B0604020202020204" pitchFamily="34" charset="0"/>
+                <a:sym typeface="Georgia" panose="02040502050405020303" pitchFamily="18" charset="0"/>
+              </a:rPr>
+              <a:t>high</a:t>
+            </a:r>
+            <a:r>
+              <a:rPr lang="sv-SE" altLang="sv-SE" sz="2400" i="0" dirty="0" smtClean="0">
+                <a:latin typeface="Georgia" panose="02040502050405020303" pitchFamily="18" charset="0"/>
+                <a:cs typeface="Arial" panose="020B0604020202020204" pitchFamily="34" charset="0"/>
+                <a:sym typeface="Georgia" panose="02040502050405020303" pitchFamily="18" charset="0"/>
+              </a:rPr>
+              <a:t>” </a:t>
             </a:r>
             <a:r>
               <a:rPr lang="sv-SE" altLang="sv-SE" sz="2400" i="0" dirty="0" err="1" smtClean="0">
@@ -25634,21 +24653,95 @@
               </a:rPr>
               <a:t>.</a:t>
             </a:r>
+          </a:p>
+          <a:p>
+            <a:r>
+              <a:rPr lang="sv-SE" altLang="sv-SE" sz="2400" i="0" dirty="0" smtClean="0">
+                <a:latin typeface="Georgia" panose="02040502050405020303" pitchFamily="18" charset="0"/>
+                <a:cs typeface="Arial" panose="020B0604020202020204" pitchFamily="34" charset="0"/>
+                <a:sym typeface="Georgia" panose="02040502050405020303" pitchFamily="18" charset="0"/>
+              </a:rPr>
+              <a:t>Gain accuracy by using more </a:t>
+            </a:r>
+            <a:r>
+              <a:rPr lang="sv-SE" altLang="sv-SE" sz="2400" i="0" dirty="0" err="1" smtClean="0">
+                <a:latin typeface="Georgia" panose="02040502050405020303" pitchFamily="18" charset="0"/>
+                <a:cs typeface="Arial" panose="020B0604020202020204" pitchFamily="34" charset="0"/>
+                <a:sym typeface="Georgia" panose="02040502050405020303" pitchFamily="18" charset="0"/>
+              </a:rPr>
+              <a:t>appropriate</a:t>
+            </a:r>
+            <a:r>
+              <a:rPr lang="sv-SE" altLang="sv-SE" sz="2400" i="0" dirty="0" smtClean="0">
+                <a:latin typeface="Georgia" panose="02040502050405020303" pitchFamily="18" charset="0"/>
+                <a:cs typeface="Arial" panose="020B0604020202020204" pitchFamily="34" charset="0"/>
+                <a:sym typeface="Georgia" panose="02040502050405020303" pitchFamily="18" charset="0"/>
+              </a:rPr>
+              <a:t> </a:t>
+            </a:r>
+            <a:r>
+              <a:rPr lang="sv-SE" altLang="sv-SE" sz="2400" i="0" dirty="0" smtClean="0">
+                <a:latin typeface="Georgia" panose="02040502050405020303" pitchFamily="18" charset="0"/>
+                <a:cs typeface="Arial" panose="020B0604020202020204" pitchFamily="34" charset="0"/>
+                <a:sym typeface="Georgia" panose="02040502050405020303" pitchFamily="18" charset="0"/>
+              </a:rPr>
+              <a:t>features.</a:t>
+            </a:r>
+          </a:p>
+          <a:p>
+            <a:r>
+              <a:rPr lang="sv-SE" altLang="sv-SE" sz="2400" i="0" dirty="0" err="1" smtClean="0">
+                <a:latin typeface="Georgia" panose="02040502050405020303" pitchFamily="18" charset="0"/>
+                <a:cs typeface="Arial" panose="020B0604020202020204" pitchFamily="34" charset="0"/>
+                <a:sym typeface="Georgia" panose="02040502050405020303" pitchFamily="18" charset="0"/>
+              </a:rPr>
+              <a:t>Remove</a:t>
+            </a:r>
+            <a:r>
+              <a:rPr lang="sv-SE" altLang="sv-SE" sz="2400" i="0" dirty="0" smtClean="0">
+                <a:latin typeface="Georgia" panose="02040502050405020303" pitchFamily="18" charset="0"/>
+                <a:cs typeface="Arial" panose="020B0604020202020204" pitchFamily="34" charset="0"/>
+                <a:sym typeface="Georgia" panose="02040502050405020303" pitchFamily="18" charset="0"/>
+              </a:rPr>
+              <a:t> </a:t>
+            </a:r>
+            <a:r>
+              <a:rPr lang="sv-SE" altLang="sv-SE" sz="2400" i="0" dirty="0" err="1" smtClean="0">
+                <a:latin typeface="Georgia" panose="02040502050405020303" pitchFamily="18" charset="0"/>
+                <a:cs typeface="Arial" panose="020B0604020202020204" pitchFamily="34" charset="0"/>
+                <a:sym typeface="Georgia" panose="02040502050405020303" pitchFamily="18" charset="0"/>
+              </a:rPr>
+              <a:t>duplicatate</a:t>
+            </a:r>
+            <a:r>
+              <a:rPr lang="sv-SE" altLang="sv-SE" sz="2400" i="0" dirty="0" smtClean="0">
+                <a:latin typeface="Georgia" panose="02040502050405020303" pitchFamily="18" charset="0"/>
+                <a:cs typeface="Arial" panose="020B0604020202020204" pitchFamily="34" charset="0"/>
+                <a:sym typeface="Georgia" panose="02040502050405020303" pitchFamily="18" charset="0"/>
+              </a:rPr>
+              <a:t> </a:t>
+            </a:r>
+            <a:r>
+              <a:rPr lang="sv-SE" altLang="sv-SE" sz="2400" i="0" dirty="0" err="1" smtClean="0">
+                <a:latin typeface="Georgia" panose="02040502050405020303" pitchFamily="18" charset="0"/>
+                <a:cs typeface="Arial" panose="020B0604020202020204" pitchFamily="34" charset="0"/>
+                <a:sym typeface="Georgia" panose="02040502050405020303" pitchFamily="18" charset="0"/>
+              </a:rPr>
+              <a:t>neighbours</a:t>
+            </a:r>
+            <a:r>
+              <a:rPr lang="sv-SE" altLang="sv-SE" sz="2400" i="0" dirty="0">
+                <a:latin typeface="Georgia" panose="02040502050405020303" pitchFamily="18" charset="0"/>
+                <a:cs typeface="Arial" panose="020B0604020202020204" pitchFamily="34" charset="0"/>
+                <a:sym typeface="Georgia" panose="02040502050405020303" pitchFamily="18" charset="0"/>
+              </a:rPr>
+              <a:t>.</a:t>
+            </a:r>
             <a:endParaRPr lang="sv-SE" altLang="sv-SE" sz="2400" i="0" dirty="0" smtClean="0">
               <a:latin typeface="Georgia" panose="02040502050405020303" pitchFamily="18" charset="0"/>
               <a:cs typeface="Arial" panose="020B0604020202020204" pitchFamily="34" charset="0"/>
               <a:sym typeface="Georgia" panose="02040502050405020303" pitchFamily="18" charset="0"/>
             </a:endParaRPr>
-          </a:p>
-          <a:p>
-            <a:r>
-              <a:rPr lang="sv-SE" altLang="sv-SE" sz="2400" i="0" dirty="0" smtClean="0">
-                <a:latin typeface="Georgia" panose="02040502050405020303" pitchFamily="18" charset="0"/>
-                <a:cs typeface="Arial" panose="020B0604020202020204" pitchFamily="34" charset="0"/>
-                <a:sym typeface="Georgia" panose="02040502050405020303" pitchFamily="18" charset="0"/>
-              </a:rPr>
-              <a:t>Gain accuracy by using more appropriate features</a:t>
-            </a:r>
           </a:p>
           <a:p>
             <a:r>
@@ -25667,8 +24760,45 @@
                 <a:cs typeface="Arial" panose="020B0604020202020204" pitchFamily="34" charset="0"/>
                 <a:sym typeface="Georgia" panose="02040502050405020303" pitchFamily="18" charset="0"/>
               </a:rPr>
-              <a:t>Song pattern recognition</a:t>
-            </a:r>
+              <a:t>Song </a:t>
+            </a:r>
+            <a:r>
+              <a:rPr lang="sv-SE" altLang="sv-SE" sz="2400" i="0" dirty="0" err="1" smtClean="0">
+                <a:latin typeface="Georgia" panose="02040502050405020303" pitchFamily="18" charset="0"/>
+                <a:cs typeface="Arial" panose="020B0604020202020204" pitchFamily="34" charset="0"/>
+                <a:sym typeface="Georgia" panose="02040502050405020303" pitchFamily="18" charset="0"/>
+              </a:rPr>
+              <a:t>pattern</a:t>
+            </a:r>
+            <a:r>
+              <a:rPr lang="sv-SE" altLang="sv-SE" sz="2400" i="0" dirty="0" smtClean="0">
+                <a:latin typeface="Georgia" panose="02040502050405020303" pitchFamily="18" charset="0"/>
+                <a:cs typeface="Arial" panose="020B0604020202020204" pitchFamily="34" charset="0"/>
+                <a:sym typeface="Georgia" panose="02040502050405020303" pitchFamily="18" charset="0"/>
+              </a:rPr>
+              <a:t> </a:t>
+            </a:r>
+            <a:r>
+              <a:rPr lang="sv-SE" altLang="sv-SE" sz="2400" i="0" dirty="0" err="1" smtClean="0">
+                <a:latin typeface="Georgia" panose="02040502050405020303" pitchFamily="18" charset="0"/>
+                <a:cs typeface="Arial" panose="020B0604020202020204" pitchFamily="34" charset="0"/>
+                <a:sym typeface="Georgia" panose="02040502050405020303" pitchFamily="18" charset="0"/>
+              </a:rPr>
+              <a:t>recognition</a:t>
+            </a:r>
+            <a:r>
+              <a:rPr lang="sv-SE" altLang="sv-SE" sz="2400" i="0" dirty="0" smtClean="0">
+                <a:latin typeface="Georgia" panose="02040502050405020303" pitchFamily="18" charset="0"/>
+                <a:cs typeface="Arial" panose="020B0604020202020204" pitchFamily="34" charset="0"/>
+                <a:sym typeface="Georgia" panose="02040502050405020303" pitchFamily="18" charset="0"/>
+              </a:rPr>
+              <a:t>.</a:t>
+            </a:r>
+            <a:endParaRPr lang="sv-SE" altLang="sv-SE" sz="2400" i="0" dirty="0" smtClean="0">
+              <a:latin typeface="Georgia" panose="02040502050405020303" pitchFamily="18" charset="0"/>
+              <a:cs typeface="Arial" panose="020B0604020202020204" pitchFamily="34" charset="0"/>
+              <a:sym typeface="Georgia" panose="02040502050405020303" pitchFamily="18" charset="0"/>
+            </a:endParaRPr>
           </a:p>
           <a:p>
             <a:endParaRPr lang="sv-SE" altLang="sv-SE" sz="2400" i="0" dirty="0" smtClean="0">
@@ -25696,88 +24826,6 @@
 </file>
 
 <file path=ppt/slides/slide14.xml><?xml version="1.0" encoding="utf-8"?>
-<p:sld xmlns:a="http://schemas.openxmlformats.org/drawingml/2006/main" xmlns:r="http://schemas.openxmlformats.org/officeDocument/2006/relationships" xmlns:p="http://schemas.openxmlformats.org/presentationml/2006/main">
-  <p:cSld>
-    <p:spTree>
-      <p:nvGrpSpPr>
-        <p:cNvPr id="1" name=""/>
-        <p:cNvGrpSpPr/>
-        <p:nvPr/>
-      </p:nvGrpSpPr>
-      <p:grpSpPr>
-        <a:xfrm>
-          <a:off x="0" y="0"/>
-          <a:ext cx="0" cy="0"/>
-          <a:chOff x="0" y="0"/>
-          <a:chExt cx="0" cy="0"/>
-        </a:xfrm>
-      </p:grpSpPr>
-      <p:sp>
-        <p:nvSpPr>
-          <p:cNvPr id="2" name="Title 1"/>
-          <p:cNvSpPr>
-            <a:spLocks noGrp="1"/>
-          </p:cNvSpPr>
-          <p:nvPr>
-            <p:ph type="title"/>
-          </p:nvPr>
-        </p:nvSpPr>
-        <p:spPr/>
-        <p:txBody>
-          <a:bodyPr/>
-          <a:lstStyle/>
-          <a:p>
-            <a:endParaRPr lang="sv-SE"/>
-          </a:p>
-        </p:txBody>
-      </p:sp>
-      <p:graphicFrame>
-        <p:nvGraphicFramePr>
-          <p:cNvPr id="22" name="Content Placeholder 21"/>
-          <p:cNvGraphicFramePr>
-            <a:graphicFrameLocks noGrp="1"/>
-          </p:cNvGraphicFramePr>
-          <p:nvPr>
-            <p:ph sz="quarter" idx="10"/>
-            <p:extLst>
-              <p:ext uri="{D42A27DB-BD31-4B8C-83A1-F6EECF244321}">
-                <p14:modId xmlns:p14="http://schemas.microsoft.com/office/powerpoint/2010/main" val="3243627728"/>
-              </p:ext>
-            </p:extLst>
-          </p:nvPr>
-        </p:nvGraphicFramePr>
-        <p:xfrm>
-          <a:off x="1911350" y="2590800"/>
-          <a:ext cx="8382000" cy="5181600"/>
-        </p:xfrm>
-        <a:graphic>
-          <a:graphicData uri="http://schemas.openxmlformats.org/drawingml/2006/chart">
-            <c:chart xmlns:c="http://schemas.openxmlformats.org/drawingml/2006/chart" xmlns:r="http://schemas.openxmlformats.org/officeDocument/2006/relationships" r:id="rId2"/>
-          </a:graphicData>
-        </a:graphic>
-      </p:graphicFrame>
-    </p:spTree>
-    <p:extLst>
-      <p:ext uri="{BB962C8B-B14F-4D97-AF65-F5344CB8AC3E}">
-        <p14:creationId xmlns:p14="http://schemas.microsoft.com/office/powerpoint/2010/main" val="3697216855"/>
-      </p:ext>
-    </p:extLst>
-  </p:cSld>
-  <p:clrMapOvr>
-    <a:masterClrMapping/>
-  </p:clrMapOvr>
-  <p:transition/>
-  <p:timing>
-    <p:tnLst>
-      <p:par>
-        <p:cTn id="1" dur="indefinite" restart="never" nodeType="tmRoot"/>
-      </p:par>
-    </p:tnLst>
-  </p:timing>
-</p:sld>
-</file>
-
-<file path=ppt/slides/slide15.xml><?xml version="1.0" encoding="utf-8"?>
 <p:sld xmlns:a="http://schemas.openxmlformats.org/drawingml/2006/main" xmlns:r="http://schemas.openxmlformats.org/officeDocument/2006/relationships" xmlns:p="http://schemas.openxmlformats.org/presentationml/2006/main">
   <p:cSld>
     <p:spTree>
@@ -27325,55 +26373,6 @@
           </a:p>
         </p:txBody>
       </p:sp>
-      <p:pic>
-        <p:nvPicPr>
-          <p:cNvPr id="2" name="Content Placeholder 1"/>
-          <p:cNvPicPr>
-            <a:picLocks noGrp="1" noChangeAspect="1"/>
-          </p:cNvPicPr>
-          <p:nvPr>
-            <p:ph idx="10"/>
-          </p:nvPr>
-        </p:nvPicPr>
-        <p:blipFill>
-          <a:blip r:embed="rId3">
-            <a:extLst>
-              <a:ext uri="{28A0092B-C50C-407E-A947-70E740481C1C}">
-                <a14:useLocalDpi xmlns:a14="http://schemas.microsoft.com/office/drawing/2010/main" val="0"/>
-              </a:ext>
-            </a:extLst>
-          </a:blip>
-          <a:stretch>
-            <a:fillRect/>
-          </a:stretch>
-        </p:blipFill>
-        <p:spPr bwMode="auto">
-          <a:xfrm>
-            <a:off x="5782320" y="5452864"/>
-            <a:ext cx="5184577" cy="3888433"/>
-          </a:xfrm>
-          <a:noFill/>
-          <a:extLst>
-            <a:ext uri="{909E8E84-426E-40DD-AFC4-6F175D3DCCD1}">
-              <a14:hiddenFill xmlns:a14="http://schemas.microsoft.com/office/drawing/2010/main">
-                <a:solidFill>
-                  <a:srgbClr val="FFFFFF"/>
-                </a:solidFill>
-              </a14:hiddenFill>
-            </a:ext>
-            <a:ext uri="{91240B29-F687-4F45-9708-019B960494DF}">
-              <a14:hiddenLine xmlns:a14="http://schemas.microsoft.com/office/drawing/2010/main" w="9525">
-                <a:solidFill>
-                  <a:srgbClr val="000000"/>
-                </a:solidFill>
-                <a:miter lim="800000"/>
-                <a:headEnd/>
-                <a:tailEnd/>
-              </a14:hiddenLine>
-            </a:ext>
-          </a:extLst>
-        </p:spPr>
-      </p:pic>
       <p:sp>
         <p:nvSpPr>
           <p:cNvPr id="5" name="Content Placeholder 2"/>
@@ -27593,13 +26592,13 @@
             <a:pPr eaLnBrk="1" hangingPunct="1"/>
             <a:r>
               <a:rPr lang="en-US" i="0" dirty="0">
-                <a:hlinkClick r:id="rId4" tooltip="Estimation theory"/>
+                <a:hlinkClick r:id="rId3" tooltip="Estimation theory"/>
               </a:rPr>
               <a:t>E</a:t>
             </a:r>
             <a:r>
               <a:rPr lang="en-US" i="0" dirty="0" smtClean="0">
-                <a:hlinkClick r:id="rId4" tooltip="Estimation theory"/>
+                <a:hlinkClick r:id="rId3" tooltip="Estimation theory"/>
               </a:rPr>
               <a:t>stimate</a:t>
             </a:r>
@@ -27609,7 +26608,7 @@
             </a:r>
             <a:r>
               <a:rPr lang="en-US" i="0" dirty="0" smtClean="0">
-                <a:hlinkClick r:id="rId5" tooltip="Spectral density"/>
+                <a:hlinkClick r:id="rId4" tooltip="Spectral density"/>
               </a:rPr>
               <a:t>power spectral density</a:t>
             </a:r>
@@ -27623,7 +26622,7 @@
             </a:r>
             <a:r>
               <a:rPr lang="en-US" i="0" dirty="0" smtClean="0">
-                <a:hlinkClick r:id="rId6" tooltip="Random signal"/>
+                <a:hlinkClick r:id="rId5" tooltip="Random signal"/>
               </a:rPr>
               <a:t>signal</a:t>
             </a:r>
@@ -27648,7 +26647,7 @@
             </a:r>
             <a:r>
               <a:rPr lang="en-US" i="0" dirty="0">
-                <a:hlinkClick r:id="rId7" tooltip="Frequency"/>
+                <a:hlinkClick r:id="rId6" tooltip="Frequency"/>
               </a:rPr>
               <a:t>frequency</a:t>
             </a:r>
@@ -27673,7 +26672,7 @@
             </a:r>
             <a:r>
               <a:rPr lang="en-US" sz="2800" i="0" dirty="0">
-                <a:hlinkClick r:id="rId8" tooltip="Periodic function"/>
+                <a:hlinkClick r:id="rId7" tooltip="Periodic function"/>
               </a:rPr>
               <a:t>periodicities</a:t>
             </a:r>
@@ -27748,6 +26747,25 @@
               <a:latin typeface="Georgia" panose="02040502050405020303" pitchFamily="18" charset="0"/>
               <a:cs typeface="Arial" panose="020B0604020202020204" pitchFamily="34" charset="0"/>
             </a:endParaRPr>
+          </a:p>
+        </p:txBody>
+      </p:sp>
+      <p:sp>
+        <p:nvSpPr>
+          <p:cNvPr id="3" name="Content Placeholder 2"/>
+          <p:cNvSpPr>
+            <a:spLocks noGrp="1"/>
+          </p:cNvSpPr>
+          <p:nvPr>
+            <p:ph sz="quarter" idx="10"/>
+          </p:nvPr>
+        </p:nvSpPr>
+        <p:spPr/>
+        <p:txBody>
+          <a:bodyPr/>
+          <a:lstStyle/>
+          <a:p>
+            <a:endParaRPr lang="sv-SE" dirty="0"/>
           </a:p>
         </p:txBody>
       </p:sp>
@@ -28118,8 +27136,20 @@
           <a:lstStyle/>
           <a:p>
             <a:r>
+              <a:rPr lang="sv-SE" dirty="0" err="1" smtClean="0"/>
+              <a:t>Frequency</a:t>
+            </a:r>
+            <a:r>
               <a:rPr lang="sv-SE" dirty="0" smtClean="0"/>
-              <a:t>FFT </a:t>
+              <a:t> </a:t>
+            </a:r>
+            <a:r>
+              <a:rPr lang="sv-SE" dirty="0" err="1" smtClean="0"/>
+              <a:t>amplitude</a:t>
+            </a:r>
+            <a:r>
+              <a:rPr lang="sv-SE" dirty="0" smtClean="0"/>
+              <a:t> </a:t>
             </a:r>
             <a:r>
               <a:rPr lang="sv-SE" dirty="0" err="1" smtClean="0"/>
